--- a/Presentation.pptx
+++ b/Presentation.pptx
@@ -107,6 +107,11 @@
       </a:defRPr>
     </a:lvl9pPr>
   </p:defaultTextStyle>
+  <p:extLst>
+    <p:ext uri="{EFAFB233-063F-42B5-8137-9DF3F51BA10A}">
+      <p15:sldGuideLst xmlns:p15="http://schemas.microsoft.com/office/powerpoint/2012/main"/>
+    </p:ext>
+  </p:extLst>
 </p:presentation>
 </file>
 
@@ -3326,66 +3331,6 @@
       </p:grpSpPr>
       <p:sp>
         <p:nvSpPr>
-          <p:cNvPr id="5" name="Rectangle 4">
-            <a:extLst>
-              <a:ext uri="{FF2B5EF4-FFF2-40B4-BE49-F238E27FC236}">
-                <a16:creationId xmlns:a16="http://schemas.microsoft.com/office/drawing/2014/main" id="{E7A53534-3F9A-3C4D-B462-917F33CD3236}"/>
-              </a:ext>
-            </a:extLst>
-          </p:cNvPr>
-          <p:cNvSpPr>
-            <a:spLocks noChangeAspect="1"/>
-          </p:cNvSpPr>
-          <p:nvPr/>
-        </p:nvSpPr>
-        <p:spPr>
-          <a:xfrm>
-            <a:off x="7236520" y="2622956"/>
-            <a:ext cx="4235044" cy="4235044"/>
-          </a:xfrm>
-          <a:prstGeom prst="rect">
-            <a:avLst/>
-          </a:prstGeom>
-          <a:blipFill dpi="0" rotWithShape="1">
-            <a:blip r:embed="rId2">
-              <a:alphaModFix amt="7000"/>
-              <a:biLevel thresh="50000"/>
-            </a:blip>
-            <a:srcRect/>
-            <a:stretch>
-              <a:fillRect/>
-            </a:stretch>
-          </a:blipFill>
-          <a:ln>
-            <a:noFill/>
-          </a:ln>
-          <a:effectLst/>
-        </p:spPr>
-        <p:style>
-          <a:lnRef idx="1">
-            <a:schemeClr val="accent1"/>
-          </a:lnRef>
-          <a:fillRef idx="3">
-            <a:schemeClr val="accent1"/>
-          </a:fillRef>
-          <a:effectRef idx="2">
-            <a:schemeClr val="accent1"/>
-          </a:effectRef>
-          <a:fontRef idx="minor">
-            <a:schemeClr val="lt1"/>
-          </a:fontRef>
-        </p:style>
-        <p:txBody>
-          <a:bodyPr rtlCol="0" anchor="ctr"/>
-          <a:lstStyle/>
-          <a:p>
-            <a:pPr algn="ctr"/>
-            <a:endParaRPr lang="en-US"/>
-          </a:p>
-        </p:txBody>
-      </p:sp>
-      <p:sp>
-        <p:nvSpPr>
           <p:cNvPr id="4" name="Slide Number Placeholder 3"/>
           <p:cNvSpPr>
             <a:spLocks noGrp="1"/>
@@ -3421,8 +3366,8 @@
         </p:nvSpPr>
         <p:spPr>
           <a:xfrm>
-            <a:off x="1701012" y="3070159"/>
-            <a:ext cx="4752111" cy="1138773"/>
+            <a:off x="720436" y="3273421"/>
+            <a:ext cx="5148349" cy="1446550"/>
           </a:xfrm>
           <a:prstGeom prst="rect">
             <a:avLst/>
@@ -3455,7 +3400,19 @@
                 <a:latin typeface="Arial" panose="020B0604020202020204" pitchFamily="34" charset="0"/>
                 <a:cs typeface="Arial" panose="020B0604020202020204" pitchFamily="34" charset="0"/>
               </a:rPr>
-              <a:t>October 20</a:t>
+              <a:t>Winter Institute of Medical Physics (WIMP)</a:t>
+            </a:r>
+          </a:p>
+          <a:p>
+            <a:r>
+              <a:rPr lang="en-US" sz="2000" dirty="0">
+                <a:solidFill>
+                  <a:srgbClr val="58595B"/>
+                </a:solidFill>
+                <a:latin typeface="Arial" panose="020B0604020202020204" pitchFamily="34" charset="0"/>
+                <a:cs typeface="Arial" panose="020B0604020202020204" pitchFamily="34" charset="0"/>
+              </a:rPr>
+              <a:t>February 24</a:t>
             </a:r>
             <a:r>
               <a:rPr lang="en-US" sz="2000" baseline="30000" dirty="0">
@@ -3475,7 +3432,7 @@
                 <a:latin typeface="Arial" panose="020B0604020202020204" pitchFamily="34" charset="0"/>
                 <a:cs typeface="Arial" panose="020B0604020202020204" pitchFamily="34" charset="0"/>
               </a:rPr>
-              <a:t>, 2022</a:t>
+              <a:t>, 2025</a:t>
             </a:r>
           </a:p>
           <a:p>
@@ -3494,36 +3451,6 @@
           </a:p>
         </p:txBody>
       </p:sp>
-      <p:pic>
-        <p:nvPicPr>
-          <p:cNvPr id="7" name="Picture 6">
-            <a:extLst>
-              <a:ext uri="{FF2B5EF4-FFF2-40B4-BE49-F238E27FC236}">
-                <a16:creationId xmlns:a16="http://schemas.microsoft.com/office/drawing/2014/main" id="{2A30632B-1497-964F-B7ED-194E568AADD6}"/>
-              </a:ext>
-            </a:extLst>
-          </p:cNvPr>
-          <p:cNvPicPr>
-            <a:picLocks noChangeAspect="1"/>
-          </p:cNvPicPr>
-          <p:nvPr/>
-        </p:nvPicPr>
-        <p:blipFill>
-          <a:blip r:embed="rId3"/>
-          <a:stretch>
-            <a:fillRect/>
-          </a:stretch>
-        </p:blipFill>
-        <p:spPr>
-          <a:xfrm>
-            <a:off x="811334" y="4764967"/>
-            <a:ext cx="4398484" cy="1235075"/>
-          </a:xfrm>
-          <a:prstGeom prst="rect">
-            <a:avLst/>
-          </a:prstGeom>
-        </p:spPr>
-      </p:pic>
       <p:sp>
         <p:nvSpPr>
           <p:cNvPr id="8" name="TextBox 7">
@@ -3592,105 +3519,6 @@
           </a:p>
         </p:txBody>
       </p:sp>
-      <p:pic>
-        <p:nvPicPr>
-          <p:cNvPr id="12" name="Picture 11" descr="A person with his arms crossed&#10;&#10;Description automatically generated with medium confidence">
-            <a:extLst>
-              <a:ext uri="{FF2B5EF4-FFF2-40B4-BE49-F238E27FC236}">
-                <a16:creationId xmlns:a16="http://schemas.microsoft.com/office/drawing/2014/main" id="{560D5116-200B-81FC-E529-484DD376B0B0}"/>
-              </a:ext>
-            </a:extLst>
-          </p:cNvPr>
-          <p:cNvPicPr>
-            <a:picLocks noChangeAspect="1"/>
-          </p:cNvPicPr>
-          <p:nvPr/>
-        </p:nvPicPr>
-        <p:blipFill>
-          <a:blip r:embed="rId4">
-            <a:extLst>
-              <a:ext uri="{28A0092B-C50C-407E-A947-70E740481C1C}">
-                <a14:useLocalDpi xmlns:a14="http://schemas.microsoft.com/office/drawing/2010/main" val="0"/>
-              </a:ext>
-            </a:extLst>
-          </a:blip>
-          <a:srcRect t="3396"/>
-          <a:stretch>
-            <a:fillRect/>
-          </a:stretch>
-        </p:blipFill>
-        <p:spPr>
-          <a:xfrm>
-            <a:off x="208023" y="2658426"/>
-            <a:ext cx="1492989" cy="1923040"/>
-          </a:xfrm>
-          <a:custGeom>
-            <a:avLst/>
-            <a:gdLst>
-              <a:gd name="connsiteX0" fmla="*/ 1864135 w 3728270"/>
-              <a:gd name="connsiteY0" fmla="*/ 0 h 4802186"/>
-              <a:gd name="connsiteX1" fmla="*/ 3728270 w 3728270"/>
-              <a:gd name="connsiteY1" fmla="*/ 2401093 h 4802186"/>
-              <a:gd name="connsiteX2" fmla="*/ 1864135 w 3728270"/>
-              <a:gd name="connsiteY2" fmla="*/ 4802186 h 4802186"/>
-              <a:gd name="connsiteX3" fmla="*/ 0 w 3728270"/>
-              <a:gd name="connsiteY3" fmla="*/ 2401093 h 4802186"/>
-              <a:gd name="connsiteX4" fmla="*/ 1864135 w 3728270"/>
-              <a:gd name="connsiteY4" fmla="*/ 0 h 4802186"/>
-            </a:gdLst>
-            <a:ahLst/>
-            <a:cxnLst>
-              <a:cxn ang="0">
-                <a:pos x="connsiteX0" y="connsiteY0"/>
-              </a:cxn>
-              <a:cxn ang="0">
-                <a:pos x="connsiteX1" y="connsiteY1"/>
-              </a:cxn>
-              <a:cxn ang="0">
-                <a:pos x="connsiteX2" y="connsiteY2"/>
-              </a:cxn>
-              <a:cxn ang="0">
-                <a:pos x="connsiteX3" y="connsiteY3"/>
-              </a:cxn>
-              <a:cxn ang="0">
-                <a:pos x="connsiteX4" y="connsiteY4"/>
-              </a:cxn>
-            </a:cxnLst>
-            <a:rect l="l" t="t" r="r" b="b"/>
-            <a:pathLst>
-              <a:path w="3728270" h="4802186">
-                <a:moveTo>
-                  <a:pt x="1864135" y="0"/>
-                </a:moveTo>
-                <a:cubicBezTo>
-                  <a:pt x="2893668" y="0"/>
-                  <a:pt x="3728270" y="1075006"/>
-                  <a:pt x="3728270" y="2401093"/>
-                </a:cubicBezTo>
-                <a:cubicBezTo>
-                  <a:pt x="3728270" y="3727180"/>
-                  <a:pt x="2893668" y="4802186"/>
-                  <a:pt x="1864135" y="4802186"/>
-                </a:cubicBezTo>
-                <a:cubicBezTo>
-                  <a:pt x="834602" y="4802186"/>
-                  <a:pt x="0" y="3727180"/>
-                  <a:pt x="0" y="2401093"/>
-                </a:cubicBezTo>
-                <a:cubicBezTo>
-                  <a:pt x="0" y="1075006"/>
-                  <a:pt x="834602" y="0"/>
-                  <a:pt x="1864135" y="0"/>
-                </a:cubicBezTo>
-                <a:close/>
-              </a:path>
-            </a:pathLst>
-          </a:custGeom>
-          <a:effectLst>
-            <a:softEdge rad="139700"/>
-          </a:effectLst>
-        </p:spPr>
-      </p:pic>
     </p:spTree>
     <p:extLst>
       <p:ext uri="{BB962C8B-B14F-4D97-AF65-F5344CB8AC3E}">

--- a/Presentation.pptx
+++ b/Presentation.pptx
@@ -4,11 +4,21 @@
   <p:sldMasterIdLst>
     <p:sldMasterId id="2147483648" r:id="rId1"/>
   </p:sldMasterIdLst>
+  <p:notesMasterIdLst>
+    <p:notesMasterId r:id="rId13"/>
+  </p:notesMasterIdLst>
   <p:sldIdLst>
     <p:sldId id="257" r:id="rId2"/>
     <p:sldId id="258" r:id="rId3"/>
     <p:sldId id="259" r:id="rId4"/>
     <p:sldId id="260" r:id="rId5"/>
+    <p:sldId id="552" r:id="rId6"/>
+    <p:sldId id="549" r:id="rId7"/>
+    <p:sldId id="551" r:id="rId8"/>
+    <p:sldId id="545" r:id="rId9"/>
+    <p:sldId id="535" r:id="rId10"/>
+    <p:sldId id="536" r:id="rId11"/>
+    <p:sldId id="553" r:id="rId12"/>
   </p:sldIdLst>
   <p:sldSz cx="12192000" cy="6858000"/>
   <p:notesSz cx="6858000" cy="9144000"/>
@@ -115,6 +125,442 @@
 </p:presentation>
 </file>
 
+<file path=ppt/notesMasters/notesMaster1.xml><?xml version="1.0" encoding="utf-8"?>
+<p:notesMaster xmlns:a="http://schemas.openxmlformats.org/drawingml/2006/main" xmlns:r="http://schemas.openxmlformats.org/officeDocument/2006/relationships" xmlns:p="http://schemas.openxmlformats.org/presentationml/2006/main">
+  <p:cSld>
+    <p:bg>
+      <p:bgRef idx="1001">
+        <a:schemeClr val="bg1"/>
+      </p:bgRef>
+    </p:bg>
+    <p:spTree>
+      <p:nvGrpSpPr>
+        <p:cNvPr id="1" name=""/>
+        <p:cNvGrpSpPr/>
+        <p:nvPr/>
+      </p:nvGrpSpPr>
+      <p:grpSpPr>
+        <a:xfrm>
+          <a:off x="0" y="0"/>
+          <a:ext cx="0" cy="0"/>
+          <a:chOff x="0" y="0"/>
+          <a:chExt cx="0" cy="0"/>
+        </a:xfrm>
+      </p:grpSpPr>
+      <p:sp>
+        <p:nvSpPr>
+          <p:cNvPr id="2" name="Header Placeholder 1"/>
+          <p:cNvSpPr>
+            <a:spLocks noGrp="1"/>
+          </p:cNvSpPr>
+          <p:nvPr>
+            <p:ph type="hdr" sz="quarter"/>
+          </p:nvPr>
+        </p:nvSpPr>
+        <p:spPr>
+          <a:xfrm>
+            <a:off x="0" y="0"/>
+            <a:ext cx="2971800" cy="458788"/>
+          </a:xfrm>
+          <a:prstGeom prst="rect">
+            <a:avLst/>
+          </a:prstGeom>
+        </p:spPr>
+        <p:txBody>
+          <a:bodyPr vert="horz" lIns="91440" tIns="45720" rIns="91440" bIns="45720" rtlCol="0"/>
+          <a:lstStyle>
+            <a:lvl1pPr algn="l">
+              <a:defRPr sz="1200"/>
+            </a:lvl1pPr>
+          </a:lstStyle>
+          <a:p>
+            <a:endParaRPr lang="en-US"/>
+          </a:p>
+        </p:txBody>
+      </p:sp>
+      <p:sp>
+        <p:nvSpPr>
+          <p:cNvPr id="3" name="Date Placeholder 2"/>
+          <p:cNvSpPr>
+            <a:spLocks noGrp="1"/>
+          </p:cNvSpPr>
+          <p:nvPr>
+            <p:ph type="dt" idx="1"/>
+          </p:nvPr>
+        </p:nvSpPr>
+        <p:spPr>
+          <a:xfrm>
+            <a:off x="3884613" y="0"/>
+            <a:ext cx="2971800" cy="458788"/>
+          </a:xfrm>
+          <a:prstGeom prst="rect">
+            <a:avLst/>
+          </a:prstGeom>
+        </p:spPr>
+        <p:txBody>
+          <a:bodyPr vert="horz" lIns="91440" tIns="45720" rIns="91440" bIns="45720" rtlCol="0"/>
+          <a:lstStyle>
+            <a:lvl1pPr algn="r">
+              <a:defRPr sz="1200"/>
+            </a:lvl1pPr>
+          </a:lstStyle>
+          <a:p>
+            <a:fld id="{3530B25B-A6B1-413C-9AFA-FB5964E645CD}" type="datetimeFigureOut">
+              <a:rPr lang="en-US" smtClean="0"/>
+              <a:t>2/25/2025</a:t>
+            </a:fld>
+            <a:endParaRPr lang="en-US"/>
+          </a:p>
+        </p:txBody>
+      </p:sp>
+      <p:sp>
+        <p:nvSpPr>
+          <p:cNvPr id="4" name="Slide Image Placeholder 3"/>
+          <p:cNvSpPr>
+            <a:spLocks noGrp="1" noRot="1" noChangeAspect="1"/>
+          </p:cNvSpPr>
+          <p:nvPr>
+            <p:ph type="sldImg" idx="2"/>
+          </p:nvPr>
+        </p:nvSpPr>
+        <p:spPr>
+          <a:xfrm>
+            <a:off x="685800" y="1143000"/>
+            <a:ext cx="5486400" cy="3086100"/>
+          </a:xfrm>
+          <a:prstGeom prst="rect">
+            <a:avLst/>
+          </a:prstGeom>
+          <a:noFill/>
+          <a:ln w="12700">
+            <a:solidFill>
+              <a:prstClr val="black"/>
+            </a:solidFill>
+          </a:ln>
+        </p:spPr>
+        <p:txBody>
+          <a:bodyPr vert="horz" lIns="91440" tIns="45720" rIns="91440" bIns="45720" rtlCol="0" anchor="ctr"/>
+          <a:lstStyle/>
+          <a:p>
+            <a:endParaRPr lang="en-US"/>
+          </a:p>
+        </p:txBody>
+      </p:sp>
+      <p:sp>
+        <p:nvSpPr>
+          <p:cNvPr id="5" name="Notes Placeholder 4"/>
+          <p:cNvSpPr>
+            <a:spLocks noGrp="1"/>
+          </p:cNvSpPr>
+          <p:nvPr>
+            <p:ph type="body" sz="quarter" idx="3"/>
+          </p:nvPr>
+        </p:nvSpPr>
+        <p:spPr>
+          <a:xfrm>
+            <a:off x="685800" y="4400550"/>
+            <a:ext cx="5486400" cy="3600450"/>
+          </a:xfrm>
+          <a:prstGeom prst="rect">
+            <a:avLst/>
+          </a:prstGeom>
+        </p:spPr>
+        <p:txBody>
+          <a:bodyPr vert="horz" lIns="91440" tIns="45720" rIns="91440" bIns="45720" rtlCol="0"/>
+          <a:lstStyle/>
+          <a:p>
+            <a:pPr lvl="0"/>
+            <a:r>
+              <a:rPr lang="en-US"/>
+              <a:t>Click to edit Master text styles</a:t>
+            </a:r>
+          </a:p>
+          <a:p>
+            <a:pPr lvl="1"/>
+            <a:r>
+              <a:rPr lang="en-US"/>
+              <a:t>Second level</a:t>
+            </a:r>
+          </a:p>
+          <a:p>
+            <a:pPr lvl="2"/>
+            <a:r>
+              <a:rPr lang="en-US"/>
+              <a:t>Third level</a:t>
+            </a:r>
+          </a:p>
+          <a:p>
+            <a:pPr lvl="3"/>
+            <a:r>
+              <a:rPr lang="en-US"/>
+              <a:t>Fourth level</a:t>
+            </a:r>
+          </a:p>
+          <a:p>
+            <a:pPr lvl="4"/>
+            <a:r>
+              <a:rPr lang="en-US"/>
+              <a:t>Fifth level</a:t>
+            </a:r>
+          </a:p>
+        </p:txBody>
+      </p:sp>
+      <p:sp>
+        <p:nvSpPr>
+          <p:cNvPr id="6" name="Footer Placeholder 5"/>
+          <p:cNvSpPr>
+            <a:spLocks noGrp="1"/>
+          </p:cNvSpPr>
+          <p:nvPr>
+            <p:ph type="ftr" sz="quarter" idx="4"/>
+          </p:nvPr>
+        </p:nvSpPr>
+        <p:spPr>
+          <a:xfrm>
+            <a:off x="0" y="8685213"/>
+            <a:ext cx="2971800" cy="458787"/>
+          </a:xfrm>
+          <a:prstGeom prst="rect">
+            <a:avLst/>
+          </a:prstGeom>
+        </p:spPr>
+        <p:txBody>
+          <a:bodyPr vert="horz" lIns="91440" tIns="45720" rIns="91440" bIns="45720" rtlCol="0" anchor="b"/>
+          <a:lstStyle>
+            <a:lvl1pPr algn="l">
+              <a:defRPr sz="1200"/>
+            </a:lvl1pPr>
+          </a:lstStyle>
+          <a:p>
+            <a:endParaRPr lang="en-US"/>
+          </a:p>
+        </p:txBody>
+      </p:sp>
+      <p:sp>
+        <p:nvSpPr>
+          <p:cNvPr id="7" name="Slide Number Placeholder 6"/>
+          <p:cNvSpPr>
+            <a:spLocks noGrp="1"/>
+          </p:cNvSpPr>
+          <p:nvPr>
+            <p:ph type="sldNum" sz="quarter" idx="5"/>
+          </p:nvPr>
+        </p:nvSpPr>
+        <p:spPr>
+          <a:xfrm>
+            <a:off x="3884613" y="8685213"/>
+            <a:ext cx="2971800" cy="458787"/>
+          </a:xfrm>
+          <a:prstGeom prst="rect">
+            <a:avLst/>
+          </a:prstGeom>
+        </p:spPr>
+        <p:txBody>
+          <a:bodyPr vert="horz" lIns="91440" tIns="45720" rIns="91440" bIns="45720" rtlCol="0" anchor="b"/>
+          <a:lstStyle>
+            <a:lvl1pPr algn="r">
+              <a:defRPr sz="1200"/>
+            </a:lvl1pPr>
+          </a:lstStyle>
+          <a:p>
+            <a:fld id="{A90CF02F-104A-4195-92AC-5F97879ACE50}" type="slidenum">
+              <a:rPr lang="en-US" smtClean="0"/>
+              <a:t>‹#›</a:t>
+            </a:fld>
+            <a:endParaRPr lang="en-US"/>
+          </a:p>
+        </p:txBody>
+      </p:sp>
+    </p:spTree>
+    <p:extLst>
+      <p:ext uri="{BB962C8B-B14F-4D97-AF65-F5344CB8AC3E}">
+        <p14:creationId xmlns:p14="http://schemas.microsoft.com/office/powerpoint/2010/main" val="1995936660"/>
+      </p:ext>
+    </p:extLst>
+  </p:cSld>
+  <p:clrMap bg1="lt1" tx1="dk1" bg2="lt2" tx2="dk2" accent1="accent1" accent2="accent2" accent3="accent3" accent4="accent4" accent5="accent5" accent6="accent6" hlink="hlink" folHlink="folHlink"/>
+  <p:notesStyle>
+    <a:lvl1pPr marL="0" algn="l" defTabSz="914400" rtl="0" eaLnBrk="1" latinLnBrk="0" hangingPunct="1">
+      <a:defRPr sz="1200" kern="1200">
+        <a:solidFill>
+          <a:schemeClr val="tx1"/>
+        </a:solidFill>
+        <a:latin typeface="+mn-lt"/>
+        <a:ea typeface="+mn-ea"/>
+        <a:cs typeface="+mn-cs"/>
+      </a:defRPr>
+    </a:lvl1pPr>
+    <a:lvl2pPr marL="457200" algn="l" defTabSz="914400" rtl="0" eaLnBrk="1" latinLnBrk="0" hangingPunct="1">
+      <a:defRPr sz="1200" kern="1200">
+        <a:solidFill>
+          <a:schemeClr val="tx1"/>
+        </a:solidFill>
+        <a:latin typeface="+mn-lt"/>
+        <a:ea typeface="+mn-ea"/>
+        <a:cs typeface="+mn-cs"/>
+      </a:defRPr>
+    </a:lvl2pPr>
+    <a:lvl3pPr marL="914400" algn="l" defTabSz="914400" rtl="0" eaLnBrk="1" latinLnBrk="0" hangingPunct="1">
+      <a:defRPr sz="1200" kern="1200">
+        <a:solidFill>
+          <a:schemeClr val="tx1"/>
+        </a:solidFill>
+        <a:latin typeface="+mn-lt"/>
+        <a:ea typeface="+mn-ea"/>
+        <a:cs typeface="+mn-cs"/>
+      </a:defRPr>
+    </a:lvl3pPr>
+    <a:lvl4pPr marL="1371600" algn="l" defTabSz="914400" rtl="0" eaLnBrk="1" latinLnBrk="0" hangingPunct="1">
+      <a:defRPr sz="1200" kern="1200">
+        <a:solidFill>
+          <a:schemeClr val="tx1"/>
+        </a:solidFill>
+        <a:latin typeface="+mn-lt"/>
+        <a:ea typeface="+mn-ea"/>
+        <a:cs typeface="+mn-cs"/>
+      </a:defRPr>
+    </a:lvl4pPr>
+    <a:lvl5pPr marL="1828800" algn="l" defTabSz="914400" rtl="0" eaLnBrk="1" latinLnBrk="0" hangingPunct="1">
+      <a:defRPr sz="1200" kern="1200">
+        <a:solidFill>
+          <a:schemeClr val="tx1"/>
+        </a:solidFill>
+        <a:latin typeface="+mn-lt"/>
+        <a:ea typeface="+mn-ea"/>
+        <a:cs typeface="+mn-cs"/>
+      </a:defRPr>
+    </a:lvl5pPr>
+    <a:lvl6pPr marL="2286000" algn="l" defTabSz="914400" rtl="0" eaLnBrk="1" latinLnBrk="0" hangingPunct="1">
+      <a:defRPr sz="1200" kern="1200">
+        <a:solidFill>
+          <a:schemeClr val="tx1"/>
+        </a:solidFill>
+        <a:latin typeface="+mn-lt"/>
+        <a:ea typeface="+mn-ea"/>
+        <a:cs typeface="+mn-cs"/>
+      </a:defRPr>
+    </a:lvl6pPr>
+    <a:lvl7pPr marL="2743200" algn="l" defTabSz="914400" rtl="0" eaLnBrk="1" latinLnBrk="0" hangingPunct="1">
+      <a:defRPr sz="1200" kern="1200">
+        <a:solidFill>
+          <a:schemeClr val="tx1"/>
+        </a:solidFill>
+        <a:latin typeface="+mn-lt"/>
+        <a:ea typeface="+mn-ea"/>
+        <a:cs typeface="+mn-cs"/>
+      </a:defRPr>
+    </a:lvl7pPr>
+    <a:lvl8pPr marL="3200400" algn="l" defTabSz="914400" rtl="0" eaLnBrk="1" latinLnBrk="0" hangingPunct="1">
+      <a:defRPr sz="1200" kern="1200">
+        <a:solidFill>
+          <a:schemeClr val="tx1"/>
+        </a:solidFill>
+        <a:latin typeface="+mn-lt"/>
+        <a:ea typeface="+mn-ea"/>
+        <a:cs typeface="+mn-cs"/>
+      </a:defRPr>
+    </a:lvl8pPr>
+    <a:lvl9pPr marL="3657600" algn="l" defTabSz="914400" rtl="0" eaLnBrk="1" latinLnBrk="0" hangingPunct="1">
+      <a:defRPr sz="1200" kern="1200">
+        <a:solidFill>
+          <a:schemeClr val="tx1"/>
+        </a:solidFill>
+        <a:latin typeface="+mn-lt"/>
+        <a:ea typeface="+mn-ea"/>
+        <a:cs typeface="+mn-cs"/>
+      </a:defRPr>
+    </a:lvl9pPr>
+  </p:notesStyle>
+</p:notesMaster>
+</file>
+
+<file path=ppt/notesSlides/notesSlide1.xml><?xml version="1.0" encoding="utf-8"?>
+<p:notes xmlns:a="http://schemas.openxmlformats.org/drawingml/2006/main" xmlns:r="http://schemas.openxmlformats.org/officeDocument/2006/relationships" xmlns:p="http://schemas.openxmlformats.org/presentationml/2006/main">
+  <p:cSld>
+    <p:spTree>
+      <p:nvGrpSpPr>
+        <p:cNvPr id="1" name=""/>
+        <p:cNvGrpSpPr/>
+        <p:nvPr/>
+      </p:nvGrpSpPr>
+      <p:grpSpPr>
+        <a:xfrm>
+          <a:off x="0" y="0"/>
+          <a:ext cx="0" cy="0"/>
+          <a:chOff x="0" y="0"/>
+          <a:chExt cx="0" cy="0"/>
+        </a:xfrm>
+      </p:grpSpPr>
+      <p:sp>
+        <p:nvSpPr>
+          <p:cNvPr id="2" name="Slide Image Placeholder 1"/>
+          <p:cNvSpPr>
+            <a:spLocks noGrp="1" noRot="1" noChangeAspect="1"/>
+          </p:cNvSpPr>
+          <p:nvPr>
+            <p:ph type="sldImg"/>
+          </p:nvPr>
+        </p:nvSpPr>
+        <p:spPr/>
+      </p:sp>
+      <p:sp>
+        <p:nvSpPr>
+          <p:cNvPr id="3" name="Notes Placeholder 2"/>
+          <p:cNvSpPr>
+            <a:spLocks noGrp="1"/>
+          </p:cNvSpPr>
+          <p:nvPr>
+            <p:ph type="body" idx="1"/>
+          </p:nvPr>
+        </p:nvSpPr>
+        <p:spPr/>
+        <p:txBody>
+          <a:bodyPr/>
+          <a:lstStyle/>
+          <a:p>
+            <a:r>
+              <a:rPr lang="en-US" dirty="0"/>
+              <a:t>4 minutes</a:t>
+            </a:r>
+          </a:p>
+        </p:txBody>
+      </p:sp>
+      <p:sp>
+        <p:nvSpPr>
+          <p:cNvPr id="4" name="Slide Number Placeholder 3"/>
+          <p:cNvSpPr>
+            <a:spLocks noGrp="1"/>
+          </p:cNvSpPr>
+          <p:nvPr>
+            <p:ph type="sldNum" sz="quarter" idx="5"/>
+          </p:nvPr>
+        </p:nvSpPr>
+        <p:spPr/>
+        <p:txBody>
+          <a:bodyPr/>
+          <a:lstStyle/>
+          <a:p>
+            <a:fld id="{D394CCD8-F321-984E-8D53-437445F01A1F}" type="slidenum">
+              <a:rPr lang="nl-BE" smtClean="0"/>
+              <a:t>7</a:t>
+            </a:fld>
+            <a:endParaRPr lang="nl-BE"/>
+          </a:p>
+        </p:txBody>
+      </p:sp>
+    </p:spTree>
+    <p:extLst>
+      <p:ext uri="{BB962C8B-B14F-4D97-AF65-F5344CB8AC3E}">
+        <p14:creationId xmlns:p14="http://schemas.microsoft.com/office/powerpoint/2010/main" val="2592488911"/>
+      </p:ext>
+    </p:extLst>
+  </p:cSld>
+  <p:clrMapOvr>
+    <a:masterClrMapping/>
+  </p:clrMapOvr>
+</p:notes>
+</file>
+
 <file path=ppt/slideLayouts/slideLayout1.xml><?xml version="1.0" encoding="utf-8"?>
 <p:sldLayout xmlns:a="http://schemas.openxmlformats.org/drawingml/2006/main" xmlns:r="http://schemas.openxmlformats.org/officeDocument/2006/relationships" xmlns:p="http://schemas.openxmlformats.org/presentationml/2006/main" type="title" preserve="1">
   <p:cSld name="Title Slide">
@@ -262,7 +708,7 @@
           <a:p>
             <a:fld id="{5ABA498A-2801-4198-8460-2CF223B48C36}" type="datetimeFigureOut">
               <a:rPr lang="en-US" smtClean="0"/>
-              <a:t>2/23/2025</a:t>
+              <a:t>2/25/2025</a:t>
             </a:fld>
             <a:endParaRPr lang="en-US"/>
           </a:p>
@@ -460,7 +906,7 @@
           <a:p>
             <a:fld id="{5ABA498A-2801-4198-8460-2CF223B48C36}" type="datetimeFigureOut">
               <a:rPr lang="en-US" smtClean="0"/>
-              <a:t>2/23/2025</a:t>
+              <a:t>2/25/2025</a:t>
             </a:fld>
             <a:endParaRPr lang="en-US"/>
           </a:p>
@@ -668,7 +1114,7 @@
           <a:p>
             <a:fld id="{5ABA498A-2801-4198-8460-2CF223B48C36}" type="datetimeFigureOut">
               <a:rPr lang="en-US" smtClean="0"/>
-              <a:t>2/23/2025</a:t>
+              <a:t>2/25/2025</a:t>
             </a:fld>
             <a:endParaRPr lang="en-US"/>
           </a:p>
@@ -866,7 +1312,7 @@
           <a:p>
             <a:fld id="{5ABA498A-2801-4198-8460-2CF223B48C36}" type="datetimeFigureOut">
               <a:rPr lang="en-US" smtClean="0"/>
-              <a:t>2/23/2025</a:t>
+              <a:t>2/25/2025</a:t>
             </a:fld>
             <a:endParaRPr lang="en-US"/>
           </a:p>
@@ -1141,7 +1587,7 @@
           <a:p>
             <a:fld id="{5ABA498A-2801-4198-8460-2CF223B48C36}" type="datetimeFigureOut">
               <a:rPr lang="en-US" smtClean="0"/>
-              <a:t>2/23/2025</a:t>
+              <a:t>2/25/2025</a:t>
             </a:fld>
             <a:endParaRPr lang="en-US"/>
           </a:p>
@@ -1406,7 +1852,7 @@
           <a:p>
             <a:fld id="{5ABA498A-2801-4198-8460-2CF223B48C36}" type="datetimeFigureOut">
               <a:rPr lang="en-US" smtClean="0"/>
-              <a:t>2/23/2025</a:t>
+              <a:t>2/25/2025</a:t>
             </a:fld>
             <a:endParaRPr lang="en-US"/>
           </a:p>
@@ -1818,7 +2264,7 @@
           <a:p>
             <a:fld id="{5ABA498A-2801-4198-8460-2CF223B48C36}" type="datetimeFigureOut">
               <a:rPr lang="en-US" smtClean="0"/>
-              <a:t>2/23/2025</a:t>
+              <a:t>2/25/2025</a:t>
             </a:fld>
             <a:endParaRPr lang="en-US"/>
           </a:p>
@@ -1959,7 +2405,7 @@
           <a:p>
             <a:fld id="{5ABA498A-2801-4198-8460-2CF223B48C36}" type="datetimeFigureOut">
               <a:rPr lang="en-US" smtClean="0"/>
-              <a:t>2/23/2025</a:t>
+              <a:t>2/25/2025</a:t>
             </a:fld>
             <a:endParaRPr lang="en-US"/>
           </a:p>
@@ -2072,7 +2518,7 @@
           <a:p>
             <a:fld id="{5ABA498A-2801-4198-8460-2CF223B48C36}" type="datetimeFigureOut">
               <a:rPr lang="en-US" smtClean="0"/>
-              <a:t>2/23/2025</a:t>
+              <a:t>2/25/2025</a:t>
             </a:fld>
             <a:endParaRPr lang="en-US"/>
           </a:p>
@@ -2383,7 +2829,7 @@
           <a:p>
             <a:fld id="{5ABA498A-2801-4198-8460-2CF223B48C36}" type="datetimeFigureOut">
               <a:rPr lang="en-US" smtClean="0"/>
-              <a:t>2/23/2025</a:t>
+              <a:t>2/25/2025</a:t>
             </a:fld>
             <a:endParaRPr lang="en-US"/>
           </a:p>
@@ -2671,7 +3117,7 @@
           <a:p>
             <a:fld id="{5ABA498A-2801-4198-8460-2CF223B48C36}" type="datetimeFigureOut">
               <a:rPr lang="en-US" smtClean="0"/>
-              <a:t>2/23/2025</a:t>
+              <a:t>2/25/2025</a:t>
             </a:fld>
             <a:endParaRPr lang="en-US"/>
           </a:p>
@@ -2912,7 +3358,7 @@
           <a:p>
             <a:fld id="{5ABA498A-2801-4198-8460-2CF223B48C36}" type="datetimeFigureOut">
               <a:rPr lang="en-US" smtClean="0"/>
-              <a:t>2/23/2025</a:t>
+              <a:t>2/25/2025</a:t>
             </a:fld>
             <a:endParaRPr lang="en-US"/>
           </a:p>
@@ -3523,6 +3969,1139 @@
     <p:extLst>
       <p:ext uri="{BB962C8B-B14F-4D97-AF65-F5344CB8AC3E}">
         <p14:creationId xmlns:p14="http://schemas.microsoft.com/office/powerpoint/2010/main" val="700725999"/>
+      </p:ext>
+    </p:extLst>
+  </p:cSld>
+  <p:clrMapOvr>
+    <a:masterClrMapping/>
+  </p:clrMapOvr>
+</p:sld>
+</file>
+
+<file path=ppt/slides/slide10.xml><?xml version="1.0" encoding="utf-8"?>
+<p:sld xmlns:a="http://schemas.openxmlformats.org/drawingml/2006/main" xmlns:r="http://schemas.openxmlformats.org/officeDocument/2006/relationships" xmlns:p="http://schemas.openxmlformats.org/presentationml/2006/main">
+  <p:cSld>
+    <p:spTree>
+      <p:nvGrpSpPr>
+        <p:cNvPr id="1" name=""/>
+        <p:cNvGrpSpPr/>
+        <p:nvPr/>
+      </p:nvGrpSpPr>
+      <p:grpSpPr>
+        <a:xfrm>
+          <a:off x="0" y="0"/>
+          <a:ext cx="0" cy="0"/>
+          <a:chOff x="0" y="0"/>
+          <a:chExt cx="0" cy="0"/>
+        </a:xfrm>
+      </p:grpSpPr>
+      <p:sp>
+        <p:nvSpPr>
+          <p:cNvPr id="2" name="Title 1">
+            <a:extLst>
+              <a:ext uri="{FF2B5EF4-FFF2-40B4-BE49-F238E27FC236}">
+                <a16:creationId xmlns:a16="http://schemas.microsoft.com/office/drawing/2014/main" id="{D87AB437-8520-4A9F-FCB7-2F0D92D14E65}"/>
+              </a:ext>
+            </a:extLst>
+          </p:cNvPr>
+          <p:cNvSpPr>
+            <a:spLocks noGrp="1"/>
+          </p:cNvSpPr>
+          <p:nvPr>
+            <p:ph type="title"/>
+          </p:nvPr>
+        </p:nvSpPr>
+        <p:spPr/>
+        <p:txBody>
+          <a:bodyPr/>
+          <a:lstStyle/>
+          <a:p>
+            <a:r>
+              <a:rPr lang="en-US" dirty="0"/>
+              <a:t>Tools to help</a:t>
+            </a:r>
+          </a:p>
+        </p:txBody>
+      </p:sp>
+      <p:pic>
+        <p:nvPicPr>
+          <p:cNvPr id="4" name="Picture 3">
+            <a:extLst>
+              <a:ext uri="{FF2B5EF4-FFF2-40B4-BE49-F238E27FC236}">
+                <a16:creationId xmlns:a16="http://schemas.microsoft.com/office/drawing/2014/main" id="{A4CEC3EC-0D25-D375-5A1C-B21E147C3EA9}"/>
+              </a:ext>
+            </a:extLst>
+          </p:cNvPr>
+          <p:cNvPicPr>
+            <a:picLocks noChangeAspect="1"/>
+          </p:cNvPicPr>
+          <p:nvPr/>
+        </p:nvPicPr>
+        <p:blipFill>
+          <a:blip r:embed="rId2"/>
+          <a:stretch>
+            <a:fillRect/>
+          </a:stretch>
+        </p:blipFill>
+        <p:spPr>
+          <a:xfrm>
+            <a:off x="3951276" y="174244"/>
+            <a:ext cx="6007008" cy="1659355"/>
+          </a:xfrm>
+          <a:prstGeom prst="rect">
+            <a:avLst/>
+          </a:prstGeom>
+        </p:spPr>
+      </p:pic>
+      <p:grpSp>
+        <p:nvGrpSpPr>
+          <p:cNvPr id="22" name="Group 21">
+            <a:extLst>
+              <a:ext uri="{FF2B5EF4-FFF2-40B4-BE49-F238E27FC236}">
+                <a16:creationId xmlns:a16="http://schemas.microsoft.com/office/drawing/2014/main" id="{7E039846-F746-E1D2-3056-C5D5BE8F1E18}"/>
+              </a:ext>
+            </a:extLst>
+          </p:cNvPr>
+          <p:cNvGrpSpPr/>
+          <p:nvPr/>
+        </p:nvGrpSpPr>
+        <p:grpSpPr>
+          <a:xfrm>
+            <a:off x="7795760" y="2682238"/>
+            <a:ext cx="3177041" cy="3926996"/>
+            <a:chOff x="5685665" y="1490398"/>
+            <a:chExt cx="2543936" cy="3293102"/>
+          </a:xfrm>
+        </p:grpSpPr>
+        <p:pic>
+          <p:nvPicPr>
+            <p:cNvPr id="13" name="Picture 12">
+              <a:extLst>
+                <a:ext uri="{FF2B5EF4-FFF2-40B4-BE49-F238E27FC236}">
+                  <a16:creationId xmlns:a16="http://schemas.microsoft.com/office/drawing/2014/main" id="{F6B802F5-AAED-38C6-E00B-490C42EF9345}"/>
+                </a:ext>
+              </a:extLst>
+            </p:cNvPr>
+            <p:cNvPicPr>
+              <a:picLocks noChangeAspect="1"/>
+            </p:cNvPicPr>
+            <p:nvPr/>
+          </p:nvPicPr>
+          <p:blipFill rotWithShape="1">
+            <a:blip r:embed="rId3"/>
+            <a:srcRect b="50164"/>
+            <a:stretch/>
+          </p:blipFill>
+          <p:spPr>
+            <a:xfrm>
+              <a:off x="5691244" y="3238588"/>
+              <a:ext cx="2538357" cy="1544912"/>
+            </a:xfrm>
+            <a:prstGeom prst="rect">
+              <a:avLst/>
+            </a:prstGeom>
+          </p:spPr>
+        </p:pic>
+        <p:pic>
+          <p:nvPicPr>
+            <p:cNvPr id="14" name="Picture 13">
+              <a:extLst>
+                <a:ext uri="{FF2B5EF4-FFF2-40B4-BE49-F238E27FC236}">
+                  <a16:creationId xmlns:a16="http://schemas.microsoft.com/office/drawing/2014/main" id="{65977EC2-3F29-DE7D-2827-6670D3DC6E50}"/>
+                </a:ext>
+              </a:extLst>
+            </p:cNvPr>
+            <p:cNvPicPr>
+              <a:picLocks noChangeAspect="1"/>
+            </p:cNvPicPr>
+            <p:nvPr/>
+          </p:nvPicPr>
+          <p:blipFill rotWithShape="1">
+            <a:blip r:embed="rId3"/>
+            <a:srcRect t="50273"/>
+            <a:stretch/>
+          </p:blipFill>
+          <p:spPr>
+            <a:xfrm>
+              <a:off x="5685665" y="1490398"/>
+              <a:ext cx="2543936" cy="1544912"/>
+            </a:xfrm>
+            <a:prstGeom prst="rect">
+              <a:avLst/>
+            </a:prstGeom>
+          </p:spPr>
+        </p:pic>
+      </p:grpSp>
+      <p:pic>
+        <p:nvPicPr>
+          <p:cNvPr id="15" name="Picture 14">
+            <a:extLst>
+              <a:ext uri="{FF2B5EF4-FFF2-40B4-BE49-F238E27FC236}">
+                <a16:creationId xmlns:a16="http://schemas.microsoft.com/office/drawing/2014/main" id="{4F13CC0C-4EE4-A9E5-AA52-6FB6204C94C2}"/>
+              </a:ext>
+            </a:extLst>
+          </p:cNvPr>
+          <p:cNvPicPr>
+            <a:picLocks noChangeAspect="1"/>
+          </p:cNvPicPr>
+          <p:nvPr/>
+        </p:nvPicPr>
+        <p:blipFill>
+          <a:blip r:embed="rId4"/>
+          <a:stretch>
+            <a:fillRect/>
+          </a:stretch>
+        </p:blipFill>
+        <p:spPr>
+          <a:xfrm>
+            <a:off x="182257" y="2682239"/>
+            <a:ext cx="1549400" cy="3492500"/>
+          </a:xfrm>
+          <a:prstGeom prst="rect">
+            <a:avLst/>
+          </a:prstGeom>
+        </p:spPr>
+      </p:pic>
+      <p:sp>
+        <p:nvSpPr>
+          <p:cNvPr id="16" name="Down Arrow 13">
+            <a:extLst>
+              <a:ext uri="{FF2B5EF4-FFF2-40B4-BE49-F238E27FC236}">
+                <a16:creationId xmlns:a16="http://schemas.microsoft.com/office/drawing/2014/main" id="{9ADDAAEC-903C-D0D9-DD23-83338BCBA11F}"/>
+              </a:ext>
+            </a:extLst>
+          </p:cNvPr>
+          <p:cNvSpPr/>
+          <p:nvPr/>
+        </p:nvSpPr>
+        <p:spPr>
+          <a:xfrm rot="16200000">
+            <a:off x="2159836" y="3933474"/>
+            <a:ext cx="646176" cy="1231757"/>
+          </a:xfrm>
+          <a:prstGeom prst="downArrow">
+            <a:avLst/>
+          </a:prstGeom>
+          <a:solidFill>
+            <a:srgbClr val="5B9BD5"/>
+          </a:solidFill>
+          <a:ln>
+            <a:solidFill>
+              <a:srgbClr val="00B0F0"/>
+            </a:solidFill>
+          </a:ln>
+        </p:spPr>
+        <p:style>
+          <a:lnRef idx="2">
+            <a:schemeClr val="accent1">
+              <a:shade val="50000"/>
+            </a:schemeClr>
+          </a:lnRef>
+          <a:fillRef idx="1">
+            <a:schemeClr val="accent1"/>
+          </a:fillRef>
+          <a:effectRef idx="0">
+            <a:schemeClr val="accent1"/>
+          </a:effectRef>
+          <a:fontRef idx="minor">
+            <a:schemeClr val="lt1"/>
+          </a:fontRef>
+        </p:style>
+        <p:txBody>
+          <a:bodyPr rtlCol="0" anchor="ctr"/>
+          <a:lstStyle/>
+          <a:p>
+            <a:pPr algn="ctr"/>
+            <a:endParaRPr lang="en-US" sz="2400" dirty="0"/>
+          </a:p>
+        </p:txBody>
+      </p:sp>
+      <p:grpSp>
+        <p:nvGrpSpPr>
+          <p:cNvPr id="17" name="Group 16">
+            <a:extLst>
+              <a:ext uri="{FF2B5EF4-FFF2-40B4-BE49-F238E27FC236}">
+                <a16:creationId xmlns:a16="http://schemas.microsoft.com/office/drawing/2014/main" id="{262D6B1D-B7BB-9824-E6DF-0BDF48C452D5}"/>
+              </a:ext>
+            </a:extLst>
+          </p:cNvPr>
+          <p:cNvGrpSpPr/>
+          <p:nvPr/>
+        </p:nvGrpSpPr>
+        <p:grpSpPr>
+          <a:xfrm>
+            <a:off x="3379334" y="2803102"/>
+            <a:ext cx="2448685" cy="3492500"/>
+            <a:chOff x="3628248" y="1825625"/>
+            <a:chExt cx="3495675" cy="4892605"/>
+          </a:xfrm>
+        </p:grpSpPr>
+        <p:pic>
+          <p:nvPicPr>
+            <p:cNvPr id="18" name="Picture 17">
+              <a:extLst>
+                <a:ext uri="{FF2B5EF4-FFF2-40B4-BE49-F238E27FC236}">
+                  <a16:creationId xmlns:a16="http://schemas.microsoft.com/office/drawing/2014/main" id="{AF116E96-4E24-2236-0434-2823E1E84271}"/>
+                </a:ext>
+              </a:extLst>
+            </p:cNvPr>
+            <p:cNvPicPr>
+              <a:picLocks noChangeAspect="1"/>
+            </p:cNvPicPr>
+            <p:nvPr/>
+          </p:nvPicPr>
+          <p:blipFill>
+            <a:blip r:embed="rId5"/>
+            <a:stretch>
+              <a:fillRect/>
+            </a:stretch>
+          </p:blipFill>
+          <p:spPr>
+            <a:xfrm>
+              <a:off x="3628248" y="1825625"/>
+              <a:ext cx="3495675" cy="2589728"/>
+            </a:xfrm>
+            <a:prstGeom prst="rect">
+              <a:avLst/>
+            </a:prstGeom>
+          </p:spPr>
+        </p:pic>
+        <p:pic>
+          <p:nvPicPr>
+            <p:cNvPr id="19" name="Picture 18">
+              <a:extLst>
+                <a:ext uri="{FF2B5EF4-FFF2-40B4-BE49-F238E27FC236}">
+                  <a16:creationId xmlns:a16="http://schemas.microsoft.com/office/drawing/2014/main" id="{2E69456F-60E0-3C7C-27B6-2C886E9CEFE3}"/>
+                </a:ext>
+              </a:extLst>
+            </p:cNvPr>
+            <p:cNvPicPr>
+              <a:picLocks noChangeAspect="1"/>
+            </p:cNvPicPr>
+            <p:nvPr/>
+          </p:nvPicPr>
+          <p:blipFill rotWithShape="1">
+            <a:blip r:embed="rId6"/>
+            <a:srcRect b="15064"/>
+            <a:stretch/>
+          </p:blipFill>
+          <p:spPr>
+            <a:xfrm>
+              <a:off x="3628248" y="4533877"/>
+              <a:ext cx="3495675" cy="2184353"/>
+            </a:xfrm>
+            <a:prstGeom prst="rect">
+              <a:avLst/>
+            </a:prstGeom>
+          </p:spPr>
+        </p:pic>
+      </p:grpSp>
+      <p:sp>
+        <p:nvSpPr>
+          <p:cNvPr id="21" name="Down Arrow 13">
+            <a:extLst>
+              <a:ext uri="{FF2B5EF4-FFF2-40B4-BE49-F238E27FC236}">
+                <a16:creationId xmlns:a16="http://schemas.microsoft.com/office/drawing/2014/main" id="{0DEDB47D-48BF-8A5B-3B32-49B75E10DFC5}"/>
+              </a:ext>
+            </a:extLst>
+          </p:cNvPr>
+          <p:cNvSpPr/>
+          <p:nvPr/>
+        </p:nvSpPr>
+        <p:spPr>
+          <a:xfrm rot="16200000">
+            <a:off x="6401340" y="3813586"/>
+            <a:ext cx="646176" cy="1231757"/>
+          </a:xfrm>
+          <a:prstGeom prst="downArrow">
+            <a:avLst/>
+          </a:prstGeom>
+          <a:solidFill>
+            <a:srgbClr val="5B9BD5"/>
+          </a:solidFill>
+          <a:ln>
+            <a:solidFill>
+              <a:srgbClr val="00B0F0"/>
+            </a:solidFill>
+          </a:ln>
+        </p:spPr>
+        <p:style>
+          <a:lnRef idx="2">
+            <a:schemeClr val="accent1">
+              <a:shade val="50000"/>
+            </a:schemeClr>
+          </a:lnRef>
+          <a:fillRef idx="1">
+            <a:schemeClr val="accent1"/>
+          </a:fillRef>
+          <a:effectRef idx="0">
+            <a:schemeClr val="accent1"/>
+          </a:effectRef>
+          <a:fontRef idx="minor">
+            <a:schemeClr val="lt1"/>
+          </a:fontRef>
+        </p:style>
+        <p:txBody>
+          <a:bodyPr rtlCol="0" anchor="ctr"/>
+          <a:lstStyle/>
+          <a:p>
+            <a:pPr algn="ctr"/>
+            <a:endParaRPr lang="en-US" sz="2400"/>
+          </a:p>
+        </p:txBody>
+      </p:sp>
+      <p:sp>
+        <p:nvSpPr>
+          <p:cNvPr id="23" name="TextBox 22">
+            <a:extLst>
+              <a:ext uri="{FF2B5EF4-FFF2-40B4-BE49-F238E27FC236}">
+                <a16:creationId xmlns:a16="http://schemas.microsoft.com/office/drawing/2014/main" id="{7AC2282D-0D04-EA5E-1B8F-2CBBCAB91E18}"/>
+              </a:ext>
+            </a:extLst>
+          </p:cNvPr>
+          <p:cNvSpPr txBox="1"/>
+          <p:nvPr/>
+        </p:nvSpPr>
+        <p:spPr>
+          <a:xfrm>
+            <a:off x="338173" y="2096682"/>
+            <a:ext cx="1852751" cy="461665"/>
+          </a:xfrm>
+          <a:prstGeom prst="rect">
+            <a:avLst/>
+          </a:prstGeom>
+          <a:noFill/>
+        </p:spPr>
+        <p:txBody>
+          <a:bodyPr wrap="none" rtlCol="0">
+            <a:spAutoFit/>
+          </a:bodyPr>
+          <a:lstStyle/>
+          <a:p>
+            <a:r>
+              <a:rPr lang="en-US" sz="2400" dirty="0"/>
+              <a:t>RT Structures</a:t>
+            </a:r>
+          </a:p>
+        </p:txBody>
+      </p:sp>
+      <p:sp>
+        <p:nvSpPr>
+          <p:cNvPr id="24" name="TextBox 23">
+            <a:extLst>
+              <a:ext uri="{FF2B5EF4-FFF2-40B4-BE49-F238E27FC236}">
+                <a16:creationId xmlns:a16="http://schemas.microsoft.com/office/drawing/2014/main" id="{AE5DFEC5-4202-8B8F-0C72-0069DDEEC786}"/>
+              </a:ext>
+            </a:extLst>
+          </p:cNvPr>
+          <p:cNvSpPr txBox="1"/>
+          <p:nvPr/>
+        </p:nvSpPr>
+        <p:spPr>
+          <a:xfrm>
+            <a:off x="4185613" y="2282130"/>
+            <a:ext cx="972061" cy="461665"/>
+          </a:xfrm>
+          <a:prstGeom prst="rect">
+            <a:avLst/>
+          </a:prstGeom>
+          <a:noFill/>
+        </p:spPr>
+        <p:txBody>
+          <a:bodyPr wrap="none" rtlCol="0">
+            <a:spAutoFit/>
+          </a:bodyPr>
+          <a:lstStyle/>
+          <a:p>
+            <a:r>
+              <a:rPr lang="en-US" sz="2400" dirty="0"/>
+              <a:t>Masks</a:t>
+            </a:r>
+          </a:p>
+        </p:txBody>
+      </p:sp>
+      <p:sp>
+        <p:nvSpPr>
+          <p:cNvPr id="25" name="TextBox 24">
+            <a:extLst>
+              <a:ext uri="{FF2B5EF4-FFF2-40B4-BE49-F238E27FC236}">
+                <a16:creationId xmlns:a16="http://schemas.microsoft.com/office/drawing/2014/main" id="{EA5EA872-8404-84F8-DC12-B186468CD478}"/>
+              </a:ext>
+            </a:extLst>
+          </p:cNvPr>
+          <p:cNvSpPr txBox="1"/>
+          <p:nvPr/>
+        </p:nvSpPr>
+        <p:spPr>
+          <a:xfrm>
+            <a:off x="8568030" y="2296737"/>
+            <a:ext cx="1852751" cy="461665"/>
+          </a:xfrm>
+          <a:prstGeom prst="rect">
+            <a:avLst/>
+          </a:prstGeom>
+          <a:noFill/>
+        </p:spPr>
+        <p:txBody>
+          <a:bodyPr wrap="none" rtlCol="0">
+            <a:spAutoFit/>
+          </a:bodyPr>
+          <a:lstStyle/>
+          <a:p>
+            <a:r>
+              <a:rPr lang="en-US" sz="2400" dirty="0"/>
+              <a:t>RT Structures</a:t>
+            </a:r>
+          </a:p>
+        </p:txBody>
+      </p:sp>
+      <p:pic>
+        <p:nvPicPr>
+          <p:cNvPr id="26" name="Picture 25">
+            <a:extLst>
+              <a:ext uri="{FF2B5EF4-FFF2-40B4-BE49-F238E27FC236}">
+                <a16:creationId xmlns:a16="http://schemas.microsoft.com/office/drawing/2014/main" id="{4454A5EA-250D-76C3-CDC0-AA4423587A5B}"/>
+              </a:ext>
+            </a:extLst>
+          </p:cNvPr>
+          <p:cNvPicPr>
+            <a:picLocks noChangeAspect="1"/>
+          </p:cNvPicPr>
+          <p:nvPr/>
+        </p:nvPicPr>
+        <p:blipFill>
+          <a:blip r:embed="rId7"/>
+          <a:stretch>
+            <a:fillRect/>
+          </a:stretch>
+        </p:blipFill>
+        <p:spPr>
+          <a:xfrm>
+            <a:off x="4745754" y="1806215"/>
+            <a:ext cx="4098261" cy="559093"/>
+          </a:xfrm>
+          <a:prstGeom prst="rect">
+            <a:avLst/>
+          </a:prstGeom>
+        </p:spPr>
+      </p:pic>
+      <p:pic>
+        <p:nvPicPr>
+          <p:cNvPr id="27" name="Picture 26">
+            <a:extLst>
+              <a:ext uri="{FF2B5EF4-FFF2-40B4-BE49-F238E27FC236}">
+                <a16:creationId xmlns:a16="http://schemas.microsoft.com/office/drawing/2014/main" id="{31DF5D65-77B3-392C-D92D-CFF51D0C3193}"/>
+              </a:ext>
+            </a:extLst>
+          </p:cNvPr>
+          <p:cNvPicPr>
+            <a:picLocks noChangeAspect="1"/>
+          </p:cNvPicPr>
+          <p:nvPr/>
+        </p:nvPicPr>
+        <p:blipFill rotWithShape="1">
+          <a:blip r:embed="rId8"/>
+          <a:srcRect t="3854"/>
+          <a:stretch/>
+        </p:blipFill>
+        <p:spPr>
+          <a:xfrm>
+            <a:off x="10063389" y="732250"/>
+            <a:ext cx="1972056" cy="695501"/>
+          </a:xfrm>
+          <a:prstGeom prst="rect">
+            <a:avLst/>
+          </a:prstGeom>
+        </p:spPr>
+      </p:pic>
+      <p:sp>
+        <p:nvSpPr>
+          <p:cNvPr id="3" name="TextBox 2">
+            <a:extLst>
+              <a:ext uri="{FF2B5EF4-FFF2-40B4-BE49-F238E27FC236}">
+                <a16:creationId xmlns:a16="http://schemas.microsoft.com/office/drawing/2014/main" id="{87739ADF-56A2-0CB9-514D-FE1C03247F8F}"/>
+              </a:ext>
+            </a:extLst>
+          </p:cNvPr>
+          <p:cNvSpPr txBox="1"/>
+          <p:nvPr/>
+        </p:nvSpPr>
+        <p:spPr>
+          <a:xfrm>
+            <a:off x="1806538" y="4385205"/>
+            <a:ext cx="1269961" cy="297454"/>
+          </a:xfrm>
+          <a:prstGeom prst="rect">
+            <a:avLst/>
+          </a:prstGeom>
+          <a:noFill/>
+        </p:spPr>
+        <p:txBody>
+          <a:bodyPr wrap="square" rtlCol="0">
+            <a:spAutoFit/>
+          </a:bodyPr>
+          <a:lstStyle/>
+          <a:p>
+            <a:pPr algn="ctr"/>
+            <a:r>
+              <a:rPr lang="en-US" sz="1333" dirty="0"/>
+              <a:t>Characterize</a:t>
+            </a:r>
+          </a:p>
+        </p:txBody>
+      </p:sp>
+    </p:spTree>
+    <p:extLst>
+      <p:ext uri="{BB962C8B-B14F-4D97-AF65-F5344CB8AC3E}">
+        <p14:creationId xmlns:p14="http://schemas.microsoft.com/office/powerpoint/2010/main" val="1830001166"/>
+      </p:ext>
+    </p:extLst>
+  </p:cSld>
+  <p:clrMapOvr>
+    <a:masterClrMapping/>
+  </p:clrMapOvr>
+  <p:timing>
+    <p:tnLst>
+      <p:par>
+        <p:cTn id="1" dur="indefinite" restart="never" nodeType="tmRoot">
+          <p:childTnLst>
+            <p:seq concurrent="1" nextAc="seek">
+              <p:cTn id="2" dur="indefinite" nodeType="mainSeq">
+                <p:childTnLst>
+                  <p:par>
+                    <p:cTn id="3" fill="hold">
+                      <p:stCondLst>
+                        <p:cond delay="indefinite"/>
+                      </p:stCondLst>
+                      <p:childTnLst>
+                        <p:par>
+                          <p:cTn id="4" fill="hold">
+                            <p:stCondLst>
+                              <p:cond delay="0"/>
+                            </p:stCondLst>
+                            <p:childTnLst>
+                              <p:par>
+                                <p:cTn id="5" presetID="22" presetClass="entr" presetSubtype="4" fill="hold" nodeType="clickEffect">
+                                  <p:stCondLst>
+                                    <p:cond delay="0"/>
+                                  </p:stCondLst>
+                                  <p:childTnLst>
+                                    <p:set>
+                                      <p:cBhvr>
+                                        <p:cTn id="6" dur="1" fill="hold">
+                                          <p:stCondLst>
+                                            <p:cond delay="0"/>
+                                          </p:stCondLst>
+                                        </p:cTn>
+                                        <p:tgtEl>
+                                          <p:spTgt spid="15"/>
+                                        </p:tgtEl>
+                                        <p:attrNameLst>
+                                          <p:attrName>style.visibility</p:attrName>
+                                        </p:attrNameLst>
+                                      </p:cBhvr>
+                                      <p:to>
+                                        <p:strVal val="visible"/>
+                                      </p:to>
+                                    </p:set>
+                                    <p:animEffect transition="in" filter="wipe(down)">
+                                      <p:cBhvr>
+                                        <p:cTn id="7" dur="500"/>
+                                        <p:tgtEl>
+                                          <p:spTgt spid="15"/>
+                                        </p:tgtEl>
+                                      </p:cBhvr>
+                                    </p:animEffect>
+                                  </p:childTnLst>
+                                </p:cTn>
+                              </p:par>
+                            </p:childTnLst>
+                          </p:cTn>
+                        </p:par>
+                        <p:par>
+                          <p:cTn id="8" fill="hold">
+                            <p:stCondLst>
+                              <p:cond delay="500"/>
+                            </p:stCondLst>
+                            <p:childTnLst>
+                              <p:par>
+                                <p:cTn id="9" presetID="22" presetClass="entr" presetSubtype="4" fill="hold" grpId="0" nodeType="afterEffect">
+                                  <p:stCondLst>
+                                    <p:cond delay="0"/>
+                                  </p:stCondLst>
+                                  <p:childTnLst>
+                                    <p:set>
+                                      <p:cBhvr>
+                                        <p:cTn id="10" dur="1" fill="hold">
+                                          <p:stCondLst>
+                                            <p:cond delay="0"/>
+                                          </p:stCondLst>
+                                        </p:cTn>
+                                        <p:tgtEl>
+                                          <p:spTgt spid="23"/>
+                                        </p:tgtEl>
+                                        <p:attrNameLst>
+                                          <p:attrName>style.visibility</p:attrName>
+                                        </p:attrNameLst>
+                                      </p:cBhvr>
+                                      <p:to>
+                                        <p:strVal val="visible"/>
+                                      </p:to>
+                                    </p:set>
+                                    <p:animEffect transition="in" filter="wipe(down)">
+                                      <p:cBhvr>
+                                        <p:cTn id="11" dur="500"/>
+                                        <p:tgtEl>
+                                          <p:spTgt spid="23"/>
+                                        </p:tgtEl>
+                                      </p:cBhvr>
+                                    </p:animEffect>
+                                  </p:childTnLst>
+                                </p:cTn>
+                              </p:par>
+                            </p:childTnLst>
+                          </p:cTn>
+                        </p:par>
+                      </p:childTnLst>
+                    </p:cTn>
+                  </p:par>
+                  <p:par>
+                    <p:cTn id="12" fill="hold">
+                      <p:stCondLst>
+                        <p:cond delay="indefinite"/>
+                      </p:stCondLst>
+                      <p:childTnLst>
+                        <p:par>
+                          <p:cTn id="13" fill="hold">
+                            <p:stCondLst>
+                              <p:cond delay="0"/>
+                            </p:stCondLst>
+                            <p:childTnLst>
+                              <p:par>
+                                <p:cTn id="14" presetID="22" presetClass="entr" presetSubtype="8" fill="hold" grpId="0" nodeType="clickEffect">
+                                  <p:stCondLst>
+                                    <p:cond delay="0"/>
+                                  </p:stCondLst>
+                                  <p:childTnLst>
+                                    <p:set>
+                                      <p:cBhvr>
+                                        <p:cTn id="15" dur="1" fill="hold">
+                                          <p:stCondLst>
+                                            <p:cond delay="0"/>
+                                          </p:stCondLst>
+                                        </p:cTn>
+                                        <p:tgtEl>
+                                          <p:spTgt spid="16"/>
+                                        </p:tgtEl>
+                                        <p:attrNameLst>
+                                          <p:attrName>style.visibility</p:attrName>
+                                        </p:attrNameLst>
+                                      </p:cBhvr>
+                                      <p:to>
+                                        <p:strVal val="visible"/>
+                                      </p:to>
+                                    </p:set>
+                                    <p:animEffect transition="in" filter="wipe(left)">
+                                      <p:cBhvr>
+                                        <p:cTn id="16" dur="500"/>
+                                        <p:tgtEl>
+                                          <p:spTgt spid="16"/>
+                                        </p:tgtEl>
+                                      </p:cBhvr>
+                                    </p:animEffect>
+                                  </p:childTnLst>
+                                </p:cTn>
+                              </p:par>
+                              <p:par>
+                                <p:cTn id="17" presetID="22" presetClass="entr" presetSubtype="8" fill="hold" grpId="0" nodeType="withEffect">
+                                  <p:stCondLst>
+                                    <p:cond delay="0"/>
+                                  </p:stCondLst>
+                                  <p:childTnLst>
+                                    <p:set>
+                                      <p:cBhvr>
+                                        <p:cTn id="18" dur="1" fill="hold">
+                                          <p:stCondLst>
+                                            <p:cond delay="0"/>
+                                          </p:stCondLst>
+                                        </p:cTn>
+                                        <p:tgtEl>
+                                          <p:spTgt spid="3"/>
+                                        </p:tgtEl>
+                                        <p:attrNameLst>
+                                          <p:attrName>style.visibility</p:attrName>
+                                        </p:attrNameLst>
+                                      </p:cBhvr>
+                                      <p:to>
+                                        <p:strVal val="visible"/>
+                                      </p:to>
+                                    </p:set>
+                                    <p:animEffect transition="in" filter="wipe(left)">
+                                      <p:cBhvr>
+                                        <p:cTn id="19" dur="500"/>
+                                        <p:tgtEl>
+                                          <p:spTgt spid="3"/>
+                                        </p:tgtEl>
+                                      </p:cBhvr>
+                                    </p:animEffect>
+                                  </p:childTnLst>
+                                </p:cTn>
+                              </p:par>
+                            </p:childTnLst>
+                          </p:cTn>
+                        </p:par>
+                        <p:par>
+                          <p:cTn id="20" fill="hold">
+                            <p:stCondLst>
+                              <p:cond delay="500"/>
+                            </p:stCondLst>
+                            <p:childTnLst>
+                              <p:par>
+                                <p:cTn id="21" presetID="22" presetClass="entr" presetSubtype="8" fill="hold" nodeType="afterEffect">
+                                  <p:stCondLst>
+                                    <p:cond delay="0"/>
+                                  </p:stCondLst>
+                                  <p:childTnLst>
+                                    <p:set>
+                                      <p:cBhvr>
+                                        <p:cTn id="22" dur="1" fill="hold">
+                                          <p:stCondLst>
+                                            <p:cond delay="0"/>
+                                          </p:stCondLst>
+                                        </p:cTn>
+                                        <p:tgtEl>
+                                          <p:spTgt spid="17"/>
+                                        </p:tgtEl>
+                                        <p:attrNameLst>
+                                          <p:attrName>style.visibility</p:attrName>
+                                        </p:attrNameLst>
+                                      </p:cBhvr>
+                                      <p:to>
+                                        <p:strVal val="visible"/>
+                                      </p:to>
+                                    </p:set>
+                                    <p:animEffect transition="in" filter="wipe(left)">
+                                      <p:cBhvr>
+                                        <p:cTn id="23" dur="500"/>
+                                        <p:tgtEl>
+                                          <p:spTgt spid="17"/>
+                                        </p:tgtEl>
+                                      </p:cBhvr>
+                                    </p:animEffect>
+                                  </p:childTnLst>
+                                </p:cTn>
+                              </p:par>
+                            </p:childTnLst>
+                          </p:cTn>
+                        </p:par>
+                        <p:par>
+                          <p:cTn id="24" fill="hold">
+                            <p:stCondLst>
+                              <p:cond delay="1000"/>
+                            </p:stCondLst>
+                            <p:childTnLst>
+                              <p:par>
+                                <p:cTn id="25" presetID="22" presetClass="entr" presetSubtype="4" fill="hold" grpId="0" nodeType="afterEffect">
+                                  <p:stCondLst>
+                                    <p:cond delay="0"/>
+                                  </p:stCondLst>
+                                  <p:childTnLst>
+                                    <p:set>
+                                      <p:cBhvr>
+                                        <p:cTn id="26" dur="1" fill="hold">
+                                          <p:stCondLst>
+                                            <p:cond delay="0"/>
+                                          </p:stCondLst>
+                                        </p:cTn>
+                                        <p:tgtEl>
+                                          <p:spTgt spid="24"/>
+                                        </p:tgtEl>
+                                        <p:attrNameLst>
+                                          <p:attrName>style.visibility</p:attrName>
+                                        </p:attrNameLst>
+                                      </p:cBhvr>
+                                      <p:to>
+                                        <p:strVal val="visible"/>
+                                      </p:to>
+                                    </p:set>
+                                    <p:animEffect transition="in" filter="wipe(down)">
+                                      <p:cBhvr>
+                                        <p:cTn id="27" dur="500"/>
+                                        <p:tgtEl>
+                                          <p:spTgt spid="24"/>
+                                        </p:tgtEl>
+                                      </p:cBhvr>
+                                    </p:animEffect>
+                                  </p:childTnLst>
+                                </p:cTn>
+                              </p:par>
+                            </p:childTnLst>
+                          </p:cTn>
+                        </p:par>
+                      </p:childTnLst>
+                    </p:cTn>
+                  </p:par>
+                  <p:par>
+                    <p:cTn id="28" fill="hold">
+                      <p:stCondLst>
+                        <p:cond delay="indefinite"/>
+                      </p:stCondLst>
+                      <p:childTnLst>
+                        <p:par>
+                          <p:cTn id="29" fill="hold">
+                            <p:stCondLst>
+                              <p:cond delay="0"/>
+                            </p:stCondLst>
+                            <p:childTnLst>
+                              <p:par>
+                                <p:cTn id="30" presetID="22" presetClass="entr" presetSubtype="8" fill="hold" grpId="0" nodeType="clickEffect">
+                                  <p:stCondLst>
+                                    <p:cond delay="0"/>
+                                  </p:stCondLst>
+                                  <p:childTnLst>
+                                    <p:set>
+                                      <p:cBhvr>
+                                        <p:cTn id="31" dur="1" fill="hold">
+                                          <p:stCondLst>
+                                            <p:cond delay="0"/>
+                                          </p:stCondLst>
+                                        </p:cTn>
+                                        <p:tgtEl>
+                                          <p:spTgt spid="21"/>
+                                        </p:tgtEl>
+                                        <p:attrNameLst>
+                                          <p:attrName>style.visibility</p:attrName>
+                                        </p:attrNameLst>
+                                      </p:cBhvr>
+                                      <p:to>
+                                        <p:strVal val="visible"/>
+                                      </p:to>
+                                    </p:set>
+                                    <p:animEffect transition="in" filter="wipe(left)">
+                                      <p:cBhvr>
+                                        <p:cTn id="32" dur="500"/>
+                                        <p:tgtEl>
+                                          <p:spTgt spid="21"/>
+                                        </p:tgtEl>
+                                      </p:cBhvr>
+                                    </p:animEffect>
+                                  </p:childTnLst>
+                                </p:cTn>
+                              </p:par>
+                            </p:childTnLst>
+                          </p:cTn>
+                        </p:par>
+                        <p:par>
+                          <p:cTn id="33" fill="hold">
+                            <p:stCondLst>
+                              <p:cond delay="500"/>
+                            </p:stCondLst>
+                            <p:childTnLst>
+                              <p:par>
+                                <p:cTn id="34" presetID="22" presetClass="entr" presetSubtype="4" fill="hold" nodeType="afterEffect">
+                                  <p:stCondLst>
+                                    <p:cond delay="0"/>
+                                  </p:stCondLst>
+                                  <p:childTnLst>
+                                    <p:set>
+                                      <p:cBhvr>
+                                        <p:cTn id="35" dur="1" fill="hold">
+                                          <p:stCondLst>
+                                            <p:cond delay="0"/>
+                                          </p:stCondLst>
+                                        </p:cTn>
+                                        <p:tgtEl>
+                                          <p:spTgt spid="22"/>
+                                        </p:tgtEl>
+                                        <p:attrNameLst>
+                                          <p:attrName>style.visibility</p:attrName>
+                                        </p:attrNameLst>
+                                      </p:cBhvr>
+                                      <p:to>
+                                        <p:strVal val="visible"/>
+                                      </p:to>
+                                    </p:set>
+                                    <p:animEffect transition="in" filter="wipe(down)">
+                                      <p:cBhvr>
+                                        <p:cTn id="36" dur="500"/>
+                                        <p:tgtEl>
+                                          <p:spTgt spid="22"/>
+                                        </p:tgtEl>
+                                      </p:cBhvr>
+                                    </p:animEffect>
+                                  </p:childTnLst>
+                                </p:cTn>
+                              </p:par>
+                            </p:childTnLst>
+                          </p:cTn>
+                        </p:par>
+                        <p:par>
+                          <p:cTn id="37" fill="hold">
+                            <p:stCondLst>
+                              <p:cond delay="1000"/>
+                            </p:stCondLst>
+                            <p:childTnLst>
+                              <p:par>
+                                <p:cTn id="38" presetID="22" presetClass="entr" presetSubtype="4" fill="hold" grpId="0" nodeType="afterEffect">
+                                  <p:stCondLst>
+                                    <p:cond delay="0"/>
+                                  </p:stCondLst>
+                                  <p:childTnLst>
+                                    <p:set>
+                                      <p:cBhvr>
+                                        <p:cTn id="39" dur="1" fill="hold">
+                                          <p:stCondLst>
+                                            <p:cond delay="0"/>
+                                          </p:stCondLst>
+                                        </p:cTn>
+                                        <p:tgtEl>
+                                          <p:spTgt spid="25"/>
+                                        </p:tgtEl>
+                                        <p:attrNameLst>
+                                          <p:attrName>style.visibility</p:attrName>
+                                        </p:attrNameLst>
+                                      </p:cBhvr>
+                                      <p:to>
+                                        <p:strVal val="visible"/>
+                                      </p:to>
+                                    </p:set>
+                                    <p:animEffect transition="in" filter="wipe(down)">
+                                      <p:cBhvr>
+                                        <p:cTn id="40" dur="500"/>
+                                        <p:tgtEl>
+                                          <p:spTgt spid="25"/>
+                                        </p:tgtEl>
+                                      </p:cBhvr>
+                                    </p:animEffect>
+                                  </p:childTnLst>
+                                </p:cTn>
+                              </p:par>
+                            </p:childTnLst>
+                          </p:cTn>
+                        </p:par>
+                      </p:childTnLst>
+                    </p:cTn>
+                  </p:par>
+                </p:childTnLst>
+              </p:cTn>
+              <p:prevCondLst>
+                <p:cond evt="onPrev" delay="0">
+                  <p:tgtEl>
+                    <p:sldTgt/>
+                  </p:tgtEl>
+                </p:cond>
+              </p:prevCondLst>
+              <p:nextCondLst>
+                <p:cond evt="onNext" delay="0">
+                  <p:tgtEl>
+                    <p:sldTgt/>
+                  </p:tgtEl>
+                </p:cond>
+              </p:nextCondLst>
+            </p:seq>
+          </p:childTnLst>
+        </p:cTn>
+      </p:par>
+    </p:tnLst>
+    <p:bldLst>
+      <p:bldP spid="16" grpId="0" animBg="1"/>
+      <p:bldP spid="21" grpId="0" animBg="1"/>
+      <p:bldP spid="23" grpId="0"/>
+      <p:bldP spid="24" grpId="0"/>
+      <p:bldP spid="25" grpId="0"/>
+      <p:bldP spid="3" grpId="0"/>
+    </p:bldLst>
+  </p:timing>
+</p:sld>
+</file>
+
+<file path=ppt/slides/slide11.xml><?xml version="1.0" encoding="utf-8"?>
+<p:sld xmlns:a="http://schemas.openxmlformats.org/drawingml/2006/main" xmlns:r="http://schemas.openxmlformats.org/officeDocument/2006/relationships" xmlns:p="http://schemas.openxmlformats.org/presentationml/2006/main">
+  <p:cSld>
+    <p:spTree>
+      <p:nvGrpSpPr>
+        <p:cNvPr id="1" name=""/>
+        <p:cNvGrpSpPr/>
+        <p:nvPr/>
+      </p:nvGrpSpPr>
+      <p:grpSpPr>
+        <a:xfrm>
+          <a:off x="0" y="0"/>
+          <a:ext cx="0" cy="0"/>
+          <a:chOff x="0" y="0"/>
+          <a:chExt cx="0" cy="0"/>
+        </a:xfrm>
+      </p:grpSpPr>
+      <p:sp>
+        <p:nvSpPr>
+          <p:cNvPr id="2" name="Title 1">
+            <a:extLst>
+              <a:ext uri="{FF2B5EF4-FFF2-40B4-BE49-F238E27FC236}">
+                <a16:creationId xmlns:a16="http://schemas.microsoft.com/office/drawing/2014/main" id="{3EDD8C92-D1F0-6A17-06A7-72DE53DD8CA1}"/>
+              </a:ext>
+            </a:extLst>
+          </p:cNvPr>
+          <p:cNvSpPr>
+            <a:spLocks noGrp="1"/>
+          </p:cNvSpPr>
+          <p:nvPr>
+            <p:ph type="title"/>
+          </p:nvPr>
+        </p:nvSpPr>
+        <p:spPr/>
+        <p:txBody>
+          <a:bodyPr/>
+          <a:lstStyle/>
+          <a:p>
+            <a:r>
+              <a:rPr lang="en-US" dirty="0"/>
+              <a:t>Step 2: </a:t>
+            </a:r>
+            <a:r>
+              <a:rPr lang="en-US" dirty="0" err="1"/>
+              <a:t>Nifti</a:t>
+            </a:r>
+            <a:r>
+              <a:rPr lang="en-US" dirty="0"/>
+              <a:t> (and anything else) to </a:t>
+            </a:r>
+            <a:r>
+              <a:rPr lang="en-US" dirty="0" err="1"/>
+              <a:t>tfrecords</a:t>
+            </a:r>
+            <a:endParaRPr lang="en-US" dirty="0"/>
+          </a:p>
+        </p:txBody>
+      </p:sp>
+      <p:sp>
+        <p:nvSpPr>
+          <p:cNvPr id="3" name="Content Placeholder 2">
+            <a:extLst>
+              <a:ext uri="{FF2B5EF4-FFF2-40B4-BE49-F238E27FC236}">
+                <a16:creationId xmlns:a16="http://schemas.microsoft.com/office/drawing/2014/main" id="{45B1D2C3-C19E-FF57-6F31-504D0DE88066}"/>
+              </a:ext>
+            </a:extLst>
+          </p:cNvPr>
+          <p:cNvSpPr>
+            <a:spLocks noGrp="1"/>
+          </p:cNvSpPr>
+          <p:nvPr>
+            <p:ph idx="1"/>
+          </p:nvPr>
+        </p:nvSpPr>
+        <p:spPr/>
+        <p:txBody>
+          <a:bodyPr/>
+          <a:lstStyle/>
+          <a:p>
+            <a:endParaRPr lang="en-US"/>
+          </a:p>
+        </p:txBody>
+      </p:sp>
+    </p:spTree>
+    <p:extLst>
+      <p:ext uri="{BB962C8B-B14F-4D97-AF65-F5344CB8AC3E}">
+        <p14:creationId xmlns:p14="http://schemas.microsoft.com/office/powerpoint/2010/main" val="1238796996"/>
       </p:ext>
     </p:extLst>
   </p:cSld>
@@ -4415,6 +5994,5586 @@
 </p:sld>
 </file>
 
+<file path=ppt/slides/slide5.xml><?xml version="1.0" encoding="utf-8"?>
+<p:sld xmlns:a="http://schemas.openxmlformats.org/drawingml/2006/main" xmlns:r="http://schemas.openxmlformats.org/officeDocument/2006/relationships" xmlns:p="http://schemas.openxmlformats.org/presentationml/2006/main">
+  <p:cSld>
+    <p:spTree>
+      <p:nvGrpSpPr>
+        <p:cNvPr id="1" name=""/>
+        <p:cNvGrpSpPr/>
+        <p:nvPr/>
+      </p:nvGrpSpPr>
+      <p:grpSpPr>
+        <a:xfrm>
+          <a:off x="0" y="0"/>
+          <a:ext cx="0" cy="0"/>
+          <a:chOff x="0" y="0"/>
+          <a:chExt cx="0" cy="0"/>
+        </a:xfrm>
+      </p:grpSpPr>
+      <p:sp>
+        <p:nvSpPr>
+          <p:cNvPr id="2" name="Title 1">
+            <a:extLst>
+              <a:ext uri="{FF2B5EF4-FFF2-40B4-BE49-F238E27FC236}">
+                <a16:creationId xmlns:a16="http://schemas.microsoft.com/office/drawing/2014/main" id="{FD12EFAB-E0F8-7491-41CD-C85D3CC8C95D}"/>
+              </a:ext>
+            </a:extLst>
+          </p:cNvPr>
+          <p:cNvSpPr>
+            <a:spLocks noGrp="1"/>
+          </p:cNvSpPr>
+          <p:nvPr>
+            <p:ph type="title"/>
+          </p:nvPr>
+        </p:nvSpPr>
+        <p:spPr/>
+        <p:txBody>
+          <a:bodyPr/>
+          <a:lstStyle/>
+          <a:p>
+            <a:r>
+              <a:rPr lang="en-US" dirty="0"/>
+              <a:t>Step 1: DICOM to </a:t>
+            </a:r>
+            <a:r>
+              <a:rPr lang="en-US" dirty="0" err="1"/>
+              <a:t>Nifti</a:t>
+            </a:r>
+            <a:endParaRPr lang="en-US" dirty="0"/>
+          </a:p>
+        </p:txBody>
+      </p:sp>
+      <p:sp>
+        <p:nvSpPr>
+          <p:cNvPr id="3" name="Content Placeholder 2">
+            <a:extLst>
+              <a:ext uri="{FF2B5EF4-FFF2-40B4-BE49-F238E27FC236}">
+                <a16:creationId xmlns:a16="http://schemas.microsoft.com/office/drawing/2014/main" id="{9BF72A1F-1CE2-CE64-C5C6-F9A23FAC2994}"/>
+              </a:ext>
+            </a:extLst>
+          </p:cNvPr>
+          <p:cNvSpPr>
+            <a:spLocks noGrp="1"/>
+          </p:cNvSpPr>
+          <p:nvPr>
+            <p:ph idx="1"/>
+          </p:nvPr>
+        </p:nvSpPr>
+        <p:spPr/>
+        <p:txBody>
+          <a:bodyPr/>
+          <a:lstStyle/>
+          <a:p>
+            <a:endParaRPr lang="en-US"/>
+          </a:p>
+        </p:txBody>
+      </p:sp>
+    </p:spTree>
+    <p:extLst>
+      <p:ext uri="{BB962C8B-B14F-4D97-AF65-F5344CB8AC3E}">
+        <p14:creationId xmlns:p14="http://schemas.microsoft.com/office/powerpoint/2010/main" val="3490339535"/>
+      </p:ext>
+    </p:extLst>
+  </p:cSld>
+  <p:clrMapOvr>
+    <a:masterClrMapping/>
+  </p:clrMapOvr>
+</p:sld>
+</file>
+
+<file path=ppt/slides/slide6.xml><?xml version="1.0" encoding="utf-8"?>
+<p:sld xmlns:a="http://schemas.openxmlformats.org/drawingml/2006/main" xmlns:r="http://schemas.openxmlformats.org/officeDocument/2006/relationships" xmlns:p="http://schemas.openxmlformats.org/presentationml/2006/main">
+  <p:cSld>
+    <p:spTree>
+      <p:nvGrpSpPr>
+        <p:cNvPr id="1" name=""/>
+        <p:cNvGrpSpPr/>
+        <p:nvPr/>
+      </p:nvGrpSpPr>
+      <p:grpSpPr>
+        <a:xfrm>
+          <a:off x="0" y="0"/>
+          <a:ext cx="0" cy="0"/>
+          <a:chOff x="0" y="0"/>
+          <a:chExt cx="0" cy="0"/>
+        </a:xfrm>
+      </p:grpSpPr>
+      <p:sp>
+        <p:nvSpPr>
+          <p:cNvPr id="2" name="Title 1">
+            <a:extLst>
+              <a:ext uri="{FF2B5EF4-FFF2-40B4-BE49-F238E27FC236}">
+                <a16:creationId xmlns:a16="http://schemas.microsoft.com/office/drawing/2014/main" id="{9043342C-1F09-2012-0775-BC91E5962807}"/>
+              </a:ext>
+            </a:extLst>
+          </p:cNvPr>
+          <p:cNvSpPr>
+            <a:spLocks noGrp="1"/>
+          </p:cNvSpPr>
+          <p:nvPr>
+            <p:ph type="title"/>
+          </p:nvPr>
+        </p:nvSpPr>
+        <p:spPr/>
+        <p:txBody>
+          <a:bodyPr/>
+          <a:lstStyle/>
+          <a:p>
+            <a:r>
+              <a:rPr lang="en-US" dirty="0"/>
+              <a:t>Why do we need to convert DICOM?</a:t>
+            </a:r>
+          </a:p>
+        </p:txBody>
+      </p:sp>
+      <p:sp>
+        <p:nvSpPr>
+          <p:cNvPr id="3" name="Content Placeholder 2">
+            <a:extLst>
+              <a:ext uri="{FF2B5EF4-FFF2-40B4-BE49-F238E27FC236}">
+                <a16:creationId xmlns:a16="http://schemas.microsoft.com/office/drawing/2014/main" id="{E5A98FE1-086D-CED0-3258-AAFD167A3B70}"/>
+              </a:ext>
+            </a:extLst>
+          </p:cNvPr>
+          <p:cNvSpPr>
+            <a:spLocks noGrp="1"/>
+          </p:cNvSpPr>
+          <p:nvPr>
+            <p:ph idx="1"/>
+          </p:nvPr>
+        </p:nvSpPr>
+        <p:spPr>
+          <a:xfrm>
+            <a:off x="720436" y="1825625"/>
+            <a:ext cx="10633364" cy="4351338"/>
+          </a:xfrm>
+        </p:spPr>
+        <p:txBody>
+          <a:bodyPr/>
+          <a:lstStyle/>
+          <a:p>
+            <a:r>
+              <a:rPr lang="en-US" dirty="0"/>
+              <a:t>Slice thickness</a:t>
+            </a:r>
+          </a:p>
+          <a:p>
+            <a:endParaRPr lang="en-US" dirty="0"/>
+          </a:p>
+          <a:p>
+            <a:r>
+              <a:rPr lang="en-US" dirty="0"/>
+              <a:t>Pixel Spacing</a:t>
+            </a:r>
+          </a:p>
+          <a:p>
+            <a:endParaRPr lang="en-US" dirty="0"/>
+          </a:p>
+        </p:txBody>
+      </p:sp>
+      <p:grpSp>
+        <p:nvGrpSpPr>
+          <p:cNvPr id="10" name="Group 9">
+            <a:extLst>
+              <a:ext uri="{FF2B5EF4-FFF2-40B4-BE49-F238E27FC236}">
+                <a16:creationId xmlns:a16="http://schemas.microsoft.com/office/drawing/2014/main" id="{403E512B-3E92-8BFE-D52F-B0B90E707C2D}"/>
+              </a:ext>
+            </a:extLst>
+          </p:cNvPr>
+          <p:cNvGrpSpPr/>
+          <p:nvPr/>
+        </p:nvGrpSpPr>
+        <p:grpSpPr>
+          <a:xfrm>
+            <a:off x="2662333" y="1527470"/>
+            <a:ext cx="3587264" cy="2763254"/>
+            <a:chOff x="1996749" y="1886464"/>
+            <a:chExt cx="2690448" cy="2072441"/>
+          </a:xfrm>
+        </p:grpSpPr>
+        <p:pic>
+          <p:nvPicPr>
+            <p:cNvPr id="5" name="Picture 4">
+              <a:extLst>
+                <a:ext uri="{FF2B5EF4-FFF2-40B4-BE49-F238E27FC236}">
+                  <a16:creationId xmlns:a16="http://schemas.microsoft.com/office/drawing/2014/main" id="{189218FA-488D-99B8-B78F-63320FE8167B}"/>
+                </a:ext>
+              </a:extLst>
+            </p:cNvPr>
+            <p:cNvPicPr>
+              <a:picLocks noChangeAspect="1"/>
+            </p:cNvPicPr>
+            <p:nvPr/>
+          </p:nvPicPr>
+          <p:blipFill rotWithShape="1">
+            <a:blip r:embed="rId2"/>
+            <a:srcRect l="2964" t="3553" r="2704"/>
+            <a:stretch/>
+          </p:blipFill>
+          <p:spPr>
+            <a:xfrm>
+              <a:off x="2388160" y="1886464"/>
+              <a:ext cx="1907624" cy="1371600"/>
+            </a:xfrm>
+            <a:prstGeom prst="rect">
+              <a:avLst/>
+            </a:prstGeom>
+          </p:spPr>
+        </p:pic>
+        <p:sp>
+          <p:nvSpPr>
+            <p:cNvPr id="8" name="TextBox 7">
+              <a:extLst>
+                <a:ext uri="{FF2B5EF4-FFF2-40B4-BE49-F238E27FC236}">
+                  <a16:creationId xmlns:a16="http://schemas.microsoft.com/office/drawing/2014/main" id="{DE25B027-50E3-D943-B31C-DDA66F746917}"/>
+                </a:ext>
+              </a:extLst>
+            </p:cNvPr>
+            <p:cNvSpPr txBox="1"/>
+            <p:nvPr/>
+          </p:nvSpPr>
+          <p:spPr>
+            <a:xfrm>
+              <a:off x="1996749" y="3335657"/>
+              <a:ext cx="2690448" cy="623248"/>
+            </a:xfrm>
+            <a:prstGeom prst="rect">
+              <a:avLst/>
+            </a:prstGeom>
+            <a:noFill/>
+          </p:spPr>
+          <p:txBody>
+            <a:bodyPr wrap="none" rtlCol="0">
+              <a:spAutoFit/>
+            </a:bodyPr>
+            <a:lstStyle/>
+            <a:p>
+              <a:pPr algn="ctr"/>
+              <a:r>
+                <a:rPr lang="en-US" sz="2400" dirty="0"/>
+                <a:t>3mm slice thickness</a:t>
+              </a:r>
+            </a:p>
+            <a:p>
+              <a:pPr algn="ctr"/>
+              <a:r>
+                <a:rPr lang="en-US" sz="2400" dirty="0"/>
+                <a:t>NumPy array (60, 512, 512)</a:t>
+              </a:r>
+            </a:p>
+          </p:txBody>
+        </p:sp>
+      </p:grpSp>
+      <p:grpSp>
+        <p:nvGrpSpPr>
+          <p:cNvPr id="11" name="Group 10">
+            <a:extLst>
+              <a:ext uri="{FF2B5EF4-FFF2-40B4-BE49-F238E27FC236}">
+                <a16:creationId xmlns:a16="http://schemas.microsoft.com/office/drawing/2014/main" id="{2C10B760-541D-4BC4-C7B7-49C49935B513}"/>
+              </a:ext>
+            </a:extLst>
+          </p:cNvPr>
+          <p:cNvGrpSpPr/>
+          <p:nvPr/>
+        </p:nvGrpSpPr>
+        <p:grpSpPr>
+          <a:xfrm>
+            <a:off x="5743074" y="1527470"/>
+            <a:ext cx="6288740" cy="2763254"/>
+            <a:chOff x="4414060" y="1302583"/>
+            <a:chExt cx="4836695" cy="2072441"/>
+          </a:xfrm>
+        </p:grpSpPr>
+        <p:pic>
+          <p:nvPicPr>
+            <p:cNvPr id="1026" name="Picture 2">
+              <a:extLst>
+                <a:ext uri="{FF2B5EF4-FFF2-40B4-BE49-F238E27FC236}">
+                  <a16:creationId xmlns:a16="http://schemas.microsoft.com/office/drawing/2014/main" id="{D9FC8E91-65B4-6524-6C99-06146DABF1D0}"/>
+                </a:ext>
+              </a:extLst>
+            </p:cNvPr>
+            <p:cNvPicPr>
+              <a:picLocks noChangeAspect="1" noChangeArrowheads="1"/>
+            </p:cNvPicPr>
+            <p:nvPr/>
+          </p:nvPicPr>
+          <p:blipFill rotWithShape="1">
+            <a:blip r:embed="rId3">
+              <a:extLst>
+                <a:ext uri="{28A0092B-C50C-407E-A947-70E740481C1C}">
+                  <a14:useLocalDpi xmlns:a14="http://schemas.microsoft.com/office/drawing/2010/main" val="0"/>
+                </a:ext>
+              </a:extLst>
+            </a:blip>
+            <a:srcRect b="2418"/>
+            <a:stretch/>
+          </p:blipFill>
+          <p:spPr bwMode="auto">
+            <a:xfrm>
+              <a:off x="4414060" y="1302583"/>
+              <a:ext cx="4836695" cy="1338429"/>
+            </a:xfrm>
+            <a:prstGeom prst="rect">
+              <a:avLst/>
+            </a:prstGeom>
+            <a:noFill/>
+            <a:extLst>
+              <a:ext uri="{909E8E84-426E-40DD-AFC4-6F175D3DCCD1}">
+                <a14:hiddenFill xmlns:a14="http://schemas.microsoft.com/office/drawing/2010/main">
+                  <a:solidFill>
+                    <a:srgbClr val="FFFFFF"/>
+                  </a:solidFill>
+                </a14:hiddenFill>
+              </a:ext>
+            </a:extLst>
+          </p:spPr>
+        </p:pic>
+        <p:sp>
+          <p:nvSpPr>
+            <p:cNvPr id="9" name="TextBox 8">
+              <a:extLst>
+                <a:ext uri="{FF2B5EF4-FFF2-40B4-BE49-F238E27FC236}">
+                  <a16:creationId xmlns:a16="http://schemas.microsoft.com/office/drawing/2014/main" id="{45F78914-AC0C-EB72-E419-56EA8F740FEB}"/>
+                </a:ext>
+              </a:extLst>
+            </p:cNvPr>
+            <p:cNvSpPr txBox="1"/>
+            <p:nvPr/>
+          </p:nvSpPr>
+          <p:spPr>
+            <a:xfrm>
+              <a:off x="5452918" y="2751776"/>
+              <a:ext cx="2758979" cy="623248"/>
+            </a:xfrm>
+            <a:prstGeom prst="rect">
+              <a:avLst/>
+            </a:prstGeom>
+            <a:noFill/>
+          </p:spPr>
+          <p:txBody>
+            <a:bodyPr wrap="none" rtlCol="0">
+              <a:spAutoFit/>
+            </a:bodyPr>
+            <a:lstStyle/>
+            <a:p>
+              <a:pPr algn="ctr"/>
+              <a:r>
+                <a:rPr lang="en-US" sz="2400" dirty="0"/>
+                <a:t>1mm slice thickness</a:t>
+              </a:r>
+            </a:p>
+            <a:p>
+              <a:pPr algn="ctr"/>
+              <a:r>
+                <a:rPr lang="en-US" sz="2400" dirty="0"/>
+                <a:t>NumPy array (60, 512, 512)</a:t>
+              </a:r>
+            </a:p>
+          </p:txBody>
+        </p:sp>
+      </p:grpSp>
+      <p:sp>
+        <p:nvSpPr>
+          <p:cNvPr id="12" name="TextBox 11">
+            <a:extLst>
+              <a:ext uri="{FF2B5EF4-FFF2-40B4-BE49-F238E27FC236}">
+                <a16:creationId xmlns:a16="http://schemas.microsoft.com/office/drawing/2014/main" id="{CDF5B486-372C-5A34-E837-077F5F3AA140}"/>
+              </a:ext>
+            </a:extLst>
+          </p:cNvPr>
+          <p:cNvSpPr txBox="1"/>
+          <p:nvPr/>
+        </p:nvSpPr>
+        <p:spPr>
+          <a:xfrm>
+            <a:off x="1136488" y="4914832"/>
+            <a:ext cx="1616340" cy="502766"/>
+          </a:xfrm>
+          <a:prstGeom prst="rect">
+            <a:avLst/>
+          </a:prstGeom>
+          <a:noFill/>
+        </p:spPr>
+        <p:txBody>
+          <a:bodyPr wrap="none" rtlCol="0">
+            <a:spAutoFit/>
+          </a:bodyPr>
+          <a:lstStyle/>
+          <a:p>
+            <a:r>
+              <a:rPr lang="en-US" sz="2667" dirty="0"/>
+              <a:t>5x5 kernel</a:t>
+            </a:r>
+          </a:p>
+        </p:txBody>
+      </p:sp>
+      <p:sp>
+        <p:nvSpPr>
+          <p:cNvPr id="13" name="Rectangle 12">
+            <a:extLst>
+              <a:ext uri="{FF2B5EF4-FFF2-40B4-BE49-F238E27FC236}">
+                <a16:creationId xmlns:a16="http://schemas.microsoft.com/office/drawing/2014/main" id="{D98B2A83-E7BE-6BDD-C5D7-4136140B9F2B}"/>
+              </a:ext>
+            </a:extLst>
+          </p:cNvPr>
+          <p:cNvSpPr/>
+          <p:nvPr/>
+        </p:nvSpPr>
+        <p:spPr>
+          <a:xfrm rot="16200000">
+            <a:off x="3119053" y="4529365"/>
+            <a:ext cx="1219200" cy="1219200"/>
+          </a:xfrm>
+          <a:prstGeom prst="rect">
+            <a:avLst/>
+          </a:prstGeom>
+          <a:solidFill>
+            <a:srgbClr val="92D050"/>
+          </a:solidFill>
+          <a:ln>
+            <a:solidFill>
+              <a:srgbClr val="92D050"/>
+            </a:solidFill>
+          </a:ln>
+        </p:spPr>
+        <p:style>
+          <a:lnRef idx="2">
+            <a:schemeClr val="accent1">
+              <a:shade val="50000"/>
+            </a:schemeClr>
+          </a:lnRef>
+          <a:fillRef idx="1">
+            <a:schemeClr val="accent1"/>
+          </a:fillRef>
+          <a:effectRef idx="0">
+            <a:schemeClr val="accent1"/>
+          </a:effectRef>
+          <a:fontRef idx="minor">
+            <a:schemeClr val="lt1"/>
+          </a:fontRef>
+        </p:style>
+        <p:txBody>
+          <a:bodyPr rtlCol="0" anchor="ctr"/>
+          <a:lstStyle/>
+          <a:p>
+            <a:pPr algn="ctr"/>
+            <a:endParaRPr lang="en-US" sz="2400"/>
+          </a:p>
+        </p:txBody>
+      </p:sp>
+      <p:sp>
+        <p:nvSpPr>
+          <p:cNvPr id="14" name="Rectangle 13">
+            <a:extLst>
+              <a:ext uri="{FF2B5EF4-FFF2-40B4-BE49-F238E27FC236}">
+                <a16:creationId xmlns:a16="http://schemas.microsoft.com/office/drawing/2014/main" id="{3C0B4EDE-DB33-F454-84A4-0E612C0D243C}"/>
+              </a:ext>
+            </a:extLst>
+          </p:cNvPr>
+          <p:cNvSpPr/>
+          <p:nvPr/>
+        </p:nvSpPr>
+        <p:spPr>
+          <a:xfrm rot="16200000">
+            <a:off x="3963928" y="2135577"/>
+            <a:ext cx="609600" cy="609600"/>
+          </a:xfrm>
+          <a:prstGeom prst="rect">
+            <a:avLst/>
+          </a:prstGeom>
+          <a:solidFill>
+            <a:srgbClr val="92D050">
+              <a:alpha val="50000"/>
+            </a:srgbClr>
+          </a:solidFill>
+          <a:ln>
+            <a:solidFill>
+              <a:srgbClr val="92D050"/>
+            </a:solidFill>
+          </a:ln>
+        </p:spPr>
+        <p:style>
+          <a:lnRef idx="2">
+            <a:schemeClr val="accent1">
+              <a:shade val="50000"/>
+            </a:schemeClr>
+          </a:lnRef>
+          <a:fillRef idx="1">
+            <a:schemeClr val="accent1"/>
+          </a:fillRef>
+          <a:effectRef idx="0">
+            <a:schemeClr val="accent1"/>
+          </a:effectRef>
+          <a:fontRef idx="minor">
+            <a:schemeClr val="lt1"/>
+          </a:fontRef>
+        </p:style>
+        <p:txBody>
+          <a:bodyPr rtlCol="0" anchor="ctr"/>
+          <a:lstStyle/>
+          <a:p>
+            <a:pPr algn="ctr"/>
+            <a:endParaRPr lang="en-US" sz="2400"/>
+          </a:p>
+        </p:txBody>
+      </p:sp>
+      <p:sp>
+        <p:nvSpPr>
+          <p:cNvPr id="16" name="Rectangle 15">
+            <a:extLst>
+              <a:ext uri="{FF2B5EF4-FFF2-40B4-BE49-F238E27FC236}">
+                <a16:creationId xmlns:a16="http://schemas.microsoft.com/office/drawing/2014/main" id="{AE123232-A097-8F5D-A301-706DFEA83447}"/>
+              </a:ext>
+            </a:extLst>
+          </p:cNvPr>
+          <p:cNvSpPr/>
+          <p:nvPr/>
+        </p:nvSpPr>
+        <p:spPr>
+          <a:xfrm rot="16200000">
+            <a:off x="8357936" y="2114955"/>
+            <a:ext cx="609600" cy="609600"/>
+          </a:xfrm>
+          <a:prstGeom prst="rect">
+            <a:avLst/>
+          </a:prstGeom>
+          <a:solidFill>
+            <a:srgbClr val="92D050">
+              <a:alpha val="50000"/>
+            </a:srgbClr>
+          </a:solidFill>
+          <a:ln>
+            <a:solidFill>
+              <a:srgbClr val="92D050"/>
+            </a:solidFill>
+          </a:ln>
+        </p:spPr>
+        <p:style>
+          <a:lnRef idx="2">
+            <a:schemeClr val="accent1">
+              <a:shade val="50000"/>
+            </a:schemeClr>
+          </a:lnRef>
+          <a:fillRef idx="1">
+            <a:schemeClr val="accent1"/>
+          </a:fillRef>
+          <a:effectRef idx="0">
+            <a:schemeClr val="accent1"/>
+          </a:effectRef>
+          <a:fontRef idx="minor">
+            <a:schemeClr val="lt1"/>
+          </a:fontRef>
+        </p:style>
+        <p:txBody>
+          <a:bodyPr rtlCol="0" anchor="ctr"/>
+          <a:lstStyle/>
+          <a:p>
+            <a:pPr algn="ctr"/>
+            <a:endParaRPr lang="en-US" sz="2400"/>
+          </a:p>
+        </p:txBody>
+      </p:sp>
+      <p:sp>
+        <p:nvSpPr>
+          <p:cNvPr id="17" name="TextBox 16">
+            <a:extLst>
+              <a:ext uri="{FF2B5EF4-FFF2-40B4-BE49-F238E27FC236}">
+                <a16:creationId xmlns:a16="http://schemas.microsoft.com/office/drawing/2014/main" id="{17F4A27A-28A3-F350-D19B-18C333BBACD4}"/>
+              </a:ext>
+            </a:extLst>
+          </p:cNvPr>
+          <p:cNvSpPr txBox="1"/>
+          <p:nvPr/>
+        </p:nvSpPr>
+        <p:spPr>
+          <a:xfrm>
+            <a:off x="480000" y="5990422"/>
+            <a:ext cx="4713109" cy="502766"/>
+          </a:xfrm>
+          <a:prstGeom prst="rect">
+            <a:avLst/>
+          </a:prstGeom>
+          <a:noFill/>
+        </p:spPr>
+        <p:txBody>
+          <a:bodyPr wrap="square" rtlCol="0">
+            <a:spAutoFit/>
+          </a:bodyPr>
+          <a:lstStyle/>
+          <a:p>
+            <a:pPr algn="ctr"/>
+            <a:r>
+              <a:rPr lang="en-US" sz="2667" dirty="0"/>
+              <a:t>Very important in 3D </a:t>
+            </a:r>
+            <a:r>
+              <a:rPr lang="en-US" sz="2667" dirty="0" err="1"/>
+              <a:t>UNets</a:t>
+            </a:r>
+            <a:endParaRPr lang="en-US" sz="2667" dirty="0"/>
+          </a:p>
+        </p:txBody>
+      </p:sp>
+      <p:pic>
+        <p:nvPicPr>
+          <p:cNvPr id="6" name="Picture 5">
+            <a:extLst>
+              <a:ext uri="{FF2B5EF4-FFF2-40B4-BE49-F238E27FC236}">
+                <a16:creationId xmlns:a16="http://schemas.microsoft.com/office/drawing/2014/main" id="{0D0A36CD-76D0-EC60-5A39-EBF0222E0A95}"/>
+              </a:ext>
+            </a:extLst>
+          </p:cNvPr>
+          <p:cNvPicPr>
+            <a:picLocks noChangeAspect="1"/>
+          </p:cNvPicPr>
+          <p:nvPr/>
+        </p:nvPicPr>
+        <p:blipFill>
+          <a:blip r:embed="rId4"/>
+          <a:stretch>
+            <a:fillRect/>
+          </a:stretch>
+        </p:blipFill>
+        <p:spPr>
+          <a:xfrm>
+            <a:off x="9630516" y="4443753"/>
+            <a:ext cx="2315909" cy="1926569"/>
+          </a:xfrm>
+          <a:prstGeom prst="rect">
+            <a:avLst/>
+          </a:prstGeom>
+        </p:spPr>
+      </p:pic>
+      <p:pic>
+        <p:nvPicPr>
+          <p:cNvPr id="15" name="Picture 14" descr="Image result for kitten convolution">
+            <a:extLst>
+              <a:ext uri="{FF2B5EF4-FFF2-40B4-BE49-F238E27FC236}">
+                <a16:creationId xmlns:a16="http://schemas.microsoft.com/office/drawing/2014/main" id="{E22E284B-1E88-9A3F-EE48-BB85FA50E7A0}"/>
+              </a:ext>
+            </a:extLst>
+          </p:cNvPr>
+          <p:cNvPicPr>
+            <a:picLocks noChangeAspect="1" noChangeArrowheads="1"/>
+          </p:cNvPicPr>
+          <p:nvPr/>
+        </p:nvPicPr>
+        <p:blipFill rotWithShape="1">
+          <a:blip r:embed="rId5">
+            <a:extLst>
+              <a:ext uri="{28A0092B-C50C-407E-A947-70E740481C1C}">
+                <a14:useLocalDpi xmlns:a14="http://schemas.microsoft.com/office/drawing/2010/main" val="0"/>
+              </a:ext>
+            </a:extLst>
+          </a:blip>
+          <a:srcRect l="7188" r="50173"/>
+          <a:stretch/>
+        </p:blipFill>
+        <p:spPr bwMode="auto">
+          <a:xfrm>
+            <a:off x="5515562" y="4558760"/>
+            <a:ext cx="1316925" cy="1158208"/>
+          </a:xfrm>
+          <a:prstGeom prst="rect">
+            <a:avLst/>
+          </a:prstGeom>
+          <a:noFill/>
+          <a:extLst>
+            <a:ext uri="{909E8E84-426E-40DD-AFC4-6F175D3DCCD1}">
+              <a14:hiddenFill xmlns:a14="http://schemas.microsoft.com/office/drawing/2010/main">
+                <a:solidFill>
+                  <a:srgbClr val="FFFFFF"/>
+                </a:solidFill>
+              </a14:hiddenFill>
+            </a:ext>
+          </a:extLst>
+        </p:spPr>
+      </p:pic>
+      <p:sp>
+        <p:nvSpPr>
+          <p:cNvPr id="21" name="Rounded Rectangle 50">
+            <a:extLst>
+              <a:ext uri="{FF2B5EF4-FFF2-40B4-BE49-F238E27FC236}">
+                <a16:creationId xmlns:a16="http://schemas.microsoft.com/office/drawing/2014/main" id="{D726039B-6799-6395-BC24-23B1013B039B}"/>
+              </a:ext>
+            </a:extLst>
+          </p:cNvPr>
+          <p:cNvSpPr/>
+          <p:nvPr/>
+        </p:nvSpPr>
+        <p:spPr>
+          <a:xfrm>
+            <a:off x="7200956" y="4529366"/>
+            <a:ext cx="928953" cy="1171404"/>
+          </a:xfrm>
+          <a:prstGeom prst="roundRect">
+            <a:avLst/>
+          </a:prstGeom>
+          <a:solidFill>
+            <a:srgbClr val="FF0000"/>
+          </a:solidFill>
+          <a:ln>
+            <a:solidFill>
+              <a:srgbClr val="FF0000"/>
+            </a:solidFill>
+          </a:ln>
+        </p:spPr>
+        <p:style>
+          <a:lnRef idx="2">
+            <a:schemeClr val="accent1">
+              <a:shade val="50000"/>
+            </a:schemeClr>
+          </a:lnRef>
+          <a:fillRef idx="1">
+            <a:schemeClr val="accent1"/>
+          </a:fillRef>
+          <a:effectRef idx="0">
+            <a:schemeClr val="accent1"/>
+          </a:effectRef>
+          <a:fontRef idx="minor">
+            <a:schemeClr val="lt1"/>
+          </a:fontRef>
+        </p:style>
+        <p:txBody>
+          <a:bodyPr rtlCol="0" anchor="ctr"/>
+          <a:lstStyle/>
+          <a:p>
+            <a:pPr algn="ctr"/>
+            <a:endParaRPr lang="en-US" sz="2400"/>
+          </a:p>
+        </p:txBody>
+      </p:sp>
+      <p:sp>
+        <p:nvSpPr>
+          <p:cNvPr id="22" name="Rounded Rectangle 51">
+            <a:extLst>
+              <a:ext uri="{FF2B5EF4-FFF2-40B4-BE49-F238E27FC236}">
+                <a16:creationId xmlns:a16="http://schemas.microsoft.com/office/drawing/2014/main" id="{395E6E0C-D01C-ADFC-1841-3A6553ED24B4}"/>
+              </a:ext>
+            </a:extLst>
+          </p:cNvPr>
+          <p:cNvSpPr/>
+          <p:nvPr/>
+        </p:nvSpPr>
+        <p:spPr>
+          <a:xfrm>
+            <a:off x="7601353" y="4603321"/>
+            <a:ext cx="928953" cy="1171404"/>
+          </a:xfrm>
+          <a:prstGeom prst="roundRect">
+            <a:avLst/>
+          </a:prstGeom>
+          <a:solidFill>
+            <a:srgbClr val="00B0F0"/>
+          </a:solidFill>
+        </p:spPr>
+        <p:style>
+          <a:lnRef idx="2">
+            <a:schemeClr val="accent1">
+              <a:shade val="50000"/>
+            </a:schemeClr>
+          </a:lnRef>
+          <a:fillRef idx="1">
+            <a:schemeClr val="accent1"/>
+          </a:fillRef>
+          <a:effectRef idx="0">
+            <a:schemeClr val="accent1"/>
+          </a:effectRef>
+          <a:fontRef idx="minor">
+            <a:schemeClr val="lt1"/>
+          </a:fontRef>
+        </p:style>
+        <p:txBody>
+          <a:bodyPr rtlCol="0" anchor="ctr"/>
+          <a:lstStyle/>
+          <a:p>
+            <a:pPr algn="ctr"/>
+            <a:endParaRPr lang="en-US" sz="2400"/>
+          </a:p>
+        </p:txBody>
+      </p:sp>
+      <p:sp>
+        <p:nvSpPr>
+          <p:cNvPr id="24" name="Rectangle 23">
+            <a:extLst>
+              <a:ext uri="{FF2B5EF4-FFF2-40B4-BE49-F238E27FC236}">
+                <a16:creationId xmlns:a16="http://schemas.microsoft.com/office/drawing/2014/main" id="{1BA39035-E99E-DE7C-80B6-C89618E7C467}"/>
+              </a:ext>
+            </a:extLst>
+          </p:cNvPr>
+          <p:cNvSpPr/>
+          <p:nvPr/>
+        </p:nvSpPr>
+        <p:spPr>
+          <a:xfrm rot="16200000">
+            <a:off x="6250491" y="4724425"/>
+            <a:ext cx="140391" cy="186676"/>
+          </a:xfrm>
+          <a:prstGeom prst="rect">
+            <a:avLst/>
+          </a:prstGeom>
+          <a:solidFill>
+            <a:srgbClr val="92D050"/>
+          </a:solidFill>
+          <a:ln>
+            <a:solidFill>
+              <a:srgbClr val="92D050"/>
+            </a:solidFill>
+          </a:ln>
+        </p:spPr>
+        <p:style>
+          <a:lnRef idx="2">
+            <a:schemeClr val="accent1">
+              <a:shade val="50000"/>
+            </a:schemeClr>
+          </a:lnRef>
+          <a:fillRef idx="1">
+            <a:schemeClr val="accent1"/>
+          </a:fillRef>
+          <a:effectRef idx="0">
+            <a:schemeClr val="accent1"/>
+          </a:effectRef>
+          <a:fontRef idx="minor">
+            <a:schemeClr val="lt1"/>
+          </a:fontRef>
+        </p:style>
+        <p:txBody>
+          <a:bodyPr rtlCol="0" anchor="ctr"/>
+          <a:lstStyle/>
+          <a:p>
+            <a:pPr algn="ctr"/>
+            <a:endParaRPr lang="en-US" sz="2400"/>
+          </a:p>
+        </p:txBody>
+      </p:sp>
+      <p:grpSp>
+        <p:nvGrpSpPr>
+          <p:cNvPr id="43" name="Group 42">
+            <a:extLst>
+              <a:ext uri="{FF2B5EF4-FFF2-40B4-BE49-F238E27FC236}">
+                <a16:creationId xmlns:a16="http://schemas.microsoft.com/office/drawing/2014/main" id="{BF08FD46-33C9-33BA-37AA-FF42933332CC}"/>
+              </a:ext>
+            </a:extLst>
+          </p:cNvPr>
+          <p:cNvGrpSpPr/>
+          <p:nvPr/>
+        </p:nvGrpSpPr>
+        <p:grpSpPr>
+          <a:xfrm>
+            <a:off x="6227348" y="4747567"/>
+            <a:ext cx="1464619" cy="140391"/>
+            <a:chOff x="4670511" y="3560675"/>
+            <a:chExt cx="967089" cy="105293"/>
+          </a:xfrm>
+        </p:grpSpPr>
+        <p:cxnSp>
+          <p:nvCxnSpPr>
+            <p:cNvPr id="25" name="Straight Connector 24">
+              <a:extLst>
+                <a:ext uri="{FF2B5EF4-FFF2-40B4-BE49-F238E27FC236}">
+                  <a16:creationId xmlns:a16="http://schemas.microsoft.com/office/drawing/2014/main" id="{F53489A1-6EA6-D9A6-15A0-723A5C4F8B51}"/>
+                </a:ext>
+              </a:extLst>
+            </p:cNvPr>
+            <p:cNvCxnSpPr>
+              <a:stCxn id="24" idx="1"/>
+            </p:cNvCxnSpPr>
+            <p:nvPr/>
+          </p:nvCxnSpPr>
+          <p:spPr>
+            <a:xfrm>
+              <a:off x="4740515" y="3665968"/>
+              <a:ext cx="897085" cy="0"/>
+            </a:xfrm>
+            <a:prstGeom prst="line">
+              <a:avLst/>
+            </a:prstGeom>
+            <a:ln>
+              <a:solidFill>
+                <a:schemeClr val="tx1"/>
+              </a:solidFill>
+            </a:ln>
+          </p:spPr>
+          <p:style>
+            <a:lnRef idx="1">
+              <a:schemeClr val="accent1"/>
+            </a:lnRef>
+            <a:fillRef idx="0">
+              <a:schemeClr val="accent1"/>
+            </a:fillRef>
+            <a:effectRef idx="0">
+              <a:schemeClr val="accent1"/>
+            </a:effectRef>
+            <a:fontRef idx="minor">
+              <a:schemeClr val="tx1"/>
+            </a:fontRef>
+          </p:style>
+        </p:cxnSp>
+        <p:cxnSp>
+          <p:nvCxnSpPr>
+            <p:cNvPr id="26" name="Straight Connector 25">
+              <a:extLst>
+                <a:ext uri="{FF2B5EF4-FFF2-40B4-BE49-F238E27FC236}">
+                  <a16:creationId xmlns:a16="http://schemas.microsoft.com/office/drawing/2014/main" id="{2DE04689-B1E9-9E15-43D2-CC6D1CC922CC}"/>
+                </a:ext>
+              </a:extLst>
+            </p:cNvPr>
+            <p:cNvCxnSpPr>
+              <a:stCxn id="24" idx="2"/>
+            </p:cNvCxnSpPr>
+            <p:nvPr/>
+          </p:nvCxnSpPr>
+          <p:spPr>
+            <a:xfrm>
+              <a:off x="4810518" y="3613321"/>
+              <a:ext cx="827082" cy="52647"/>
+            </a:xfrm>
+            <a:prstGeom prst="line">
+              <a:avLst/>
+            </a:prstGeom>
+            <a:ln>
+              <a:solidFill>
+                <a:schemeClr val="tx1"/>
+              </a:solidFill>
+            </a:ln>
+          </p:spPr>
+          <p:style>
+            <a:lnRef idx="1">
+              <a:schemeClr val="accent1"/>
+            </a:lnRef>
+            <a:fillRef idx="0">
+              <a:schemeClr val="accent1"/>
+            </a:fillRef>
+            <a:effectRef idx="0">
+              <a:schemeClr val="accent1"/>
+            </a:effectRef>
+            <a:fontRef idx="minor">
+              <a:schemeClr val="tx1"/>
+            </a:fontRef>
+          </p:style>
+        </p:cxnSp>
+        <p:cxnSp>
+          <p:nvCxnSpPr>
+            <p:cNvPr id="27" name="Straight Connector 26">
+              <a:extLst>
+                <a:ext uri="{FF2B5EF4-FFF2-40B4-BE49-F238E27FC236}">
+                  <a16:creationId xmlns:a16="http://schemas.microsoft.com/office/drawing/2014/main" id="{7A7887A5-2A65-49DE-63CA-AE5F42E05180}"/>
+                </a:ext>
+              </a:extLst>
+            </p:cNvPr>
+            <p:cNvCxnSpPr>
+              <a:stCxn id="24" idx="3"/>
+            </p:cNvCxnSpPr>
+            <p:nvPr/>
+          </p:nvCxnSpPr>
+          <p:spPr>
+            <a:xfrm>
+              <a:off x="4740515" y="3560675"/>
+              <a:ext cx="897085" cy="105293"/>
+            </a:xfrm>
+            <a:prstGeom prst="line">
+              <a:avLst/>
+            </a:prstGeom>
+            <a:ln>
+              <a:solidFill>
+                <a:schemeClr val="tx1"/>
+              </a:solidFill>
+            </a:ln>
+          </p:spPr>
+          <p:style>
+            <a:lnRef idx="1">
+              <a:schemeClr val="accent1"/>
+            </a:lnRef>
+            <a:fillRef idx="0">
+              <a:schemeClr val="accent1"/>
+            </a:fillRef>
+            <a:effectRef idx="0">
+              <a:schemeClr val="accent1"/>
+            </a:effectRef>
+            <a:fontRef idx="minor">
+              <a:schemeClr val="tx1"/>
+            </a:fontRef>
+          </p:style>
+        </p:cxnSp>
+        <p:cxnSp>
+          <p:nvCxnSpPr>
+            <p:cNvPr id="28" name="Straight Connector 27">
+              <a:extLst>
+                <a:ext uri="{FF2B5EF4-FFF2-40B4-BE49-F238E27FC236}">
+                  <a16:creationId xmlns:a16="http://schemas.microsoft.com/office/drawing/2014/main" id="{12D69942-AB7D-3603-57D1-E3A4FA1E6845}"/>
+                </a:ext>
+              </a:extLst>
+            </p:cNvPr>
+            <p:cNvCxnSpPr>
+              <a:stCxn id="24" idx="0"/>
+            </p:cNvCxnSpPr>
+            <p:nvPr/>
+          </p:nvCxnSpPr>
+          <p:spPr>
+            <a:xfrm>
+              <a:off x="4670511" y="3613321"/>
+              <a:ext cx="967089" cy="52647"/>
+            </a:xfrm>
+            <a:prstGeom prst="line">
+              <a:avLst/>
+            </a:prstGeom>
+            <a:ln>
+              <a:solidFill>
+                <a:schemeClr val="tx1"/>
+              </a:solidFill>
+            </a:ln>
+          </p:spPr>
+          <p:style>
+            <a:lnRef idx="1">
+              <a:schemeClr val="accent1"/>
+            </a:lnRef>
+            <a:fillRef idx="0">
+              <a:schemeClr val="accent1"/>
+            </a:fillRef>
+            <a:effectRef idx="0">
+              <a:schemeClr val="accent1"/>
+            </a:effectRef>
+            <a:fontRef idx="minor">
+              <a:schemeClr val="tx1"/>
+            </a:fontRef>
+          </p:style>
+        </p:cxnSp>
+      </p:grpSp>
+      <p:sp>
+        <p:nvSpPr>
+          <p:cNvPr id="30" name="Rounded Rectangle 59">
+            <a:extLst>
+              <a:ext uri="{FF2B5EF4-FFF2-40B4-BE49-F238E27FC236}">
+                <a16:creationId xmlns:a16="http://schemas.microsoft.com/office/drawing/2014/main" id="{54E35B92-0997-30BE-0442-1EAEA029E66D}"/>
+              </a:ext>
+            </a:extLst>
+          </p:cNvPr>
+          <p:cNvSpPr/>
+          <p:nvPr/>
+        </p:nvSpPr>
+        <p:spPr>
+          <a:xfrm>
+            <a:off x="8038584" y="4703071"/>
+            <a:ext cx="928953" cy="1171404"/>
+          </a:xfrm>
+          <a:prstGeom prst="roundRect">
+            <a:avLst/>
+          </a:prstGeom>
+          <a:solidFill>
+            <a:srgbClr val="0070C0"/>
+          </a:solidFill>
+          <a:ln>
+            <a:solidFill>
+              <a:srgbClr val="0070C0"/>
+            </a:solidFill>
+          </a:ln>
+        </p:spPr>
+        <p:style>
+          <a:lnRef idx="2">
+            <a:schemeClr val="accent1">
+              <a:shade val="50000"/>
+            </a:schemeClr>
+          </a:lnRef>
+          <a:fillRef idx="1">
+            <a:schemeClr val="accent1"/>
+          </a:fillRef>
+          <a:effectRef idx="0">
+            <a:schemeClr val="accent1"/>
+          </a:effectRef>
+          <a:fontRef idx="minor">
+            <a:schemeClr val="lt1"/>
+          </a:fontRef>
+        </p:style>
+        <p:txBody>
+          <a:bodyPr rtlCol="0" anchor="ctr"/>
+          <a:lstStyle/>
+          <a:p>
+            <a:pPr algn="ctr"/>
+            <a:endParaRPr lang="en-US" sz="2400"/>
+          </a:p>
+        </p:txBody>
+      </p:sp>
+      <p:cxnSp>
+        <p:nvCxnSpPr>
+          <p:cNvPr id="34" name="Straight Arrow Connector 33">
+            <a:extLst>
+              <a:ext uri="{FF2B5EF4-FFF2-40B4-BE49-F238E27FC236}">
+                <a16:creationId xmlns:a16="http://schemas.microsoft.com/office/drawing/2014/main" id="{77AFE27F-A094-A22F-2F4F-78F0EA6326E2}"/>
+              </a:ext>
+            </a:extLst>
+          </p:cNvPr>
+          <p:cNvCxnSpPr>
+            <a:cxnSpLocks/>
+          </p:cNvCxnSpPr>
+          <p:nvPr/>
+        </p:nvCxnSpPr>
+        <p:spPr>
+          <a:xfrm flipV="1">
+            <a:off x="7331008" y="5750455"/>
+            <a:ext cx="152585" cy="457060"/>
+          </a:xfrm>
+          <a:prstGeom prst="straightConnector1">
+            <a:avLst/>
+          </a:prstGeom>
+          <a:ln w="50800">
+            <a:solidFill>
+              <a:srgbClr val="FF0000"/>
+            </a:solidFill>
+            <a:tailEnd type="triangle"/>
+          </a:ln>
+        </p:spPr>
+        <p:style>
+          <a:lnRef idx="1">
+            <a:schemeClr val="accent1"/>
+          </a:lnRef>
+          <a:fillRef idx="0">
+            <a:schemeClr val="accent1"/>
+          </a:fillRef>
+          <a:effectRef idx="0">
+            <a:schemeClr val="accent1"/>
+          </a:effectRef>
+          <a:fontRef idx="minor">
+            <a:schemeClr val="tx1"/>
+          </a:fontRef>
+        </p:style>
+      </p:cxnSp>
+      <p:cxnSp>
+        <p:nvCxnSpPr>
+          <p:cNvPr id="35" name="Straight Arrow Connector 34">
+            <a:extLst>
+              <a:ext uri="{FF2B5EF4-FFF2-40B4-BE49-F238E27FC236}">
+                <a16:creationId xmlns:a16="http://schemas.microsoft.com/office/drawing/2014/main" id="{2C601EB5-0D15-34C0-7D15-833787DB2E92}"/>
+              </a:ext>
+            </a:extLst>
+          </p:cNvPr>
+          <p:cNvCxnSpPr>
+            <a:cxnSpLocks/>
+          </p:cNvCxnSpPr>
+          <p:nvPr/>
+        </p:nvCxnSpPr>
+        <p:spPr>
+          <a:xfrm flipV="1">
+            <a:off x="7785887" y="5821710"/>
+            <a:ext cx="142075" cy="385805"/>
+          </a:xfrm>
+          <a:prstGeom prst="straightConnector1">
+            <a:avLst/>
+          </a:prstGeom>
+          <a:ln w="50800">
+            <a:solidFill>
+              <a:srgbClr val="00B0F0"/>
+            </a:solidFill>
+            <a:tailEnd type="triangle"/>
+          </a:ln>
+        </p:spPr>
+        <p:style>
+          <a:lnRef idx="1">
+            <a:schemeClr val="accent1"/>
+          </a:lnRef>
+          <a:fillRef idx="0">
+            <a:schemeClr val="accent1"/>
+          </a:fillRef>
+          <a:effectRef idx="0">
+            <a:schemeClr val="accent1"/>
+          </a:effectRef>
+          <a:fontRef idx="minor">
+            <a:schemeClr val="tx1"/>
+          </a:fontRef>
+        </p:style>
+      </p:cxnSp>
+      <p:cxnSp>
+        <p:nvCxnSpPr>
+          <p:cNvPr id="36" name="Straight Arrow Connector 35">
+            <a:extLst>
+              <a:ext uri="{FF2B5EF4-FFF2-40B4-BE49-F238E27FC236}">
+                <a16:creationId xmlns:a16="http://schemas.microsoft.com/office/drawing/2014/main" id="{F3F8C3E6-DD61-1A17-B67F-CF09AD282064}"/>
+              </a:ext>
+            </a:extLst>
+          </p:cNvPr>
+          <p:cNvCxnSpPr>
+            <a:cxnSpLocks/>
+          </p:cNvCxnSpPr>
+          <p:nvPr/>
+        </p:nvCxnSpPr>
+        <p:spPr>
+          <a:xfrm flipV="1">
+            <a:off x="8477993" y="5902619"/>
+            <a:ext cx="52313" cy="384957"/>
+          </a:xfrm>
+          <a:prstGeom prst="straightConnector1">
+            <a:avLst/>
+          </a:prstGeom>
+          <a:ln w="50800">
+            <a:solidFill>
+              <a:srgbClr val="0070C0"/>
+            </a:solidFill>
+            <a:tailEnd type="triangle"/>
+          </a:ln>
+        </p:spPr>
+        <p:style>
+          <a:lnRef idx="1">
+            <a:schemeClr val="accent1"/>
+          </a:lnRef>
+          <a:fillRef idx="0">
+            <a:schemeClr val="accent1"/>
+          </a:fillRef>
+          <a:effectRef idx="0">
+            <a:schemeClr val="accent1"/>
+          </a:effectRef>
+          <a:fontRef idx="minor">
+            <a:schemeClr val="tx1"/>
+          </a:fontRef>
+        </p:style>
+      </p:cxnSp>
+      <p:sp>
+        <p:nvSpPr>
+          <p:cNvPr id="39" name="TextBox 38">
+            <a:extLst>
+              <a:ext uri="{FF2B5EF4-FFF2-40B4-BE49-F238E27FC236}">
+                <a16:creationId xmlns:a16="http://schemas.microsoft.com/office/drawing/2014/main" id="{147FF16B-8D2B-8764-2D48-BE8452D10BA5}"/>
+              </a:ext>
+            </a:extLst>
+          </p:cNvPr>
+          <p:cNvSpPr txBox="1"/>
+          <p:nvPr/>
+        </p:nvSpPr>
+        <p:spPr>
+          <a:xfrm>
+            <a:off x="6946880" y="6217151"/>
+            <a:ext cx="458780" cy="338554"/>
+          </a:xfrm>
+          <a:prstGeom prst="rect">
+            <a:avLst/>
+          </a:prstGeom>
+          <a:noFill/>
+        </p:spPr>
+        <p:txBody>
+          <a:bodyPr wrap="none" rtlCol="0">
+            <a:spAutoFit/>
+          </a:bodyPr>
+          <a:lstStyle/>
+          <a:p>
+            <a:r>
+              <a:rPr lang="en-US" sz="1600" dirty="0"/>
+              <a:t>Fur</a:t>
+            </a:r>
+          </a:p>
+        </p:txBody>
+      </p:sp>
+      <p:sp>
+        <p:nvSpPr>
+          <p:cNvPr id="40" name="TextBox 39">
+            <a:extLst>
+              <a:ext uri="{FF2B5EF4-FFF2-40B4-BE49-F238E27FC236}">
+                <a16:creationId xmlns:a16="http://schemas.microsoft.com/office/drawing/2014/main" id="{924B0B20-7597-356F-E167-FAC9900F71A5}"/>
+              </a:ext>
+            </a:extLst>
+          </p:cNvPr>
+          <p:cNvSpPr txBox="1"/>
+          <p:nvPr/>
+        </p:nvSpPr>
+        <p:spPr>
+          <a:xfrm>
+            <a:off x="7373462" y="6194435"/>
+            <a:ext cx="528799" cy="338554"/>
+          </a:xfrm>
+          <a:prstGeom prst="rect">
+            <a:avLst/>
+          </a:prstGeom>
+          <a:noFill/>
+        </p:spPr>
+        <p:txBody>
+          <a:bodyPr wrap="none" rtlCol="0">
+            <a:spAutoFit/>
+          </a:bodyPr>
+          <a:lstStyle/>
+          <a:p>
+            <a:r>
+              <a:rPr lang="en-US" sz="1600" dirty="0"/>
+              <a:t>Ears</a:t>
+            </a:r>
+          </a:p>
+        </p:txBody>
+      </p:sp>
+      <p:sp>
+        <p:nvSpPr>
+          <p:cNvPr id="42" name="TextBox 41">
+            <a:extLst>
+              <a:ext uri="{FF2B5EF4-FFF2-40B4-BE49-F238E27FC236}">
+                <a16:creationId xmlns:a16="http://schemas.microsoft.com/office/drawing/2014/main" id="{A571348F-D852-93E6-5ED4-5823B4CE6F60}"/>
+              </a:ext>
+            </a:extLst>
+          </p:cNvPr>
+          <p:cNvSpPr txBox="1"/>
+          <p:nvPr/>
+        </p:nvSpPr>
+        <p:spPr>
+          <a:xfrm>
+            <a:off x="8149697" y="6260177"/>
+            <a:ext cx="656591" cy="338554"/>
+          </a:xfrm>
+          <a:prstGeom prst="rect">
+            <a:avLst/>
+          </a:prstGeom>
+          <a:noFill/>
+        </p:spPr>
+        <p:txBody>
+          <a:bodyPr wrap="square" rtlCol="0">
+            <a:spAutoFit/>
+          </a:bodyPr>
+          <a:lstStyle/>
+          <a:p>
+            <a:r>
+              <a:rPr lang="en-US" sz="1600" dirty="0"/>
+              <a:t>Feet</a:t>
+            </a:r>
+          </a:p>
+        </p:txBody>
+      </p:sp>
+    </p:spTree>
+    <p:extLst>
+      <p:ext uri="{BB962C8B-B14F-4D97-AF65-F5344CB8AC3E}">
+        <p14:creationId xmlns:p14="http://schemas.microsoft.com/office/powerpoint/2010/main" val="1321637936"/>
+      </p:ext>
+    </p:extLst>
+  </p:cSld>
+  <p:clrMapOvr>
+    <a:masterClrMapping/>
+  </p:clrMapOvr>
+  <p:timing>
+    <p:tnLst>
+      <p:par>
+        <p:cTn id="1" dur="indefinite" restart="never" nodeType="tmRoot">
+          <p:childTnLst>
+            <p:seq concurrent="1" nextAc="seek">
+              <p:cTn id="2" dur="indefinite" nodeType="mainSeq">
+                <p:childTnLst>
+                  <p:par>
+                    <p:cTn id="3" fill="hold">
+                      <p:stCondLst>
+                        <p:cond delay="indefinite"/>
+                      </p:stCondLst>
+                      <p:childTnLst>
+                        <p:par>
+                          <p:cTn id="4" fill="hold">
+                            <p:stCondLst>
+                              <p:cond delay="0"/>
+                            </p:stCondLst>
+                            <p:childTnLst>
+                              <p:par>
+                                <p:cTn id="5" presetID="15" presetClass="emph" presetSubtype="0" nodeType="clickEffect">
+                                  <p:stCondLst>
+                                    <p:cond delay="0"/>
+                                  </p:stCondLst>
+                                  <p:iterate type="lt">
+                                    <p:tmAbs val="25"/>
+                                  </p:iterate>
+                                  <p:childTnLst>
+                                    <p:set>
+                                      <p:cBhvr override="childStyle">
+                                        <p:cTn id="6" dur="indefinite"/>
+                                        <p:tgtEl>
+                                          <p:spTgt spid="3">
+                                            <p:txEl>
+                                              <p:pRg st="0" end="0"/>
+                                            </p:txEl>
+                                          </p:spTgt>
+                                        </p:tgtEl>
+                                        <p:attrNameLst>
+                                          <p:attrName>style.fontWeight</p:attrName>
+                                        </p:attrNameLst>
+                                      </p:cBhvr>
+                                      <p:to>
+                                        <p:strVal val="bold"/>
+                                      </p:to>
+                                    </p:set>
+                                  </p:childTnLst>
+                                </p:cTn>
+                              </p:par>
+                            </p:childTnLst>
+                          </p:cTn>
+                        </p:par>
+                      </p:childTnLst>
+                    </p:cTn>
+                  </p:par>
+                  <p:par>
+                    <p:cTn id="7" fill="hold">
+                      <p:stCondLst>
+                        <p:cond delay="indefinite"/>
+                      </p:stCondLst>
+                      <p:childTnLst>
+                        <p:par>
+                          <p:cTn id="8" fill="hold">
+                            <p:stCondLst>
+                              <p:cond delay="0"/>
+                            </p:stCondLst>
+                            <p:childTnLst>
+                              <p:par>
+                                <p:cTn id="9" presetID="22" presetClass="entr" presetSubtype="4" fill="hold" nodeType="clickEffect">
+                                  <p:stCondLst>
+                                    <p:cond delay="0"/>
+                                  </p:stCondLst>
+                                  <p:childTnLst>
+                                    <p:set>
+                                      <p:cBhvr>
+                                        <p:cTn id="10" dur="1" fill="hold">
+                                          <p:stCondLst>
+                                            <p:cond delay="0"/>
+                                          </p:stCondLst>
+                                        </p:cTn>
+                                        <p:tgtEl>
+                                          <p:spTgt spid="10"/>
+                                        </p:tgtEl>
+                                        <p:attrNameLst>
+                                          <p:attrName>style.visibility</p:attrName>
+                                        </p:attrNameLst>
+                                      </p:cBhvr>
+                                      <p:to>
+                                        <p:strVal val="visible"/>
+                                      </p:to>
+                                    </p:set>
+                                    <p:animEffect transition="in" filter="wipe(down)">
+                                      <p:cBhvr>
+                                        <p:cTn id="11" dur="500"/>
+                                        <p:tgtEl>
+                                          <p:spTgt spid="10"/>
+                                        </p:tgtEl>
+                                      </p:cBhvr>
+                                    </p:animEffect>
+                                  </p:childTnLst>
+                                </p:cTn>
+                              </p:par>
+                            </p:childTnLst>
+                          </p:cTn>
+                        </p:par>
+                      </p:childTnLst>
+                    </p:cTn>
+                  </p:par>
+                  <p:par>
+                    <p:cTn id="12" fill="hold">
+                      <p:stCondLst>
+                        <p:cond delay="indefinite"/>
+                      </p:stCondLst>
+                      <p:childTnLst>
+                        <p:par>
+                          <p:cTn id="13" fill="hold">
+                            <p:stCondLst>
+                              <p:cond delay="0"/>
+                            </p:stCondLst>
+                            <p:childTnLst>
+                              <p:par>
+                                <p:cTn id="14" presetID="22" presetClass="entr" presetSubtype="4" fill="hold" nodeType="clickEffect">
+                                  <p:stCondLst>
+                                    <p:cond delay="0"/>
+                                  </p:stCondLst>
+                                  <p:childTnLst>
+                                    <p:set>
+                                      <p:cBhvr>
+                                        <p:cTn id="15" dur="1" fill="hold">
+                                          <p:stCondLst>
+                                            <p:cond delay="0"/>
+                                          </p:stCondLst>
+                                        </p:cTn>
+                                        <p:tgtEl>
+                                          <p:spTgt spid="11"/>
+                                        </p:tgtEl>
+                                        <p:attrNameLst>
+                                          <p:attrName>style.visibility</p:attrName>
+                                        </p:attrNameLst>
+                                      </p:cBhvr>
+                                      <p:to>
+                                        <p:strVal val="visible"/>
+                                      </p:to>
+                                    </p:set>
+                                    <p:animEffect transition="in" filter="wipe(down)">
+                                      <p:cBhvr>
+                                        <p:cTn id="16" dur="500"/>
+                                        <p:tgtEl>
+                                          <p:spTgt spid="11"/>
+                                        </p:tgtEl>
+                                      </p:cBhvr>
+                                    </p:animEffect>
+                                  </p:childTnLst>
+                                </p:cTn>
+                              </p:par>
+                            </p:childTnLst>
+                          </p:cTn>
+                        </p:par>
+                      </p:childTnLst>
+                    </p:cTn>
+                  </p:par>
+                  <p:par>
+                    <p:cTn id="17" fill="hold">
+                      <p:stCondLst>
+                        <p:cond delay="indefinite"/>
+                      </p:stCondLst>
+                      <p:childTnLst>
+                        <p:par>
+                          <p:cTn id="18" fill="hold">
+                            <p:stCondLst>
+                              <p:cond delay="0"/>
+                            </p:stCondLst>
+                            <p:childTnLst>
+                              <p:par>
+                                <p:cTn id="19" presetID="1" presetClass="entr" presetSubtype="0" fill="hold" grpId="0" nodeType="clickEffect">
+                                  <p:stCondLst>
+                                    <p:cond delay="0"/>
+                                  </p:stCondLst>
+                                  <p:childTnLst>
+                                    <p:set>
+                                      <p:cBhvr>
+                                        <p:cTn id="20" dur="1" fill="hold">
+                                          <p:stCondLst>
+                                            <p:cond delay="0"/>
+                                          </p:stCondLst>
+                                        </p:cTn>
+                                        <p:tgtEl>
+                                          <p:spTgt spid="12"/>
+                                        </p:tgtEl>
+                                        <p:attrNameLst>
+                                          <p:attrName>style.visibility</p:attrName>
+                                        </p:attrNameLst>
+                                      </p:cBhvr>
+                                      <p:to>
+                                        <p:strVal val="visible"/>
+                                      </p:to>
+                                    </p:set>
+                                  </p:childTnLst>
+                                </p:cTn>
+                              </p:par>
+                              <p:par>
+                                <p:cTn id="21" presetID="22" presetClass="entr" presetSubtype="4" fill="hold" grpId="0" nodeType="withEffect">
+                                  <p:stCondLst>
+                                    <p:cond delay="0"/>
+                                  </p:stCondLst>
+                                  <p:childTnLst>
+                                    <p:set>
+                                      <p:cBhvr>
+                                        <p:cTn id="22" dur="1" fill="hold">
+                                          <p:stCondLst>
+                                            <p:cond delay="0"/>
+                                          </p:stCondLst>
+                                        </p:cTn>
+                                        <p:tgtEl>
+                                          <p:spTgt spid="13"/>
+                                        </p:tgtEl>
+                                        <p:attrNameLst>
+                                          <p:attrName>style.visibility</p:attrName>
+                                        </p:attrNameLst>
+                                      </p:cBhvr>
+                                      <p:to>
+                                        <p:strVal val="visible"/>
+                                      </p:to>
+                                    </p:set>
+                                    <p:animEffect transition="in" filter="wipe(down)">
+                                      <p:cBhvr>
+                                        <p:cTn id="23" dur="500"/>
+                                        <p:tgtEl>
+                                          <p:spTgt spid="13"/>
+                                        </p:tgtEl>
+                                      </p:cBhvr>
+                                    </p:animEffect>
+                                  </p:childTnLst>
+                                </p:cTn>
+                              </p:par>
+                              <p:par>
+                                <p:cTn id="24" presetID="22" presetClass="entr" presetSubtype="4" fill="hold" nodeType="withEffect">
+                                  <p:stCondLst>
+                                    <p:cond delay="0"/>
+                                  </p:stCondLst>
+                                  <p:childTnLst>
+                                    <p:set>
+                                      <p:cBhvr>
+                                        <p:cTn id="25" dur="1" fill="hold">
+                                          <p:stCondLst>
+                                            <p:cond delay="0"/>
+                                          </p:stCondLst>
+                                        </p:cTn>
+                                        <p:tgtEl>
+                                          <p:spTgt spid="15"/>
+                                        </p:tgtEl>
+                                        <p:attrNameLst>
+                                          <p:attrName>style.visibility</p:attrName>
+                                        </p:attrNameLst>
+                                      </p:cBhvr>
+                                      <p:to>
+                                        <p:strVal val="visible"/>
+                                      </p:to>
+                                    </p:set>
+                                    <p:animEffect transition="in" filter="wipe(down)">
+                                      <p:cBhvr>
+                                        <p:cTn id="26" dur="500"/>
+                                        <p:tgtEl>
+                                          <p:spTgt spid="15"/>
+                                        </p:tgtEl>
+                                      </p:cBhvr>
+                                    </p:animEffect>
+                                  </p:childTnLst>
+                                </p:cTn>
+                              </p:par>
+                            </p:childTnLst>
+                          </p:cTn>
+                        </p:par>
+                      </p:childTnLst>
+                    </p:cTn>
+                  </p:par>
+                  <p:par>
+                    <p:cTn id="27" fill="hold">
+                      <p:stCondLst>
+                        <p:cond delay="indefinite"/>
+                      </p:stCondLst>
+                      <p:childTnLst>
+                        <p:par>
+                          <p:cTn id="28" fill="hold">
+                            <p:stCondLst>
+                              <p:cond delay="0"/>
+                            </p:stCondLst>
+                            <p:childTnLst>
+                              <p:par>
+                                <p:cTn id="29" presetID="22" presetClass="entr" presetSubtype="4" fill="hold" grpId="0" nodeType="clickEffect">
+                                  <p:stCondLst>
+                                    <p:cond delay="0"/>
+                                  </p:stCondLst>
+                                  <p:childTnLst>
+                                    <p:set>
+                                      <p:cBhvr>
+                                        <p:cTn id="30" dur="1" fill="hold">
+                                          <p:stCondLst>
+                                            <p:cond delay="0"/>
+                                          </p:stCondLst>
+                                        </p:cTn>
+                                        <p:tgtEl>
+                                          <p:spTgt spid="24"/>
+                                        </p:tgtEl>
+                                        <p:attrNameLst>
+                                          <p:attrName>style.visibility</p:attrName>
+                                        </p:attrNameLst>
+                                      </p:cBhvr>
+                                      <p:to>
+                                        <p:strVal val="visible"/>
+                                      </p:to>
+                                    </p:set>
+                                    <p:animEffect transition="in" filter="wipe(down)">
+                                      <p:cBhvr>
+                                        <p:cTn id="31" dur="500"/>
+                                        <p:tgtEl>
+                                          <p:spTgt spid="24"/>
+                                        </p:tgtEl>
+                                      </p:cBhvr>
+                                    </p:animEffect>
+                                  </p:childTnLst>
+                                </p:cTn>
+                              </p:par>
+                            </p:childTnLst>
+                          </p:cTn>
+                        </p:par>
+                      </p:childTnLst>
+                    </p:cTn>
+                  </p:par>
+                  <p:par>
+                    <p:cTn id="32" fill="hold">
+                      <p:stCondLst>
+                        <p:cond delay="indefinite"/>
+                      </p:stCondLst>
+                      <p:childTnLst>
+                        <p:par>
+                          <p:cTn id="33" fill="hold">
+                            <p:stCondLst>
+                              <p:cond delay="0"/>
+                            </p:stCondLst>
+                            <p:childTnLst>
+                              <p:par>
+                                <p:cTn id="34" presetID="1" presetClass="entr" presetSubtype="0" fill="hold" grpId="0" nodeType="clickEffect">
+                                  <p:stCondLst>
+                                    <p:cond delay="0"/>
+                                  </p:stCondLst>
+                                  <p:childTnLst>
+                                    <p:set>
+                                      <p:cBhvr>
+                                        <p:cTn id="35" dur="1" fill="hold">
+                                          <p:stCondLst>
+                                            <p:cond delay="0"/>
+                                          </p:stCondLst>
+                                        </p:cTn>
+                                        <p:tgtEl>
+                                          <p:spTgt spid="22"/>
+                                        </p:tgtEl>
+                                        <p:attrNameLst>
+                                          <p:attrName>style.visibility</p:attrName>
+                                        </p:attrNameLst>
+                                      </p:cBhvr>
+                                      <p:to>
+                                        <p:strVal val="visible"/>
+                                      </p:to>
+                                    </p:set>
+                                  </p:childTnLst>
+                                </p:cTn>
+                              </p:par>
+                            </p:childTnLst>
+                          </p:cTn>
+                        </p:par>
+                        <p:par>
+                          <p:cTn id="36" fill="hold">
+                            <p:stCondLst>
+                              <p:cond delay="0"/>
+                            </p:stCondLst>
+                            <p:childTnLst>
+                              <p:par>
+                                <p:cTn id="37" presetID="22" presetClass="entr" presetSubtype="8" fill="hold" nodeType="afterEffect">
+                                  <p:stCondLst>
+                                    <p:cond delay="0"/>
+                                  </p:stCondLst>
+                                  <p:childTnLst>
+                                    <p:set>
+                                      <p:cBhvr>
+                                        <p:cTn id="38" dur="1" fill="hold">
+                                          <p:stCondLst>
+                                            <p:cond delay="0"/>
+                                          </p:stCondLst>
+                                        </p:cTn>
+                                        <p:tgtEl>
+                                          <p:spTgt spid="43"/>
+                                        </p:tgtEl>
+                                        <p:attrNameLst>
+                                          <p:attrName>style.visibility</p:attrName>
+                                        </p:attrNameLst>
+                                      </p:cBhvr>
+                                      <p:to>
+                                        <p:strVal val="visible"/>
+                                      </p:to>
+                                    </p:set>
+                                    <p:animEffect transition="in" filter="wipe(left)">
+                                      <p:cBhvr>
+                                        <p:cTn id="39" dur="500"/>
+                                        <p:tgtEl>
+                                          <p:spTgt spid="43"/>
+                                        </p:tgtEl>
+                                      </p:cBhvr>
+                                    </p:animEffect>
+                                  </p:childTnLst>
+                                </p:cTn>
+                              </p:par>
+                            </p:childTnLst>
+                          </p:cTn>
+                        </p:par>
+                      </p:childTnLst>
+                    </p:cTn>
+                  </p:par>
+                  <p:par>
+                    <p:cTn id="40" fill="hold">
+                      <p:stCondLst>
+                        <p:cond delay="indefinite"/>
+                      </p:stCondLst>
+                      <p:childTnLst>
+                        <p:par>
+                          <p:cTn id="41" fill="hold">
+                            <p:stCondLst>
+                              <p:cond delay="0"/>
+                            </p:stCondLst>
+                            <p:childTnLst>
+                              <p:par>
+                                <p:cTn id="42" presetID="22" presetClass="entr" presetSubtype="4" fill="hold" grpId="0" nodeType="clickEffect">
+                                  <p:stCondLst>
+                                    <p:cond delay="0"/>
+                                  </p:stCondLst>
+                                  <p:childTnLst>
+                                    <p:set>
+                                      <p:cBhvr>
+                                        <p:cTn id="43" dur="1" fill="hold">
+                                          <p:stCondLst>
+                                            <p:cond delay="0"/>
+                                          </p:stCondLst>
+                                        </p:cTn>
+                                        <p:tgtEl>
+                                          <p:spTgt spid="30"/>
+                                        </p:tgtEl>
+                                        <p:attrNameLst>
+                                          <p:attrName>style.visibility</p:attrName>
+                                        </p:attrNameLst>
+                                      </p:cBhvr>
+                                      <p:to>
+                                        <p:strVal val="visible"/>
+                                      </p:to>
+                                    </p:set>
+                                    <p:animEffect transition="in" filter="wipe(down)">
+                                      <p:cBhvr>
+                                        <p:cTn id="44" dur="500"/>
+                                        <p:tgtEl>
+                                          <p:spTgt spid="30"/>
+                                        </p:tgtEl>
+                                      </p:cBhvr>
+                                    </p:animEffect>
+                                  </p:childTnLst>
+                                </p:cTn>
+                              </p:par>
+                              <p:par>
+                                <p:cTn id="45" presetID="22" presetClass="entr" presetSubtype="4" fill="hold" grpId="0" nodeType="withEffect">
+                                  <p:stCondLst>
+                                    <p:cond delay="0"/>
+                                  </p:stCondLst>
+                                  <p:childTnLst>
+                                    <p:set>
+                                      <p:cBhvr>
+                                        <p:cTn id="46" dur="1" fill="hold">
+                                          <p:stCondLst>
+                                            <p:cond delay="0"/>
+                                          </p:stCondLst>
+                                        </p:cTn>
+                                        <p:tgtEl>
+                                          <p:spTgt spid="21"/>
+                                        </p:tgtEl>
+                                        <p:attrNameLst>
+                                          <p:attrName>style.visibility</p:attrName>
+                                        </p:attrNameLst>
+                                      </p:cBhvr>
+                                      <p:to>
+                                        <p:strVal val="visible"/>
+                                      </p:to>
+                                    </p:set>
+                                    <p:animEffect transition="in" filter="wipe(down)">
+                                      <p:cBhvr>
+                                        <p:cTn id="47" dur="500"/>
+                                        <p:tgtEl>
+                                          <p:spTgt spid="21"/>
+                                        </p:tgtEl>
+                                      </p:cBhvr>
+                                    </p:animEffect>
+                                  </p:childTnLst>
+                                </p:cTn>
+                              </p:par>
+                              <p:par>
+                                <p:cTn id="48" presetID="22" presetClass="entr" presetSubtype="4" fill="hold" nodeType="withEffect">
+                                  <p:stCondLst>
+                                    <p:cond delay="0"/>
+                                  </p:stCondLst>
+                                  <p:childTnLst>
+                                    <p:set>
+                                      <p:cBhvr>
+                                        <p:cTn id="49" dur="1" fill="hold">
+                                          <p:stCondLst>
+                                            <p:cond delay="0"/>
+                                          </p:stCondLst>
+                                        </p:cTn>
+                                        <p:tgtEl>
+                                          <p:spTgt spid="35"/>
+                                        </p:tgtEl>
+                                        <p:attrNameLst>
+                                          <p:attrName>style.visibility</p:attrName>
+                                        </p:attrNameLst>
+                                      </p:cBhvr>
+                                      <p:to>
+                                        <p:strVal val="visible"/>
+                                      </p:to>
+                                    </p:set>
+                                    <p:animEffect transition="in" filter="wipe(down)">
+                                      <p:cBhvr>
+                                        <p:cTn id="50" dur="500"/>
+                                        <p:tgtEl>
+                                          <p:spTgt spid="35"/>
+                                        </p:tgtEl>
+                                      </p:cBhvr>
+                                    </p:animEffect>
+                                  </p:childTnLst>
+                                </p:cTn>
+                              </p:par>
+                              <p:par>
+                                <p:cTn id="51" presetID="22" presetClass="entr" presetSubtype="4" fill="hold" nodeType="withEffect">
+                                  <p:stCondLst>
+                                    <p:cond delay="0"/>
+                                  </p:stCondLst>
+                                  <p:childTnLst>
+                                    <p:set>
+                                      <p:cBhvr>
+                                        <p:cTn id="52" dur="1" fill="hold">
+                                          <p:stCondLst>
+                                            <p:cond delay="0"/>
+                                          </p:stCondLst>
+                                        </p:cTn>
+                                        <p:tgtEl>
+                                          <p:spTgt spid="34"/>
+                                        </p:tgtEl>
+                                        <p:attrNameLst>
+                                          <p:attrName>style.visibility</p:attrName>
+                                        </p:attrNameLst>
+                                      </p:cBhvr>
+                                      <p:to>
+                                        <p:strVal val="visible"/>
+                                      </p:to>
+                                    </p:set>
+                                    <p:animEffect transition="in" filter="wipe(down)">
+                                      <p:cBhvr>
+                                        <p:cTn id="53" dur="500"/>
+                                        <p:tgtEl>
+                                          <p:spTgt spid="34"/>
+                                        </p:tgtEl>
+                                      </p:cBhvr>
+                                    </p:animEffect>
+                                  </p:childTnLst>
+                                </p:cTn>
+                              </p:par>
+                              <p:par>
+                                <p:cTn id="54" presetID="22" presetClass="entr" presetSubtype="4" fill="hold" nodeType="withEffect">
+                                  <p:stCondLst>
+                                    <p:cond delay="0"/>
+                                  </p:stCondLst>
+                                  <p:childTnLst>
+                                    <p:set>
+                                      <p:cBhvr>
+                                        <p:cTn id="55" dur="1" fill="hold">
+                                          <p:stCondLst>
+                                            <p:cond delay="0"/>
+                                          </p:stCondLst>
+                                        </p:cTn>
+                                        <p:tgtEl>
+                                          <p:spTgt spid="36"/>
+                                        </p:tgtEl>
+                                        <p:attrNameLst>
+                                          <p:attrName>style.visibility</p:attrName>
+                                        </p:attrNameLst>
+                                      </p:cBhvr>
+                                      <p:to>
+                                        <p:strVal val="visible"/>
+                                      </p:to>
+                                    </p:set>
+                                    <p:animEffect transition="in" filter="wipe(down)">
+                                      <p:cBhvr>
+                                        <p:cTn id="56" dur="500"/>
+                                        <p:tgtEl>
+                                          <p:spTgt spid="36"/>
+                                        </p:tgtEl>
+                                      </p:cBhvr>
+                                    </p:animEffect>
+                                  </p:childTnLst>
+                                </p:cTn>
+                              </p:par>
+                              <p:par>
+                                <p:cTn id="57" presetID="22" presetClass="entr" presetSubtype="4" fill="hold" grpId="0" nodeType="withEffect">
+                                  <p:stCondLst>
+                                    <p:cond delay="0"/>
+                                  </p:stCondLst>
+                                  <p:childTnLst>
+                                    <p:set>
+                                      <p:cBhvr>
+                                        <p:cTn id="58" dur="1" fill="hold">
+                                          <p:stCondLst>
+                                            <p:cond delay="0"/>
+                                          </p:stCondLst>
+                                        </p:cTn>
+                                        <p:tgtEl>
+                                          <p:spTgt spid="39"/>
+                                        </p:tgtEl>
+                                        <p:attrNameLst>
+                                          <p:attrName>style.visibility</p:attrName>
+                                        </p:attrNameLst>
+                                      </p:cBhvr>
+                                      <p:to>
+                                        <p:strVal val="visible"/>
+                                      </p:to>
+                                    </p:set>
+                                    <p:animEffect transition="in" filter="wipe(down)">
+                                      <p:cBhvr>
+                                        <p:cTn id="59" dur="500"/>
+                                        <p:tgtEl>
+                                          <p:spTgt spid="39"/>
+                                        </p:tgtEl>
+                                      </p:cBhvr>
+                                    </p:animEffect>
+                                  </p:childTnLst>
+                                </p:cTn>
+                              </p:par>
+                              <p:par>
+                                <p:cTn id="60" presetID="22" presetClass="entr" presetSubtype="4" fill="hold" grpId="0" nodeType="withEffect">
+                                  <p:stCondLst>
+                                    <p:cond delay="0"/>
+                                  </p:stCondLst>
+                                  <p:childTnLst>
+                                    <p:set>
+                                      <p:cBhvr>
+                                        <p:cTn id="61" dur="1" fill="hold">
+                                          <p:stCondLst>
+                                            <p:cond delay="0"/>
+                                          </p:stCondLst>
+                                        </p:cTn>
+                                        <p:tgtEl>
+                                          <p:spTgt spid="40"/>
+                                        </p:tgtEl>
+                                        <p:attrNameLst>
+                                          <p:attrName>style.visibility</p:attrName>
+                                        </p:attrNameLst>
+                                      </p:cBhvr>
+                                      <p:to>
+                                        <p:strVal val="visible"/>
+                                      </p:to>
+                                    </p:set>
+                                    <p:animEffect transition="in" filter="wipe(down)">
+                                      <p:cBhvr>
+                                        <p:cTn id="62" dur="500"/>
+                                        <p:tgtEl>
+                                          <p:spTgt spid="40"/>
+                                        </p:tgtEl>
+                                      </p:cBhvr>
+                                    </p:animEffect>
+                                  </p:childTnLst>
+                                </p:cTn>
+                              </p:par>
+                              <p:par>
+                                <p:cTn id="63" presetID="22" presetClass="entr" presetSubtype="4" fill="hold" grpId="0" nodeType="withEffect">
+                                  <p:stCondLst>
+                                    <p:cond delay="0"/>
+                                  </p:stCondLst>
+                                  <p:childTnLst>
+                                    <p:set>
+                                      <p:cBhvr>
+                                        <p:cTn id="64" dur="1" fill="hold">
+                                          <p:stCondLst>
+                                            <p:cond delay="0"/>
+                                          </p:stCondLst>
+                                        </p:cTn>
+                                        <p:tgtEl>
+                                          <p:spTgt spid="42"/>
+                                        </p:tgtEl>
+                                        <p:attrNameLst>
+                                          <p:attrName>style.visibility</p:attrName>
+                                        </p:attrNameLst>
+                                      </p:cBhvr>
+                                      <p:to>
+                                        <p:strVal val="visible"/>
+                                      </p:to>
+                                    </p:set>
+                                    <p:animEffect transition="in" filter="wipe(down)">
+                                      <p:cBhvr>
+                                        <p:cTn id="65" dur="500"/>
+                                        <p:tgtEl>
+                                          <p:spTgt spid="42"/>
+                                        </p:tgtEl>
+                                      </p:cBhvr>
+                                    </p:animEffect>
+                                  </p:childTnLst>
+                                </p:cTn>
+                              </p:par>
+                            </p:childTnLst>
+                          </p:cTn>
+                        </p:par>
+                        <p:par>
+                          <p:cTn id="66" fill="hold">
+                            <p:stCondLst>
+                              <p:cond delay="500"/>
+                            </p:stCondLst>
+                            <p:childTnLst>
+                              <p:par>
+                                <p:cTn id="67" presetID="22" presetClass="entr" presetSubtype="4" fill="hold" nodeType="afterEffect">
+                                  <p:stCondLst>
+                                    <p:cond delay="1000"/>
+                                  </p:stCondLst>
+                                  <p:childTnLst>
+                                    <p:set>
+                                      <p:cBhvr>
+                                        <p:cTn id="68" dur="1" fill="hold">
+                                          <p:stCondLst>
+                                            <p:cond delay="0"/>
+                                          </p:stCondLst>
+                                        </p:cTn>
+                                        <p:tgtEl>
+                                          <p:spTgt spid="6"/>
+                                        </p:tgtEl>
+                                        <p:attrNameLst>
+                                          <p:attrName>style.visibility</p:attrName>
+                                        </p:attrNameLst>
+                                      </p:cBhvr>
+                                      <p:to>
+                                        <p:strVal val="visible"/>
+                                      </p:to>
+                                    </p:set>
+                                    <p:animEffect transition="in" filter="wipe(down)">
+                                      <p:cBhvr>
+                                        <p:cTn id="69" dur="500"/>
+                                        <p:tgtEl>
+                                          <p:spTgt spid="6"/>
+                                        </p:tgtEl>
+                                      </p:cBhvr>
+                                    </p:animEffect>
+                                  </p:childTnLst>
+                                </p:cTn>
+                              </p:par>
+                            </p:childTnLst>
+                          </p:cTn>
+                        </p:par>
+                      </p:childTnLst>
+                    </p:cTn>
+                  </p:par>
+                  <p:par>
+                    <p:cTn id="70" fill="hold">
+                      <p:stCondLst>
+                        <p:cond delay="indefinite"/>
+                      </p:stCondLst>
+                      <p:childTnLst>
+                        <p:par>
+                          <p:cTn id="71" fill="hold">
+                            <p:stCondLst>
+                              <p:cond delay="0"/>
+                            </p:stCondLst>
+                            <p:childTnLst>
+                              <p:par>
+                                <p:cTn id="72" presetID="22" presetClass="entr" presetSubtype="4" fill="hold" grpId="0" nodeType="clickEffect">
+                                  <p:stCondLst>
+                                    <p:cond delay="0"/>
+                                  </p:stCondLst>
+                                  <p:childTnLst>
+                                    <p:set>
+                                      <p:cBhvr>
+                                        <p:cTn id="73" dur="1" fill="hold">
+                                          <p:stCondLst>
+                                            <p:cond delay="0"/>
+                                          </p:stCondLst>
+                                        </p:cTn>
+                                        <p:tgtEl>
+                                          <p:spTgt spid="14"/>
+                                        </p:tgtEl>
+                                        <p:attrNameLst>
+                                          <p:attrName>style.visibility</p:attrName>
+                                        </p:attrNameLst>
+                                      </p:cBhvr>
+                                      <p:to>
+                                        <p:strVal val="visible"/>
+                                      </p:to>
+                                    </p:set>
+                                    <p:animEffect transition="in" filter="wipe(down)">
+                                      <p:cBhvr>
+                                        <p:cTn id="74" dur="500"/>
+                                        <p:tgtEl>
+                                          <p:spTgt spid="14"/>
+                                        </p:tgtEl>
+                                      </p:cBhvr>
+                                    </p:animEffect>
+                                  </p:childTnLst>
+                                </p:cTn>
+                              </p:par>
+                            </p:childTnLst>
+                          </p:cTn>
+                        </p:par>
+                        <p:par>
+                          <p:cTn id="75" fill="hold">
+                            <p:stCondLst>
+                              <p:cond delay="500"/>
+                            </p:stCondLst>
+                            <p:childTnLst>
+                              <p:par>
+                                <p:cTn id="76" presetID="22" presetClass="entr" presetSubtype="4" fill="hold" grpId="0" nodeType="afterEffect">
+                                  <p:stCondLst>
+                                    <p:cond delay="0"/>
+                                  </p:stCondLst>
+                                  <p:childTnLst>
+                                    <p:set>
+                                      <p:cBhvr>
+                                        <p:cTn id="77" dur="1" fill="hold">
+                                          <p:stCondLst>
+                                            <p:cond delay="0"/>
+                                          </p:stCondLst>
+                                        </p:cTn>
+                                        <p:tgtEl>
+                                          <p:spTgt spid="16"/>
+                                        </p:tgtEl>
+                                        <p:attrNameLst>
+                                          <p:attrName>style.visibility</p:attrName>
+                                        </p:attrNameLst>
+                                      </p:cBhvr>
+                                      <p:to>
+                                        <p:strVal val="visible"/>
+                                      </p:to>
+                                    </p:set>
+                                    <p:animEffect transition="in" filter="wipe(down)">
+                                      <p:cBhvr>
+                                        <p:cTn id="78" dur="500"/>
+                                        <p:tgtEl>
+                                          <p:spTgt spid="16"/>
+                                        </p:tgtEl>
+                                      </p:cBhvr>
+                                    </p:animEffect>
+                                  </p:childTnLst>
+                                </p:cTn>
+                              </p:par>
+                            </p:childTnLst>
+                          </p:cTn>
+                        </p:par>
+                      </p:childTnLst>
+                    </p:cTn>
+                  </p:par>
+                  <p:par>
+                    <p:cTn id="79" fill="hold">
+                      <p:stCondLst>
+                        <p:cond delay="indefinite"/>
+                      </p:stCondLst>
+                      <p:childTnLst>
+                        <p:par>
+                          <p:cTn id="80" fill="hold">
+                            <p:stCondLst>
+                              <p:cond delay="0"/>
+                            </p:stCondLst>
+                            <p:childTnLst>
+                              <p:par>
+                                <p:cTn id="81" presetID="15" presetClass="emph" presetSubtype="0" nodeType="clickEffect">
+                                  <p:stCondLst>
+                                    <p:cond delay="0"/>
+                                  </p:stCondLst>
+                                  <p:iterate type="lt">
+                                    <p:tmAbs val="25"/>
+                                  </p:iterate>
+                                  <p:childTnLst>
+                                    <p:set>
+                                      <p:cBhvr override="childStyle">
+                                        <p:cTn id="82" dur="indefinite"/>
+                                        <p:tgtEl>
+                                          <p:spTgt spid="3">
+                                            <p:txEl>
+                                              <p:pRg st="2" end="2"/>
+                                            </p:txEl>
+                                          </p:spTgt>
+                                        </p:tgtEl>
+                                        <p:attrNameLst>
+                                          <p:attrName>style.fontWeight</p:attrName>
+                                        </p:attrNameLst>
+                                      </p:cBhvr>
+                                      <p:to>
+                                        <p:strVal val="bold"/>
+                                      </p:to>
+                                    </p:set>
+                                  </p:childTnLst>
+                                </p:cTn>
+                              </p:par>
+                            </p:childTnLst>
+                          </p:cTn>
+                        </p:par>
+                        <p:par>
+                          <p:cTn id="83" fill="hold">
+                            <p:stCondLst>
+                              <p:cond delay="300"/>
+                            </p:stCondLst>
+                            <p:childTnLst>
+                              <p:par>
+                                <p:cTn id="84" presetID="22" presetClass="entr" presetSubtype="4" fill="hold" grpId="0" nodeType="afterEffect">
+                                  <p:stCondLst>
+                                    <p:cond delay="0"/>
+                                  </p:stCondLst>
+                                  <p:childTnLst>
+                                    <p:set>
+                                      <p:cBhvr>
+                                        <p:cTn id="85" dur="1" fill="hold">
+                                          <p:stCondLst>
+                                            <p:cond delay="0"/>
+                                          </p:stCondLst>
+                                        </p:cTn>
+                                        <p:tgtEl>
+                                          <p:spTgt spid="17"/>
+                                        </p:tgtEl>
+                                        <p:attrNameLst>
+                                          <p:attrName>style.visibility</p:attrName>
+                                        </p:attrNameLst>
+                                      </p:cBhvr>
+                                      <p:to>
+                                        <p:strVal val="visible"/>
+                                      </p:to>
+                                    </p:set>
+                                    <p:animEffect transition="in" filter="wipe(down)">
+                                      <p:cBhvr>
+                                        <p:cTn id="86" dur="500"/>
+                                        <p:tgtEl>
+                                          <p:spTgt spid="17"/>
+                                        </p:tgtEl>
+                                      </p:cBhvr>
+                                    </p:animEffect>
+                                  </p:childTnLst>
+                                </p:cTn>
+                              </p:par>
+                            </p:childTnLst>
+                          </p:cTn>
+                        </p:par>
+                      </p:childTnLst>
+                    </p:cTn>
+                  </p:par>
+                </p:childTnLst>
+              </p:cTn>
+              <p:prevCondLst>
+                <p:cond evt="onPrev" delay="0">
+                  <p:tgtEl>
+                    <p:sldTgt/>
+                  </p:tgtEl>
+                </p:cond>
+              </p:prevCondLst>
+              <p:nextCondLst>
+                <p:cond evt="onNext" delay="0">
+                  <p:tgtEl>
+                    <p:sldTgt/>
+                  </p:tgtEl>
+                </p:cond>
+              </p:nextCondLst>
+            </p:seq>
+          </p:childTnLst>
+        </p:cTn>
+      </p:par>
+    </p:tnLst>
+    <p:bldLst>
+      <p:bldP spid="12" grpId="0"/>
+      <p:bldP spid="13" grpId="0" animBg="1"/>
+      <p:bldP spid="14" grpId="0" animBg="1"/>
+      <p:bldP spid="16" grpId="0" animBg="1"/>
+      <p:bldP spid="17" grpId="0"/>
+      <p:bldP spid="21" grpId="0" animBg="1"/>
+      <p:bldP spid="22" grpId="0" animBg="1"/>
+      <p:bldP spid="24" grpId="0" animBg="1"/>
+      <p:bldP spid="30" grpId="0" animBg="1"/>
+      <p:bldP spid="39" grpId="0"/>
+      <p:bldP spid="40" grpId="0"/>
+      <p:bldP spid="42" grpId="0"/>
+    </p:bldLst>
+  </p:timing>
+</p:sld>
+</file>
+
+<file path=ppt/slides/slide7.xml><?xml version="1.0" encoding="utf-8"?>
+<p:sld xmlns:a="http://schemas.openxmlformats.org/drawingml/2006/main" xmlns:r="http://schemas.openxmlformats.org/officeDocument/2006/relationships" xmlns:p="http://schemas.openxmlformats.org/presentationml/2006/main">
+  <p:cSld>
+    <p:spTree>
+      <p:nvGrpSpPr>
+        <p:cNvPr id="1" name=""/>
+        <p:cNvGrpSpPr/>
+        <p:nvPr/>
+      </p:nvGrpSpPr>
+      <p:grpSpPr>
+        <a:xfrm>
+          <a:off x="0" y="0"/>
+          <a:ext cx="0" cy="0"/>
+          <a:chOff x="0" y="0"/>
+          <a:chExt cx="0" cy="0"/>
+        </a:xfrm>
+      </p:grpSpPr>
+      <p:grpSp>
+        <p:nvGrpSpPr>
+          <p:cNvPr id="12" name="Group 11">
+            <a:extLst>
+              <a:ext uri="{FF2B5EF4-FFF2-40B4-BE49-F238E27FC236}">
+                <a16:creationId xmlns:a16="http://schemas.microsoft.com/office/drawing/2014/main" id="{FA60ADB6-00D3-F128-38F5-E198BAB7F496}"/>
+              </a:ext>
+            </a:extLst>
+          </p:cNvPr>
+          <p:cNvGrpSpPr/>
+          <p:nvPr/>
+        </p:nvGrpSpPr>
+        <p:grpSpPr>
+          <a:xfrm>
+            <a:off x="5743074" y="1527470"/>
+            <a:ext cx="6288740" cy="2763254"/>
+            <a:chOff x="4414060" y="1302583"/>
+            <a:chExt cx="4836695" cy="2072441"/>
+          </a:xfrm>
+        </p:grpSpPr>
+        <p:pic>
+          <p:nvPicPr>
+            <p:cNvPr id="13" name="Picture 2">
+              <a:extLst>
+                <a:ext uri="{FF2B5EF4-FFF2-40B4-BE49-F238E27FC236}">
+                  <a16:creationId xmlns:a16="http://schemas.microsoft.com/office/drawing/2014/main" id="{25A39440-A758-391A-03D7-E335B4EED86B}"/>
+                </a:ext>
+              </a:extLst>
+            </p:cNvPr>
+            <p:cNvPicPr>
+              <a:picLocks noChangeAspect="1" noChangeArrowheads="1"/>
+            </p:cNvPicPr>
+            <p:nvPr/>
+          </p:nvPicPr>
+          <p:blipFill rotWithShape="1">
+            <a:blip r:embed="rId3">
+              <a:extLst>
+                <a:ext uri="{28A0092B-C50C-407E-A947-70E740481C1C}">
+                  <a14:useLocalDpi xmlns:a14="http://schemas.microsoft.com/office/drawing/2010/main" val="0"/>
+                </a:ext>
+              </a:extLst>
+            </a:blip>
+            <a:srcRect b="2418"/>
+            <a:stretch/>
+          </p:blipFill>
+          <p:spPr bwMode="auto">
+            <a:xfrm>
+              <a:off x="4414060" y="1302583"/>
+              <a:ext cx="4836695" cy="1338429"/>
+            </a:xfrm>
+            <a:prstGeom prst="rect">
+              <a:avLst/>
+            </a:prstGeom>
+            <a:noFill/>
+            <a:extLst>
+              <a:ext uri="{909E8E84-426E-40DD-AFC4-6F175D3DCCD1}">
+                <a14:hiddenFill xmlns:a14="http://schemas.microsoft.com/office/drawing/2010/main">
+                  <a:solidFill>
+                    <a:srgbClr val="FFFFFF"/>
+                  </a:solidFill>
+                </a14:hiddenFill>
+              </a:ext>
+            </a:extLst>
+          </p:spPr>
+        </p:pic>
+        <p:sp>
+          <p:nvSpPr>
+            <p:cNvPr id="14" name="TextBox 13">
+              <a:extLst>
+                <a:ext uri="{FF2B5EF4-FFF2-40B4-BE49-F238E27FC236}">
+                  <a16:creationId xmlns:a16="http://schemas.microsoft.com/office/drawing/2014/main" id="{B1CC27CB-0D8F-3E21-3B90-BF1E0D65783E}"/>
+                </a:ext>
+              </a:extLst>
+            </p:cNvPr>
+            <p:cNvSpPr txBox="1"/>
+            <p:nvPr/>
+          </p:nvSpPr>
+          <p:spPr>
+            <a:xfrm>
+              <a:off x="5452918" y="2751776"/>
+              <a:ext cx="2758979" cy="623248"/>
+            </a:xfrm>
+            <a:prstGeom prst="rect">
+              <a:avLst/>
+            </a:prstGeom>
+            <a:noFill/>
+          </p:spPr>
+          <p:txBody>
+            <a:bodyPr wrap="none" rtlCol="0">
+              <a:spAutoFit/>
+            </a:bodyPr>
+            <a:lstStyle/>
+            <a:p>
+              <a:pPr algn="ctr"/>
+              <a:r>
+                <a:rPr lang="en-US" sz="2400" dirty="0"/>
+                <a:t>1mm slice thickness</a:t>
+              </a:r>
+            </a:p>
+            <a:p>
+              <a:pPr algn="ctr"/>
+              <a:r>
+                <a:rPr lang="en-US" sz="2400" dirty="0"/>
+                <a:t>NumPy array (60, 512, 512)</a:t>
+              </a:r>
+            </a:p>
+          </p:txBody>
+        </p:sp>
+      </p:grpSp>
+      <p:grpSp>
+        <p:nvGrpSpPr>
+          <p:cNvPr id="4" name="Group 3">
+            <a:extLst>
+              <a:ext uri="{FF2B5EF4-FFF2-40B4-BE49-F238E27FC236}">
+                <a16:creationId xmlns:a16="http://schemas.microsoft.com/office/drawing/2014/main" id="{0A0A8682-5E89-2216-C73B-1F5364EC4F4A}"/>
+              </a:ext>
+            </a:extLst>
+          </p:cNvPr>
+          <p:cNvGrpSpPr/>
+          <p:nvPr/>
+        </p:nvGrpSpPr>
+        <p:grpSpPr>
+          <a:xfrm>
+            <a:off x="2662333" y="1527470"/>
+            <a:ext cx="3587264" cy="2763254"/>
+            <a:chOff x="1996749" y="1886464"/>
+            <a:chExt cx="2690448" cy="2072441"/>
+          </a:xfrm>
+        </p:grpSpPr>
+        <p:pic>
+          <p:nvPicPr>
+            <p:cNvPr id="5" name="Picture 4">
+              <a:extLst>
+                <a:ext uri="{FF2B5EF4-FFF2-40B4-BE49-F238E27FC236}">
+                  <a16:creationId xmlns:a16="http://schemas.microsoft.com/office/drawing/2014/main" id="{DF9D3A88-C4B4-4EFC-921E-52E80D4C7DB0}"/>
+                </a:ext>
+              </a:extLst>
+            </p:cNvPr>
+            <p:cNvPicPr>
+              <a:picLocks noChangeAspect="1"/>
+            </p:cNvPicPr>
+            <p:nvPr/>
+          </p:nvPicPr>
+          <p:blipFill rotWithShape="1">
+            <a:blip r:embed="rId4"/>
+            <a:srcRect l="2964" t="3553" r="2704"/>
+            <a:stretch/>
+          </p:blipFill>
+          <p:spPr>
+            <a:xfrm>
+              <a:off x="2388160" y="1886464"/>
+              <a:ext cx="1907624" cy="1371600"/>
+            </a:xfrm>
+            <a:prstGeom prst="rect">
+              <a:avLst/>
+            </a:prstGeom>
+          </p:spPr>
+        </p:pic>
+        <p:sp>
+          <p:nvSpPr>
+            <p:cNvPr id="8" name="TextBox 7">
+              <a:extLst>
+                <a:ext uri="{FF2B5EF4-FFF2-40B4-BE49-F238E27FC236}">
+                  <a16:creationId xmlns:a16="http://schemas.microsoft.com/office/drawing/2014/main" id="{127D4386-829E-31DA-5A5A-594ED48731AE}"/>
+                </a:ext>
+              </a:extLst>
+            </p:cNvPr>
+            <p:cNvSpPr txBox="1"/>
+            <p:nvPr/>
+          </p:nvSpPr>
+          <p:spPr>
+            <a:xfrm>
+              <a:off x="1996749" y="3335657"/>
+              <a:ext cx="2690448" cy="623248"/>
+            </a:xfrm>
+            <a:prstGeom prst="rect">
+              <a:avLst/>
+            </a:prstGeom>
+            <a:noFill/>
+          </p:spPr>
+          <p:txBody>
+            <a:bodyPr wrap="none" rtlCol="0">
+              <a:spAutoFit/>
+            </a:bodyPr>
+            <a:lstStyle/>
+            <a:p>
+              <a:pPr algn="ctr"/>
+              <a:r>
+                <a:rPr lang="en-US" sz="2400" dirty="0"/>
+                <a:t>3mm slice thickness</a:t>
+              </a:r>
+            </a:p>
+            <a:p>
+              <a:pPr algn="ctr"/>
+              <a:r>
+                <a:rPr lang="en-US" sz="2400" dirty="0"/>
+                <a:t>NumPy array (60, 512, 512)</a:t>
+              </a:r>
+            </a:p>
+          </p:txBody>
+        </p:sp>
+      </p:grpSp>
+      <p:sp>
+        <p:nvSpPr>
+          <p:cNvPr id="2" name="Title 1">
+            <a:extLst>
+              <a:ext uri="{FF2B5EF4-FFF2-40B4-BE49-F238E27FC236}">
+                <a16:creationId xmlns:a16="http://schemas.microsoft.com/office/drawing/2014/main" id="{9043342C-1F09-2012-0775-BC91E5962807}"/>
+              </a:ext>
+            </a:extLst>
+          </p:cNvPr>
+          <p:cNvSpPr>
+            <a:spLocks noGrp="1"/>
+          </p:cNvSpPr>
+          <p:nvPr>
+            <p:ph type="title"/>
+          </p:nvPr>
+        </p:nvSpPr>
+        <p:spPr/>
+        <p:txBody>
+          <a:bodyPr/>
+          <a:lstStyle/>
+          <a:p>
+            <a:r>
+              <a:rPr lang="en-US" dirty="0"/>
+              <a:t>Be wary of NumPy</a:t>
+            </a:r>
+          </a:p>
+        </p:txBody>
+      </p:sp>
+      <p:sp>
+        <p:nvSpPr>
+          <p:cNvPr id="3" name="Content Placeholder 2">
+            <a:extLst>
+              <a:ext uri="{FF2B5EF4-FFF2-40B4-BE49-F238E27FC236}">
+                <a16:creationId xmlns:a16="http://schemas.microsoft.com/office/drawing/2014/main" id="{E5A98FE1-086D-CED0-3258-AAFD167A3B70}"/>
+              </a:ext>
+            </a:extLst>
+          </p:cNvPr>
+          <p:cNvSpPr>
+            <a:spLocks noGrp="1"/>
+          </p:cNvSpPr>
+          <p:nvPr>
+            <p:ph idx="1"/>
+          </p:nvPr>
+        </p:nvSpPr>
+        <p:spPr>
+          <a:xfrm>
+            <a:off x="480000" y="1919999"/>
+            <a:ext cx="11280000" cy="4674359"/>
+          </a:xfrm>
+        </p:spPr>
+        <p:txBody>
+          <a:bodyPr>
+            <a:normAutofit lnSpcReduction="10000"/>
+          </a:bodyPr>
+          <a:lstStyle/>
+          <a:p>
+            <a:r>
+              <a:rPr lang="en-US" strike="sngStrike" dirty="0"/>
+              <a:t>Slice thickness</a:t>
+            </a:r>
+          </a:p>
+          <a:p>
+            <a:endParaRPr lang="en-US" dirty="0"/>
+          </a:p>
+          <a:p>
+            <a:r>
+              <a:rPr lang="en-US" strike="sngStrike" dirty="0"/>
+              <a:t>Pixel Spacing</a:t>
+            </a:r>
+            <a:endParaRPr lang="en-US" dirty="0"/>
+          </a:p>
+          <a:p>
+            <a:endParaRPr lang="en-US" dirty="0"/>
+          </a:p>
+          <a:p>
+            <a:endParaRPr lang="en-US" dirty="0"/>
+          </a:p>
+          <a:p>
+            <a:r>
+              <a:rPr lang="en-US" dirty="0"/>
+              <a:t>Instead? </a:t>
+            </a:r>
+            <a:r>
+              <a:rPr lang="en-US" dirty="0" err="1"/>
+              <a:t>Nifti</a:t>
+            </a:r>
+            <a:r>
+              <a:rPr lang="en-US" dirty="0"/>
+              <a:t> files!</a:t>
+            </a:r>
+          </a:p>
+          <a:p>
+            <a:pPr lvl="1"/>
+            <a:r>
+              <a:rPr lang="en-US" dirty="0"/>
+              <a:t>Makes resampling easy</a:t>
+            </a:r>
+          </a:p>
+          <a:p>
+            <a:pPr lvl="1"/>
+            <a:r>
+              <a:rPr lang="en-US" dirty="0"/>
+              <a:t>Makes registration easy</a:t>
+            </a:r>
+          </a:p>
+          <a:p>
+            <a:endParaRPr lang="en-US" dirty="0"/>
+          </a:p>
+          <a:p>
+            <a:r>
+              <a:rPr lang="en-US" dirty="0"/>
+              <a:t>Easy to convert back to NumPy when ready</a:t>
+            </a:r>
+          </a:p>
+        </p:txBody>
+      </p:sp>
+      <p:sp>
+        <p:nvSpPr>
+          <p:cNvPr id="21" name="Rectangle 20">
+            <a:extLst>
+              <a:ext uri="{FF2B5EF4-FFF2-40B4-BE49-F238E27FC236}">
+                <a16:creationId xmlns:a16="http://schemas.microsoft.com/office/drawing/2014/main" id="{4DD6CE9A-C182-B000-9C41-C95A341E70E2}"/>
+              </a:ext>
+            </a:extLst>
+          </p:cNvPr>
+          <p:cNvSpPr/>
+          <p:nvPr/>
+        </p:nvSpPr>
+        <p:spPr>
+          <a:xfrm rot="16200000">
+            <a:off x="3963928" y="2135577"/>
+            <a:ext cx="609600" cy="609600"/>
+          </a:xfrm>
+          <a:prstGeom prst="rect">
+            <a:avLst/>
+          </a:prstGeom>
+          <a:solidFill>
+            <a:srgbClr val="92D050">
+              <a:alpha val="50000"/>
+            </a:srgbClr>
+          </a:solidFill>
+          <a:ln>
+            <a:solidFill>
+              <a:srgbClr val="92D050"/>
+            </a:solidFill>
+          </a:ln>
+        </p:spPr>
+        <p:style>
+          <a:lnRef idx="2">
+            <a:schemeClr val="accent1">
+              <a:shade val="50000"/>
+            </a:schemeClr>
+          </a:lnRef>
+          <a:fillRef idx="1">
+            <a:schemeClr val="accent1"/>
+          </a:fillRef>
+          <a:effectRef idx="0">
+            <a:schemeClr val="accent1"/>
+          </a:effectRef>
+          <a:fontRef idx="minor">
+            <a:schemeClr val="lt1"/>
+          </a:fontRef>
+        </p:style>
+        <p:txBody>
+          <a:bodyPr rtlCol="0" anchor="ctr"/>
+          <a:lstStyle/>
+          <a:p>
+            <a:pPr algn="ctr"/>
+            <a:endParaRPr lang="en-US" sz="2400"/>
+          </a:p>
+        </p:txBody>
+      </p:sp>
+      <p:sp>
+        <p:nvSpPr>
+          <p:cNvPr id="22" name="Rectangle 21">
+            <a:extLst>
+              <a:ext uri="{FF2B5EF4-FFF2-40B4-BE49-F238E27FC236}">
+                <a16:creationId xmlns:a16="http://schemas.microsoft.com/office/drawing/2014/main" id="{39D5D386-3A00-E9C0-EEB7-D92CE854455B}"/>
+              </a:ext>
+            </a:extLst>
+          </p:cNvPr>
+          <p:cNvSpPr/>
+          <p:nvPr/>
+        </p:nvSpPr>
+        <p:spPr>
+          <a:xfrm rot="16200000">
+            <a:off x="8357936" y="2114955"/>
+            <a:ext cx="609600" cy="609600"/>
+          </a:xfrm>
+          <a:prstGeom prst="rect">
+            <a:avLst/>
+          </a:prstGeom>
+          <a:solidFill>
+            <a:srgbClr val="92D050">
+              <a:alpha val="50000"/>
+            </a:srgbClr>
+          </a:solidFill>
+          <a:ln>
+            <a:solidFill>
+              <a:srgbClr val="92D050"/>
+            </a:solidFill>
+          </a:ln>
+        </p:spPr>
+        <p:style>
+          <a:lnRef idx="2">
+            <a:schemeClr val="accent1">
+              <a:shade val="50000"/>
+            </a:schemeClr>
+          </a:lnRef>
+          <a:fillRef idx="1">
+            <a:schemeClr val="accent1"/>
+          </a:fillRef>
+          <a:effectRef idx="0">
+            <a:schemeClr val="accent1"/>
+          </a:effectRef>
+          <a:fontRef idx="minor">
+            <a:schemeClr val="lt1"/>
+          </a:fontRef>
+        </p:style>
+        <p:txBody>
+          <a:bodyPr rtlCol="0" anchor="ctr"/>
+          <a:lstStyle/>
+          <a:p>
+            <a:pPr algn="ctr"/>
+            <a:endParaRPr lang="en-US" sz="2400"/>
+          </a:p>
+        </p:txBody>
+      </p:sp>
+      <p:pic>
+        <p:nvPicPr>
+          <p:cNvPr id="27" name="Picture 26">
+            <a:extLst>
+              <a:ext uri="{FF2B5EF4-FFF2-40B4-BE49-F238E27FC236}">
+                <a16:creationId xmlns:a16="http://schemas.microsoft.com/office/drawing/2014/main" id="{B6DD9410-591B-5BDA-D08E-75E62AB56451}"/>
+              </a:ext>
+            </a:extLst>
+          </p:cNvPr>
+          <p:cNvPicPr>
+            <a:picLocks noChangeAspect="1"/>
+          </p:cNvPicPr>
+          <p:nvPr/>
+        </p:nvPicPr>
+        <p:blipFill>
+          <a:blip r:embed="rId5"/>
+          <a:stretch>
+            <a:fillRect/>
+          </a:stretch>
+        </p:blipFill>
+        <p:spPr>
+          <a:xfrm>
+            <a:off x="4573529" y="4613367"/>
+            <a:ext cx="3289300" cy="1054100"/>
+          </a:xfrm>
+          <a:prstGeom prst="rect">
+            <a:avLst/>
+          </a:prstGeom>
+        </p:spPr>
+      </p:pic>
+      <p:sp>
+        <p:nvSpPr>
+          <p:cNvPr id="16" name="TextBox 15">
+            <a:extLst>
+              <a:ext uri="{FF2B5EF4-FFF2-40B4-BE49-F238E27FC236}">
+                <a16:creationId xmlns:a16="http://schemas.microsoft.com/office/drawing/2014/main" id="{92CAFDA8-9D65-E208-71D6-F40138867308}"/>
+              </a:ext>
+            </a:extLst>
+          </p:cNvPr>
+          <p:cNvSpPr txBox="1"/>
+          <p:nvPr/>
+        </p:nvSpPr>
+        <p:spPr>
+          <a:xfrm>
+            <a:off x="8554229" y="5049875"/>
+            <a:ext cx="3205772" cy="502766"/>
+          </a:xfrm>
+          <a:prstGeom prst="rect">
+            <a:avLst/>
+          </a:prstGeom>
+          <a:noFill/>
+        </p:spPr>
+        <p:txBody>
+          <a:bodyPr wrap="square" rtlCol="0">
+            <a:spAutoFit/>
+          </a:bodyPr>
+          <a:lstStyle/>
+          <a:p>
+            <a:pPr algn="ctr"/>
+            <a:r>
+              <a:rPr lang="en-US" sz="2667" dirty="0"/>
+              <a:t>Lets get some data!</a:t>
+            </a:r>
+          </a:p>
+        </p:txBody>
+      </p:sp>
+      <p:sp>
+        <p:nvSpPr>
+          <p:cNvPr id="17" name="TextBox 16">
+            <a:extLst>
+              <a:ext uri="{FF2B5EF4-FFF2-40B4-BE49-F238E27FC236}">
+                <a16:creationId xmlns:a16="http://schemas.microsoft.com/office/drawing/2014/main" id="{FC00CB00-63C1-37EB-4E3D-B5932409D1CD}"/>
+              </a:ext>
+            </a:extLst>
+          </p:cNvPr>
+          <p:cNvSpPr txBox="1"/>
+          <p:nvPr/>
+        </p:nvSpPr>
+        <p:spPr>
+          <a:xfrm>
+            <a:off x="4376608" y="767956"/>
+            <a:ext cx="4743393" cy="502766"/>
+          </a:xfrm>
+          <a:prstGeom prst="rect">
+            <a:avLst/>
+          </a:prstGeom>
+          <a:noFill/>
+        </p:spPr>
+        <p:txBody>
+          <a:bodyPr wrap="square" rtlCol="0">
+            <a:spAutoFit/>
+          </a:bodyPr>
+          <a:lstStyle/>
+          <a:p>
+            <a:pPr algn="ctr"/>
+            <a:r>
+              <a:rPr lang="en-US" sz="2667" dirty="0"/>
+              <a:t>That’s a  bit aggressive…</a:t>
+            </a:r>
+          </a:p>
+        </p:txBody>
+      </p:sp>
+      <p:grpSp>
+        <p:nvGrpSpPr>
+          <p:cNvPr id="9" name="Group 8">
+            <a:extLst>
+              <a:ext uri="{FF2B5EF4-FFF2-40B4-BE49-F238E27FC236}">
+                <a16:creationId xmlns:a16="http://schemas.microsoft.com/office/drawing/2014/main" id="{554D4DD8-0074-5D24-37F9-FA00EE6DDC7E}"/>
+              </a:ext>
+            </a:extLst>
+          </p:cNvPr>
+          <p:cNvGrpSpPr/>
+          <p:nvPr/>
+        </p:nvGrpSpPr>
+        <p:grpSpPr>
+          <a:xfrm>
+            <a:off x="6000403" y="6121071"/>
+            <a:ext cx="5613400" cy="668243"/>
+            <a:chOff x="4500302" y="4590803"/>
+            <a:chExt cx="4210050" cy="501182"/>
+          </a:xfrm>
+        </p:grpSpPr>
+        <p:pic>
+          <p:nvPicPr>
+            <p:cNvPr id="19" name="Picture 18">
+              <a:extLst>
+                <a:ext uri="{FF2B5EF4-FFF2-40B4-BE49-F238E27FC236}">
+                  <a16:creationId xmlns:a16="http://schemas.microsoft.com/office/drawing/2014/main" id="{4E3FB60E-7AC3-9D7E-8C05-E409564932D5}"/>
+                </a:ext>
+              </a:extLst>
+            </p:cNvPr>
+            <p:cNvPicPr>
+              <a:picLocks noChangeAspect="1"/>
+            </p:cNvPicPr>
+            <p:nvPr/>
+          </p:nvPicPr>
+          <p:blipFill rotWithShape="1">
+            <a:blip r:embed="rId6"/>
+            <a:srcRect t="39965"/>
+            <a:stretch/>
+          </p:blipFill>
+          <p:spPr>
+            <a:xfrm>
+              <a:off x="5744087" y="4590803"/>
+              <a:ext cx="1619250" cy="297355"/>
+            </a:xfrm>
+            <a:prstGeom prst="rect">
+              <a:avLst/>
+            </a:prstGeom>
+          </p:spPr>
+        </p:pic>
+        <p:pic>
+          <p:nvPicPr>
+            <p:cNvPr id="7" name="Picture 6">
+              <a:extLst>
+                <a:ext uri="{FF2B5EF4-FFF2-40B4-BE49-F238E27FC236}">
+                  <a16:creationId xmlns:a16="http://schemas.microsoft.com/office/drawing/2014/main" id="{57EB4015-76A5-9FBC-DEB0-0C77D863A008}"/>
+                </a:ext>
+              </a:extLst>
+            </p:cNvPr>
+            <p:cNvPicPr>
+              <a:picLocks noChangeAspect="1"/>
+            </p:cNvPicPr>
+            <p:nvPr/>
+          </p:nvPicPr>
+          <p:blipFill rotWithShape="1">
+            <a:blip r:embed="rId7"/>
+            <a:srcRect t="22670" b="15452"/>
+            <a:stretch/>
+          </p:blipFill>
+          <p:spPr>
+            <a:xfrm>
+              <a:off x="4500302" y="4885698"/>
+              <a:ext cx="4210050" cy="206287"/>
+            </a:xfrm>
+            <a:prstGeom prst="rect">
+              <a:avLst/>
+            </a:prstGeom>
+          </p:spPr>
+        </p:pic>
+      </p:grpSp>
+    </p:spTree>
+    <p:extLst>
+      <p:ext uri="{BB962C8B-B14F-4D97-AF65-F5344CB8AC3E}">
+        <p14:creationId xmlns:p14="http://schemas.microsoft.com/office/powerpoint/2010/main" val="2261501782"/>
+      </p:ext>
+    </p:extLst>
+  </p:cSld>
+  <p:clrMapOvr>
+    <a:masterClrMapping/>
+  </p:clrMapOvr>
+  <p:timing>
+    <p:tnLst>
+      <p:par>
+        <p:cTn id="1" dur="indefinite" restart="never" nodeType="tmRoot">
+          <p:childTnLst>
+            <p:seq concurrent="1" nextAc="seek">
+              <p:cTn id="2" dur="indefinite" nodeType="mainSeq">
+                <p:childTnLst>
+                  <p:par>
+                    <p:cTn id="3" fill="hold">
+                      <p:stCondLst>
+                        <p:cond delay="indefinite"/>
+                      </p:stCondLst>
+                      <p:childTnLst>
+                        <p:par>
+                          <p:cTn id="4" fill="hold">
+                            <p:stCondLst>
+                              <p:cond delay="0"/>
+                            </p:stCondLst>
+                            <p:childTnLst>
+                              <p:par>
+                                <p:cTn id="5" presetID="22" presetClass="entr" presetSubtype="4" fill="hold" grpId="0" nodeType="clickEffect">
+                                  <p:stCondLst>
+                                    <p:cond delay="0"/>
+                                  </p:stCondLst>
+                                  <p:childTnLst>
+                                    <p:set>
+                                      <p:cBhvr>
+                                        <p:cTn id="6" dur="1" fill="hold">
+                                          <p:stCondLst>
+                                            <p:cond delay="0"/>
+                                          </p:stCondLst>
+                                        </p:cTn>
+                                        <p:tgtEl>
+                                          <p:spTgt spid="17"/>
+                                        </p:tgtEl>
+                                        <p:attrNameLst>
+                                          <p:attrName>style.visibility</p:attrName>
+                                        </p:attrNameLst>
+                                      </p:cBhvr>
+                                      <p:to>
+                                        <p:strVal val="visible"/>
+                                      </p:to>
+                                    </p:set>
+                                    <p:animEffect transition="in" filter="wipe(down)">
+                                      <p:cBhvr>
+                                        <p:cTn id="7" dur="500"/>
+                                        <p:tgtEl>
+                                          <p:spTgt spid="17"/>
+                                        </p:tgtEl>
+                                      </p:cBhvr>
+                                    </p:animEffect>
+                                  </p:childTnLst>
+                                </p:cTn>
+                              </p:par>
+                            </p:childTnLst>
+                          </p:cTn>
+                        </p:par>
+                      </p:childTnLst>
+                    </p:cTn>
+                  </p:par>
+                  <p:par>
+                    <p:cTn id="8" fill="hold">
+                      <p:stCondLst>
+                        <p:cond delay="indefinite"/>
+                      </p:stCondLst>
+                      <p:childTnLst>
+                        <p:par>
+                          <p:cTn id="9" fill="hold">
+                            <p:stCondLst>
+                              <p:cond delay="0"/>
+                            </p:stCondLst>
+                            <p:childTnLst>
+                              <p:par>
+                                <p:cTn id="10" presetID="22" presetClass="entr" presetSubtype="8" fill="hold" nodeType="clickEffect">
+                                  <p:stCondLst>
+                                    <p:cond delay="0"/>
+                                  </p:stCondLst>
+                                  <p:childTnLst>
+                                    <p:set>
+                                      <p:cBhvr>
+                                        <p:cTn id="11" dur="1" fill="hold">
+                                          <p:stCondLst>
+                                            <p:cond delay="0"/>
+                                          </p:stCondLst>
+                                        </p:cTn>
+                                        <p:tgtEl>
+                                          <p:spTgt spid="3">
+                                            <p:txEl>
+                                              <p:pRg st="0" end="0"/>
+                                            </p:txEl>
+                                          </p:spTgt>
+                                        </p:tgtEl>
+                                        <p:attrNameLst>
+                                          <p:attrName>style.visibility</p:attrName>
+                                        </p:attrNameLst>
+                                      </p:cBhvr>
+                                      <p:to>
+                                        <p:strVal val="visible"/>
+                                      </p:to>
+                                    </p:set>
+                                    <p:animEffect transition="in" filter="wipe(left)">
+                                      <p:cBhvr>
+                                        <p:cTn id="12" dur="500"/>
+                                        <p:tgtEl>
+                                          <p:spTgt spid="3">
+                                            <p:txEl>
+                                              <p:pRg st="0" end="0"/>
+                                            </p:txEl>
+                                          </p:spTgt>
+                                        </p:tgtEl>
+                                      </p:cBhvr>
+                                    </p:animEffect>
+                                  </p:childTnLst>
+                                </p:cTn>
+                              </p:par>
+                              <p:par>
+                                <p:cTn id="13" presetID="22" presetClass="entr" presetSubtype="8" fill="hold" nodeType="withEffect">
+                                  <p:stCondLst>
+                                    <p:cond delay="0"/>
+                                  </p:stCondLst>
+                                  <p:childTnLst>
+                                    <p:set>
+                                      <p:cBhvr>
+                                        <p:cTn id="14" dur="1" fill="hold">
+                                          <p:stCondLst>
+                                            <p:cond delay="0"/>
+                                          </p:stCondLst>
+                                        </p:cTn>
+                                        <p:tgtEl>
+                                          <p:spTgt spid="3">
+                                            <p:txEl>
+                                              <p:pRg st="2" end="2"/>
+                                            </p:txEl>
+                                          </p:spTgt>
+                                        </p:tgtEl>
+                                        <p:attrNameLst>
+                                          <p:attrName>style.visibility</p:attrName>
+                                        </p:attrNameLst>
+                                      </p:cBhvr>
+                                      <p:to>
+                                        <p:strVal val="visible"/>
+                                      </p:to>
+                                    </p:set>
+                                    <p:animEffect transition="in" filter="wipe(left)">
+                                      <p:cBhvr>
+                                        <p:cTn id="15" dur="500"/>
+                                        <p:tgtEl>
+                                          <p:spTgt spid="3">
+                                            <p:txEl>
+                                              <p:pRg st="2" end="2"/>
+                                            </p:txEl>
+                                          </p:spTgt>
+                                        </p:tgtEl>
+                                      </p:cBhvr>
+                                    </p:animEffect>
+                                  </p:childTnLst>
+                                </p:cTn>
+                              </p:par>
+                            </p:childTnLst>
+                          </p:cTn>
+                        </p:par>
+                      </p:childTnLst>
+                    </p:cTn>
+                  </p:par>
+                  <p:par>
+                    <p:cTn id="16" fill="hold">
+                      <p:stCondLst>
+                        <p:cond delay="indefinite"/>
+                      </p:stCondLst>
+                      <p:childTnLst>
+                        <p:par>
+                          <p:cTn id="17" fill="hold">
+                            <p:stCondLst>
+                              <p:cond delay="0"/>
+                            </p:stCondLst>
+                            <p:childTnLst>
+                              <p:par>
+                                <p:cTn id="18" presetID="22" presetClass="entr" presetSubtype="8" fill="hold" nodeType="clickEffect">
+                                  <p:stCondLst>
+                                    <p:cond delay="0"/>
+                                  </p:stCondLst>
+                                  <p:childTnLst>
+                                    <p:set>
+                                      <p:cBhvr>
+                                        <p:cTn id="19" dur="1" fill="hold">
+                                          <p:stCondLst>
+                                            <p:cond delay="0"/>
+                                          </p:stCondLst>
+                                        </p:cTn>
+                                        <p:tgtEl>
+                                          <p:spTgt spid="3">
+                                            <p:txEl>
+                                              <p:pRg st="5" end="5"/>
+                                            </p:txEl>
+                                          </p:spTgt>
+                                        </p:tgtEl>
+                                        <p:attrNameLst>
+                                          <p:attrName>style.visibility</p:attrName>
+                                        </p:attrNameLst>
+                                      </p:cBhvr>
+                                      <p:to>
+                                        <p:strVal val="visible"/>
+                                      </p:to>
+                                    </p:set>
+                                    <p:animEffect transition="in" filter="wipe(left)">
+                                      <p:cBhvr>
+                                        <p:cTn id="20" dur="500"/>
+                                        <p:tgtEl>
+                                          <p:spTgt spid="3">
+                                            <p:txEl>
+                                              <p:pRg st="5" end="5"/>
+                                            </p:txEl>
+                                          </p:spTgt>
+                                        </p:tgtEl>
+                                      </p:cBhvr>
+                                    </p:animEffect>
+                                  </p:childTnLst>
+                                </p:cTn>
+                              </p:par>
+                              <p:par>
+                                <p:cTn id="21" presetID="22" presetClass="entr" presetSubtype="4" fill="hold" nodeType="withEffect">
+                                  <p:stCondLst>
+                                    <p:cond delay="0"/>
+                                  </p:stCondLst>
+                                  <p:childTnLst>
+                                    <p:set>
+                                      <p:cBhvr>
+                                        <p:cTn id="22" dur="1" fill="hold">
+                                          <p:stCondLst>
+                                            <p:cond delay="0"/>
+                                          </p:stCondLst>
+                                        </p:cTn>
+                                        <p:tgtEl>
+                                          <p:spTgt spid="27"/>
+                                        </p:tgtEl>
+                                        <p:attrNameLst>
+                                          <p:attrName>style.visibility</p:attrName>
+                                        </p:attrNameLst>
+                                      </p:cBhvr>
+                                      <p:to>
+                                        <p:strVal val="visible"/>
+                                      </p:to>
+                                    </p:set>
+                                    <p:animEffect transition="in" filter="wipe(down)">
+                                      <p:cBhvr>
+                                        <p:cTn id="23" dur="500"/>
+                                        <p:tgtEl>
+                                          <p:spTgt spid="27"/>
+                                        </p:tgtEl>
+                                      </p:cBhvr>
+                                    </p:animEffect>
+                                  </p:childTnLst>
+                                </p:cTn>
+                              </p:par>
+                              <p:par>
+                                <p:cTn id="24" presetID="22" presetClass="entr" presetSubtype="8" fill="hold" nodeType="withEffect">
+                                  <p:stCondLst>
+                                    <p:cond delay="0"/>
+                                  </p:stCondLst>
+                                  <p:childTnLst>
+                                    <p:set>
+                                      <p:cBhvr>
+                                        <p:cTn id="25" dur="1" fill="hold">
+                                          <p:stCondLst>
+                                            <p:cond delay="0"/>
+                                          </p:stCondLst>
+                                        </p:cTn>
+                                        <p:tgtEl>
+                                          <p:spTgt spid="3">
+                                            <p:txEl>
+                                              <p:pRg st="6" end="6"/>
+                                            </p:txEl>
+                                          </p:spTgt>
+                                        </p:tgtEl>
+                                        <p:attrNameLst>
+                                          <p:attrName>style.visibility</p:attrName>
+                                        </p:attrNameLst>
+                                      </p:cBhvr>
+                                      <p:to>
+                                        <p:strVal val="visible"/>
+                                      </p:to>
+                                    </p:set>
+                                    <p:animEffect transition="in" filter="wipe(left)">
+                                      <p:cBhvr>
+                                        <p:cTn id="26" dur="500"/>
+                                        <p:tgtEl>
+                                          <p:spTgt spid="3">
+                                            <p:txEl>
+                                              <p:pRg st="6" end="6"/>
+                                            </p:txEl>
+                                          </p:spTgt>
+                                        </p:tgtEl>
+                                      </p:cBhvr>
+                                    </p:animEffect>
+                                  </p:childTnLst>
+                                </p:cTn>
+                              </p:par>
+                              <p:par>
+                                <p:cTn id="27" presetID="22" presetClass="entr" presetSubtype="8" fill="hold" nodeType="withEffect">
+                                  <p:stCondLst>
+                                    <p:cond delay="0"/>
+                                  </p:stCondLst>
+                                  <p:childTnLst>
+                                    <p:set>
+                                      <p:cBhvr>
+                                        <p:cTn id="28" dur="1" fill="hold">
+                                          <p:stCondLst>
+                                            <p:cond delay="0"/>
+                                          </p:stCondLst>
+                                        </p:cTn>
+                                        <p:tgtEl>
+                                          <p:spTgt spid="3">
+                                            <p:txEl>
+                                              <p:pRg st="7" end="7"/>
+                                            </p:txEl>
+                                          </p:spTgt>
+                                        </p:tgtEl>
+                                        <p:attrNameLst>
+                                          <p:attrName>style.visibility</p:attrName>
+                                        </p:attrNameLst>
+                                      </p:cBhvr>
+                                      <p:to>
+                                        <p:strVal val="visible"/>
+                                      </p:to>
+                                    </p:set>
+                                    <p:animEffect transition="in" filter="wipe(left)">
+                                      <p:cBhvr>
+                                        <p:cTn id="29" dur="500"/>
+                                        <p:tgtEl>
+                                          <p:spTgt spid="3">
+                                            <p:txEl>
+                                              <p:pRg st="7" end="7"/>
+                                            </p:txEl>
+                                          </p:spTgt>
+                                        </p:tgtEl>
+                                      </p:cBhvr>
+                                    </p:animEffect>
+                                  </p:childTnLst>
+                                </p:cTn>
+                              </p:par>
+                            </p:childTnLst>
+                          </p:cTn>
+                        </p:par>
+                      </p:childTnLst>
+                    </p:cTn>
+                  </p:par>
+                  <p:par>
+                    <p:cTn id="30" fill="hold">
+                      <p:stCondLst>
+                        <p:cond delay="indefinite"/>
+                      </p:stCondLst>
+                      <p:childTnLst>
+                        <p:par>
+                          <p:cTn id="31" fill="hold">
+                            <p:stCondLst>
+                              <p:cond delay="0"/>
+                            </p:stCondLst>
+                            <p:childTnLst>
+                              <p:par>
+                                <p:cTn id="32" presetID="22" presetClass="entr" presetSubtype="8" fill="hold" nodeType="clickEffect">
+                                  <p:stCondLst>
+                                    <p:cond delay="0"/>
+                                  </p:stCondLst>
+                                  <p:childTnLst>
+                                    <p:set>
+                                      <p:cBhvr>
+                                        <p:cTn id="33" dur="1" fill="hold">
+                                          <p:stCondLst>
+                                            <p:cond delay="0"/>
+                                          </p:stCondLst>
+                                        </p:cTn>
+                                        <p:tgtEl>
+                                          <p:spTgt spid="3">
+                                            <p:txEl>
+                                              <p:pRg st="9" end="9"/>
+                                            </p:txEl>
+                                          </p:spTgt>
+                                        </p:tgtEl>
+                                        <p:attrNameLst>
+                                          <p:attrName>style.visibility</p:attrName>
+                                        </p:attrNameLst>
+                                      </p:cBhvr>
+                                      <p:to>
+                                        <p:strVal val="visible"/>
+                                      </p:to>
+                                    </p:set>
+                                    <p:animEffect transition="in" filter="wipe(left)">
+                                      <p:cBhvr>
+                                        <p:cTn id="34" dur="500"/>
+                                        <p:tgtEl>
+                                          <p:spTgt spid="3">
+                                            <p:txEl>
+                                              <p:pRg st="9" end="9"/>
+                                            </p:txEl>
+                                          </p:spTgt>
+                                        </p:tgtEl>
+                                      </p:cBhvr>
+                                    </p:animEffect>
+                                  </p:childTnLst>
+                                </p:cTn>
+                              </p:par>
+                            </p:childTnLst>
+                          </p:cTn>
+                        </p:par>
+                        <p:par>
+                          <p:cTn id="35" fill="hold">
+                            <p:stCondLst>
+                              <p:cond delay="500"/>
+                            </p:stCondLst>
+                            <p:childTnLst>
+                              <p:par>
+                                <p:cTn id="36" presetID="22" presetClass="entr" presetSubtype="4" fill="hold" nodeType="afterEffect">
+                                  <p:stCondLst>
+                                    <p:cond delay="0"/>
+                                  </p:stCondLst>
+                                  <p:childTnLst>
+                                    <p:set>
+                                      <p:cBhvr>
+                                        <p:cTn id="37" dur="1" fill="hold">
+                                          <p:stCondLst>
+                                            <p:cond delay="0"/>
+                                          </p:stCondLst>
+                                        </p:cTn>
+                                        <p:tgtEl>
+                                          <p:spTgt spid="9"/>
+                                        </p:tgtEl>
+                                        <p:attrNameLst>
+                                          <p:attrName>style.visibility</p:attrName>
+                                        </p:attrNameLst>
+                                      </p:cBhvr>
+                                      <p:to>
+                                        <p:strVal val="visible"/>
+                                      </p:to>
+                                    </p:set>
+                                    <p:animEffect transition="in" filter="wipe(down)">
+                                      <p:cBhvr>
+                                        <p:cTn id="38" dur="500"/>
+                                        <p:tgtEl>
+                                          <p:spTgt spid="9"/>
+                                        </p:tgtEl>
+                                      </p:cBhvr>
+                                    </p:animEffect>
+                                  </p:childTnLst>
+                                </p:cTn>
+                              </p:par>
+                            </p:childTnLst>
+                          </p:cTn>
+                        </p:par>
+                      </p:childTnLst>
+                    </p:cTn>
+                  </p:par>
+                  <p:par>
+                    <p:cTn id="39" fill="hold">
+                      <p:stCondLst>
+                        <p:cond delay="indefinite"/>
+                      </p:stCondLst>
+                      <p:childTnLst>
+                        <p:par>
+                          <p:cTn id="40" fill="hold">
+                            <p:stCondLst>
+                              <p:cond delay="0"/>
+                            </p:stCondLst>
+                            <p:childTnLst>
+                              <p:par>
+                                <p:cTn id="41" presetID="22" presetClass="entr" presetSubtype="4" fill="hold" grpId="0" nodeType="clickEffect">
+                                  <p:stCondLst>
+                                    <p:cond delay="0"/>
+                                  </p:stCondLst>
+                                  <p:childTnLst>
+                                    <p:set>
+                                      <p:cBhvr>
+                                        <p:cTn id="42" dur="1" fill="hold">
+                                          <p:stCondLst>
+                                            <p:cond delay="0"/>
+                                          </p:stCondLst>
+                                        </p:cTn>
+                                        <p:tgtEl>
+                                          <p:spTgt spid="16"/>
+                                        </p:tgtEl>
+                                        <p:attrNameLst>
+                                          <p:attrName>style.visibility</p:attrName>
+                                        </p:attrNameLst>
+                                      </p:cBhvr>
+                                      <p:to>
+                                        <p:strVal val="visible"/>
+                                      </p:to>
+                                    </p:set>
+                                    <p:animEffect transition="in" filter="wipe(down)">
+                                      <p:cBhvr>
+                                        <p:cTn id="43" dur="500"/>
+                                        <p:tgtEl>
+                                          <p:spTgt spid="16"/>
+                                        </p:tgtEl>
+                                      </p:cBhvr>
+                                    </p:animEffect>
+                                  </p:childTnLst>
+                                </p:cTn>
+                              </p:par>
+                            </p:childTnLst>
+                          </p:cTn>
+                        </p:par>
+                      </p:childTnLst>
+                    </p:cTn>
+                  </p:par>
+                </p:childTnLst>
+              </p:cTn>
+              <p:prevCondLst>
+                <p:cond evt="onPrev" delay="0">
+                  <p:tgtEl>
+                    <p:sldTgt/>
+                  </p:tgtEl>
+                </p:cond>
+              </p:prevCondLst>
+              <p:nextCondLst>
+                <p:cond evt="onNext" delay="0">
+                  <p:tgtEl>
+                    <p:sldTgt/>
+                  </p:tgtEl>
+                </p:cond>
+              </p:nextCondLst>
+            </p:seq>
+          </p:childTnLst>
+        </p:cTn>
+      </p:par>
+    </p:tnLst>
+    <p:bldLst>
+      <p:bldP spid="16" grpId="0"/>
+      <p:bldP spid="17" grpId="0"/>
+    </p:bldLst>
+  </p:timing>
+</p:sld>
+</file>
+
+<file path=ppt/slides/slide8.xml><?xml version="1.0" encoding="utf-8"?>
+<p:sld xmlns:a="http://schemas.openxmlformats.org/drawingml/2006/main" xmlns:r="http://schemas.openxmlformats.org/officeDocument/2006/relationships" xmlns:p="http://schemas.openxmlformats.org/presentationml/2006/main">
+  <p:cSld>
+    <p:spTree>
+      <p:nvGrpSpPr>
+        <p:cNvPr id="1" name=""/>
+        <p:cNvGrpSpPr/>
+        <p:nvPr/>
+      </p:nvGrpSpPr>
+      <p:grpSpPr>
+        <a:xfrm>
+          <a:off x="0" y="0"/>
+          <a:ext cx="0" cy="0"/>
+          <a:chOff x="0" y="0"/>
+          <a:chExt cx="0" cy="0"/>
+        </a:xfrm>
+      </p:grpSpPr>
+      <p:sp>
+        <p:nvSpPr>
+          <p:cNvPr id="2" name="Title 1">
+            <a:extLst>
+              <a:ext uri="{FF2B5EF4-FFF2-40B4-BE49-F238E27FC236}">
+                <a16:creationId xmlns:a16="http://schemas.microsoft.com/office/drawing/2014/main" id="{A11383F9-0462-CA1D-49FD-623CF1F34A2B}"/>
+              </a:ext>
+            </a:extLst>
+          </p:cNvPr>
+          <p:cNvSpPr>
+            <a:spLocks noGrp="1"/>
+          </p:cNvSpPr>
+          <p:nvPr>
+            <p:ph type="title"/>
+          </p:nvPr>
+        </p:nvSpPr>
+        <p:spPr/>
+        <p:txBody>
+          <a:bodyPr/>
+          <a:lstStyle/>
+          <a:p>
+            <a:r>
+              <a:rPr lang="en-US" dirty="0"/>
+              <a:t>Organizing data</a:t>
+            </a:r>
+          </a:p>
+        </p:txBody>
+      </p:sp>
+      <p:sp>
+        <p:nvSpPr>
+          <p:cNvPr id="3" name="Content Placeholder 2">
+            <a:extLst>
+              <a:ext uri="{FF2B5EF4-FFF2-40B4-BE49-F238E27FC236}">
+                <a16:creationId xmlns:a16="http://schemas.microsoft.com/office/drawing/2014/main" id="{33313E52-4466-7AC5-6A1F-F1359079308F}"/>
+              </a:ext>
+            </a:extLst>
+          </p:cNvPr>
+          <p:cNvSpPr>
+            <a:spLocks noGrp="1"/>
+          </p:cNvSpPr>
+          <p:nvPr>
+            <p:ph idx="1"/>
+          </p:nvPr>
+        </p:nvSpPr>
+        <p:spPr>
+          <a:xfrm>
+            <a:off x="3276741" y="1825625"/>
+            <a:ext cx="8077059" cy="4351339"/>
+          </a:xfrm>
+        </p:spPr>
+        <p:txBody>
+          <a:bodyPr/>
+          <a:lstStyle/>
+          <a:p>
+            <a:r>
+              <a:rPr lang="en-US" dirty="0"/>
+              <a:t>We have tons of data! All perfectly curated and ready for use!</a:t>
+            </a:r>
+          </a:p>
+          <a:p>
+            <a:endParaRPr lang="en-US" dirty="0"/>
+          </a:p>
+          <a:p>
+            <a:endParaRPr lang="en-US" dirty="0"/>
+          </a:p>
+        </p:txBody>
+      </p:sp>
+      <p:pic>
+        <p:nvPicPr>
+          <p:cNvPr id="5" name="Picture 4">
+            <a:extLst>
+              <a:ext uri="{FF2B5EF4-FFF2-40B4-BE49-F238E27FC236}">
+                <a16:creationId xmlns:a16="http://schemas.microsoft.com/office/drawing/2014/main" id="{834E8ED9-6ED4-C218-8163-5C2FB18D45AE}"/>
+              </a:ext>
+            </a:extLst>
+          </p:cNvPr>
+          <p:cNvPicPr>
+            <a:picLocks noChangeAspect="1"/>
+          </p:cNvPicPr>
+          <p:nvPr/>
+        </p:nvPicPr>
+        <p:blipFill>
+          <a:blip r:embed="rId2"/>
+          <a:stretch>
+            <a:fillRect/>
+          </a:stretch>
+        </p:blipFill>
+        <p:spPr>
+          <a:xfrm>
+            <a:off x="508001" y="1911272"/>
+            <a:ext cx="2768743" cy="3035456"/>
+          </a:xfrm>
+          <a:prstGeom prst="rect">
+            <a:avLst/>
+          </a:prstGeom>
+        </p:spPr>
+      </p:pic>
+      <p:grpSp>
+        <p:nvGrpSpPr>
+          <p:cNvPr id="28" name="Group 27">
+            <a:extLst>
+              <a:ext uri="{FF2B5EF4-FFF2-40B4-BE49-F238E27FC236}">
+                <a16:creationId xmlns:a16="http://schemas.microsoft.com/office/drawing/2014/main" id="{F641B50D-8020-4F65-DFB2-35703CBAEBC5}"/>
+              </a:ext>
+            </a:extLst>
+          </p:cNvPr>
+          <p:cNvGrpSpPr/>
+          <p:nvPr/>
+        </p:nvGrpSpPr>
+        <p:grpSpPr>
+          <a:xfrm>
+            <a:off x="3505200" y="2632417"/>
+            <a:ext cx="4123509" cy="3291499"/>
+            <a:chOff x="2628900" y="1974313"/>
+            <a:chExt cx="3092632" cy="2468624"/>
+          </a:xfrm>
+        </p:grpSpPr>
+        <p:pic>
+          <p:nvPicPr>
+            <p:cNvPr id="2050" name="Picture 2" descr="Dirty and clean room before and after cleaning flat cartoon vector illustration.">
+              <a:extLst>
+                <a:ext uri="{FF2B5EF4-FFF2-40B4-BE49-F238E27FC236}">
+                  <a16:creationId xmlns:a16="http://schemas.microsoft.com/office/drawing/2014/main" id="{511416FE-35CC-37CF-3E27-9DC564A77DA2}"/>
+                </a:ext>
+              </a:extLst>
+            </p:cNvPr>
+            <p:cNvPicPr>
+              <a:picLocks noChangeAspect="1" noChangeArrowheads="1"/>
+            </p:cNvPicPr>
+            <p:nvPr/>
+          </p:nvPicPr>
+          <p:blipFill rotWithShape="1">
+            <a:blip r:embed="rId3">
+              <a:extLst>
+                <a:ext uri="{28A0092B-C50C-407E-A947-70E740481C1C}">
+                  <a14:useLocalDpi xmlns:a14="http://schemas.microsoft.com/office/drawing/2010/main" val="0"/>
+                </a:ext>
+              </a:extLst>
+            </a:blip>
+            <a:srcRect r="50656" b="14500"/>
+            <a:stretch/>
+          </p:blipFill>
+          <p:spPr bwMode="auto">
+            <a:xfrm>
+              <a:off x="2628900" y="1974313"/>
+              <a:ext cx="3092632" cy="2468624"/>
+            </a:xfrm>
+            <a:prstGeom prst="rect">
+              <a:avLst/>
+            </a:prstGeom>
+            <a:noFill/>
+            <a:extLst>
+              <a:ext uri="{909E8E84-426E-40DD-AFC4-6F175D3DCCD1}">
+                <a14:hiddenFill xmlns:a14="http://schemas.microsoft.com/office/drawing/2010/main">
+                  <a:solidFill>
+                    <a:srgbClr val="FFFFFF"/>
+                  </a:solidFill>
+                </a14:hiddenFill>
+              </a:ext>
+            </a:extLst>
+          </p:spPr>
+        </p:pic>
+        <p:sp>
+          <p:nvSpPr>
+            <p:cNvPr id="6" name="Rectangle 5">
+              <a:extLst>
+                <a:ext uri="{FF2B5EF4-FFF2-40B4-BE49-F238E27FC236}">
+                  <a16:creationId xmlns:a16="http://schemas.microsoft.com/office/drawing/2014/main" id="{8BD1558A-35DB-06AF-B097-D9081E1DF754}"/>
+                </a:ext>
+              </a:extLst>
+            </p:cNvPr>
+            <p:cNvSpPr/>
+            <p:nvPr/>
+          </p:nvSpPr>
+          <p:spPr>
+            <a:xfrm>
+              <a:off x="2813957" y="3891643"/>
+              <a:ext cx="1162157" cy="439283"/>
+            </a:xfrm>
+            <a:prstGeom prst="rect">
+              <a:avLst/>
+            </a:prstGeom>
+          </p:spPr>
+          <p:style>
+            <a:lnRef idx="2">
+              <a:schemeClr val="accent1">
+                <a:shade val="50000"/>
+              </a:schemeClr>
+            </a:lnRef>
+            <a:fillRef idx="1">
+              <a:schemeClr val="accent1"/>
+            </a:fillRef>
+            <a:effectRef idx="0">
+              <a:schemeClr val="accent1"/>
+            </a:effectRef>
+            <a:fontRef idx="minor">
+              <a:schemeClr val="lt1"/>
+            </a:fontRef>
+          </p:style>
+          <p:txBody>
+            <a:bodyPr rtlCol="0" anchor="ctr"/>
+            <a:lstStyle/>
+            <a:p>
+              <a:pPr algn="ctr"/>
+              <a:r>
+                <a:rPr lang="en-US" sz="1351" dirty="0"/>
+                <a:t>RT Structures</a:t>
+              </a:r>
+            </a:p>
+          </p:txBody>
+        </p:sp>
+        <p:sp>
+          <p:nvSpPr>
+            <p:cNvPr id="7" name="Rectangle 6">
+              <a:extLst>
+                <a:ext uri="{FF2B5EF4-FFF2-40B4-BE49-F238E27FC236}">
+                  <a16:creationId xmlns:a16="http://schemas.microsoft.com/office/drawing/2014/main" id="{AC5369C2-4A19-8F73-E9B0-0C970A8D965E}"/>
+                </a:ext>
+              </a:extLst>
+            </p:cNvPr>
+            <p:cNvSpPr/>
+            <p:nvPr/>
+          </p:nvSpPr>
+          <p:spPr>
+            <a:xfrm>
+              <a:off x="4761412" y="2438400"/>
+              <a:ext cx="847559" cy="289560"/>
+            </a:xfrm>
+            <a:prstGeom prst="rect">
+              <a:avLst/>
+            </a:prstGeom>
+          </p:spPr>
+          <p:style>
+            <a:lnRef idx="2">
+              <a:schemeClr val="accent1">
+                <a:shade val="50000"/>
+              </a:schemeClr>
+            </a:lnRef>
+            <a:fillRef idx="1">
+              <a:schemeClr val="accent1"/>
+            </a:fillRef>
+            <a:effectRef idx="0">
+              <a:schemeClr val="accent1"/>
+            </a:effectRef>
+            <a:fontRef idx="minor">
+              <a:schemeClr val="lt1"/>
+            </a:fontRef>
+          </p:style>
+          <p:txBody>
+            <a:bodyPr rtlCol="0" anchor="ctr"/>
+            <a:lstStyle/>
+            <a:p>
+              <a:pPr algn="ctr"/>
+              <a:r>
+                <a:rPr lang="en-US" sz="1351" dirty="0"/>
+                <a:t>Images</a:t>
+              </a:r>
+            </a:p>
+          </p:txBody>
+        </p:sp>
+        <p:sp>
+          <p:nvSpPr>
+            <p:cNvPr id="8" name="Rectangle 7">
+              <a:extLst>
+                <a:ext uri="{FF2B5EF4-FFF2-40B4-BE49-F238E27FC236}">
+                  <a16:creationId xmlns:a16="http://schemas.microsoft.com/office/drawing/2014/main" id="{45D81018-8318-9767-DA8D-1E9F013F6607}"/>
+                </a:ext>
+              </a:extLst>
+            </p:cNvPr>
+            <p:cNvSpPr/>
+            <p:nvPr/>
+          </p:nvSpPr>
+          <p:spPr>
+            <a:xfrm>
+              <a:off x="4638895" y="3978904"/>
+              <a:ext cx="847559" cy="289560"/>
+            </a:xfrm>
+            <a:prstGeom prst="rect">
+              <a:avLst/>
+            </a:prstGeom>
+          </p:spPr>
+          <p:style>
+            <a:lnRef idx="2">
+              <a:schemeClr val="accent1">
+                <a:shade val="50000"/>
+              </a:schemeClr>
+            </a:lnRef>
+            <a:fillRef idx="1">
+              <a:schemeClr val="accent1"/>
+            </a:fillRef>
+            <a:effectRef idx="0">
+              <a:schemeClr val="accent1"/>
+            </a:effectRef>
+            <a:fontRef idx="minor">
+              <a:schemeClr val="lt1"/>
+            </a:fontRef>
+          </p:style>
+          <p:txBody>
+            <a:bodyPr rtlCol="0" anchor="ctr"/>
+            <a:lstStyle/>
+            <a:p>
+              <a:pPr algn="ctr"/>
+              <a:r>
+                <a:rPr lang="en-US" sz="1351" dirty="0"/>
+                <a:t>Dose</a:t>
+              </a:r>
+            </a:p>
+          </p:txBody>
+        </p:sp>
+        <p:sp>
+          <p:nvSpPr>
+            <p:cNvPr id="9" name="Rectangle 8">
+              <a:extLst>
+                <a:ext uri="{FF2B5EF4-FFF2-40B4-BE49-F238E27FC236}">
+                  <a16:creationId xmlns:a16="http://schemas.microsoft.com/office/drawing/2014/main" id="{26CB8076-ADCE-DECE-62CE-641F9E70A9AC}"/>
+                </a:ext>
+              </a:extLst>
+            </p:cNvPr>
+            <p:cNvSpPr/>
+            <p:nvPr/>
+          </p:nvSpPr>
+          <p:spPr>
+            <a:xfrm>
+              <a:off x="3724441" y="3406702"/>
+              <a:ext cx="847559" cy="232393"/>
+            </a:xfrm>
+            <a:prstGeom prst="rect">
+              <a:avLst/>
+            </a:prstGeom>
+          </p:spPr>
+          <p:style>
+            <a:lnRef idx="2">
+              <a:schemeClr val="accent1">
+                <a:shade val="50000"/>
+              </a:schemeClr>
+            </a:lnRef>
+            <a:fillRef idx="1">
+              <a:schemeClr val="accent1"/>
+            </a:fillRef>
+            <a:effectRef idx="0">
+              <a:schemeClr val="accent1"/>
+            </a:effectRef>
+            <a:fontRef idx="minor">
+              <a:schemeClr val="lt1"/>
+            </a:fontRef>
+          </p:style>
+          <p:txBody>
+            <a:bodyPr rtlCol="0" anchor="ctr"/>
+            <a:lstStyle/>
+            <a:p>
+              <a:pPr algn="ctr"/>
+              <a:r>
+                <a:rPr lang="en-US" sz="1351" dirty="0"/>
+                <a:t>Plan</a:t>
+              </a:r>
+            </a:p>
+          </p:txBody>
+        </p:sp>
+        <p:sp>
+          <p:nvSpPr>
+            <p:cNvPr id="10" name="Rectangle 9">
+              <a:extLst>
+                <a:ext uri="{FF2B5EF4-FFF2-40B4-BE49-F238E27FC236}">
+                  <a16:creationId xmlns:a16="http://schemas.microsoft.com/office/drawing/2014/main" id="{D1598106-852C-F857-9125-02EDC16B7D03}"/>
+                </a:ext>
+              </a:extLst>
+            </p:cNvPr>
+            <p:cNvSpPr/>
+            <p:nvPr/>
+          </p:nvSpPr>
+          <p:spPr>
+            <a:xfrm>
+              <a:off x="2813957" y="2841810"/>
+              <a:ext cx="1162157" cy="232393"/>
+            </a:xfrm>
+            <a:prstGeom prst="rect">
+              <a:avLst/>
+            </a:prstGeom>
+          </p:spPr>
+          <p:style>
+            <a:lnRef idx="2">
+              <a:schemeClr val="accent1">
+                <a:shade val="50000"/>
+              </a:schemeClr>
+            </a:lnRef>
+            <a:fillRef idx="1">
+              <a:schemeClr val="accent1"/>
+            </a:fillRef>
+            <a:effectRef idx="0">
+              <a:schemeClr val="accent1"/>
+            </a:effectRef>
+            <a:fontRef idx="minor">
+              <a:schemeClr val="lt1"/>
+            </a:fontRef>
+          </p:style>
+          <p:txBody>
+            <a:bodyPr rtlCol="0" anchor="ctr"/>
+            <a:lstStyle/>
+            <a:p>
+              <a:pPr algn="ctr"/>
+              <a:r>
+                <a:rPr lang="en-US" sz="1351" dirty="0"/>
+                <a:t>Registrations</a:t>
+              </a:r>
+            </a:p>
+          </p:txBody>
+        </p:sp>
+      </p:grpSp>
+      <p:pic>
+        <p:nvPicPr>
+          <p:cNvPr id="11" name="Picture 2" descr="Dirty and clean room before and after cleaning flat cartoon vector illustration.">
+            <a:extLst>
+              <a:ext uri="{FF2B5EF4-FFF2-40B4-BE49-F238E27FC236}">
+                <a16:creationId xmlns:a16="http://schemas.microsoft.com/office/drawing/2014/main" id="{D7363043-2A2F-D35F-FDD8-550CCBF05C4A}"/>
+              </a:ext>
+            </a:extLst>
+          </p:cNvPr>
+          <p:cNvPicPr>
+            <a:picLocks noChangeAspect="1" noChangeArrowheads="1"/>
+          </p:cNvPicPr>
+          <p:nvPr/>
+        </p:nvPicPr>
+        <p:blipFill rotWithShape="1">
+          <a:blip r:embed="rId3">
+            <a:extLst>
+              <a:ext uri="{28A0092B-C50C-407E-A947-70E740481C1C}">
+                <a14:useLocalDpi xmlns:a14="http://schemas.microsoft.com/office/drawing/2010/main" val="0"/>
+              </a:ext>
+            </a:extLst>
+          </a:blip>
+          <a:srcRect l="50021" b="14500"/>
+          <a:stretch/>
+        </p:blipFill>
+        <p:spPr bwMode="auto">
+          <a:xfrm>
+            <a:off x="7619169" y="2632416"/>
+            <a:ext cx="4176487" cy="3291499"/>
+          </a:xfrm>
+          <a:prstGeom prst="rect">
+            <a:avLst/>
+          </a:prstGeom>
+          <a:noFill/>
+          <a:extLst>
+            <a:ext uri="{909E8E84-426E-40DD-AFC4-6F175D3DCCD1}">
+              <a14:hiddenFill xmlns:a14="http://schemas.microsoft.com/office/drawing/2010/main">
+                <a:solidFill>
+                  <a:srgbClr val="FFFFFF"/>
+                </a:solidFill>
+              </a14:hiddenFill>
+            </a:ext>
+          </a:extLst>
+        </p:spPr>
+      </p:pic>
+      <p:grpSp>
+        <p:nvGrpSpPr>
+          <p:cNvPr id="34" name="Group 33">
+            <a:extLst>
+              <a:ext uri="{FF2B5EF4-FFF2-40B4-BE49-F238E27FC236}">
+                <a16:creationId xmlns:a16="http://schemas.microsoft.com/office/drawing/2014/main" id="{83B4DE07-41E6-AA25-34BA-555EE23B8E36}"/>
+              </a:ext>
+            </a:extLst>
+          </p:cNvPr>
+          <p:cNvGrpSpPr/>
+          <p:nvPr/>
+        </p:nvGrpSpPr>
+        <p:grpSpPr>
+          <a:xfrm>
+            <a:off x="7848643" y="3492756"/>
+            <a:ext cx="4291124" cy="1991216"/>
+            <a:chOff x="7848643" y="4061716"/>
+            <a:chExt cx="4291124" cy="1991216"/>
+          </a:xfrm>
+        </p:grpSpPr>
+        <p:cxnSp>
+          <p:nvCxnSpPr>
+            <p:cNvPr id="24" name="Straight Arrow Connector 23">
+              <a:extLst>
+                <a:ext uri="{FF2B5EF4-FFF2-40B4-BE49-F238E27FC236}">
+                  <a16:creationId xmlns:a16="http://schemas.microsoft.com/office/drawing/2014/main" id="{9FE3B3D2-48EA-858B-448F-0E2E977BCF23}"/>
+                </a:ext>
+              </a:extLst>
+            </p:cNvPr>
+            <p:cNvCxnSpPr>
+              <a:cxnSpLocks/>
+              <a:stCxn id="16" idx="2"/>
+              <a:endCxn id="14" idx="0"/>
+            </p:cNvCxnSpPr>
+            <p:nvPr/>
+          </p:nvCxnSpPr>
+          <p:spPr>
+            <a:xfrm>
+              <a:off x="10035726" y="4371573"/>
+              <a:ext cx="21664" cy="392896"/>
+            </a:xfrm>
+            <a:prstGeom prst="straightConnector1">
+              <a:avLst/>
+            </a:prstGeom>
+            <a:ln>
+              <a:tailEnd type="triangle"/>
+            </a:ln>
+          </p:spPr>
+          <p:style>
+            <a:lnRef idx="1">
+              <a:schemeClr val="dk1"/>
+            </a:lnRef>
+            <a:fillRef idx="0">
+              <a:schemeClr val="dk1"/>
+            </a:fillRef>
+            <a:effectRef idx="0">
+              <a:schemeClr val="dk1"/>
+            </a:effectRef>
+            <a:fontRef idx="minor">
+              <a:schemeClr val="tx1"/>
+            </a:fontRef>
+          </p:style>
+        </p:cxnSp>
+        <p:grpSp>
+          <p:nvGrpSpPr>
+            <p:cNvPr id="33" name="Group 32">
+              <a:extLst>
+                <a:ext uri="{FF2B5EF4-FFF2-40B4-BE49-F238E27FC236}">
+                  <a16:creationId xmlns:a16="http://schemas.microsoft.com/office/drawing/2014/main" id="{2A71CE1B-1CA5-816C-188B-EF08CF6A08CE}"/>
+                </a:ext>
+              </a:extLst>
+            </p:cNvPr>
+            <p:cNvGrpSpPr/>
+            <p:nvPr/>
+          </p:nvGrpSpPr>
+          <p:grpSpPr>
+            <a:xfrm>
+              <a:off x="7848643" y="4061716"/>
+              <a:ext cx="4291124" cy="1991216"/>
+              <a:chOff x="7848643" y="4061716"/>
+              <a:chExt cx="4291124" cy="1991216"/>
+            </a:xfrm>
+          </p:grpSpPr>
+          <p:sp>
+            <p:nvSpPr>
+              <p:cNvPr id="13" name="Rectangle 12">
+                <a:extLst>
+                  <a:ext uri="{FF2B5EF4-FFF2-40B4-BE49-F238E27FC236}">
+                    <a16:creationId xmlns:a16="http://schemas.microsoft.com/office/drawing/2014/main" id="{41DFE628-5DD4-7758-86ED-BC9DE70B82FB}"/>
+                  </a:ext>
+                </a:extLst>
+              </p:cNvPr>
+              <p:cNvSpPr/>
+              <p:nvPr/>
+            </p:nvSpPr>
+            <p:spPr>
+              <a:xfrm>
+                <a:off x="7848643" y="4964099"/>
+                <a:ext cx="1130079" cy="386080"/>
+              </a:xfrm>
+              <a:prstGeom prst="rect">
+                <a:avLst/>
+              </a:prstGeom>
+            </p:spPr>
+            <p:style>
+              <a:lnRef idx="2">
+                <a:schemeClr val="accent1">
+                  <a:shade val="50000"/>
+                </a:schemeClr>
+              </a:lnRef>
+              <a:fillRef idx="1">
+                <a:schemeClr val="accent1"/>
+              </a:fillRef>
+              <a:effectRef idx="0">
+                <a:schemeClr val="accent1"/>
+              </a:effectRef>
+              <a:fontRef idx="minor">
+                <a:schemeClr val="lt1"/>
+              </a:fontRef>
+            </p:style>
+            <p:txBody>
+              <a:bodyPr rtlCol="0" anchor="ctr"/>
+              <a:lstStyle/>
+              <a:p>
+                <a:pPr algn="ctr"/>
+                <a:r>
+                  <a:rPr lang="en-US" sz="1351" dirty="0"/>
+                  <a:t>Images</a:t>
+                </a:r>
+              </a:p>
+            </p:txBody>
+          </p:sp>
+          <p:sp>
+            <p:nvSpPr>
+              <p:cNvPr id="14" name="Rectangle 13">
+                <a:extLst>
+                  <a:ext uri="{FF2B5EF4-FFF2-40B4-BE49-F238E27FC236}">
+                    <a16:creationId xmlns:a16="http://schemas.microsoft.com/office/drawing/2014/main" id="{5DF7E563-9963-C521-39A0-B409D19E7C98}"/>
+                  </a:ext>
+                </a:extLst>
+              </p:cNvPr>
+              <p:cNvSpPr/>
+              <p:nvPr/>
+            </p:nvSpPr>
+            <p:spPr>
+              <a:xfrm>
+                <a:off x="9282619" y="4764469"/>
+                <a:ext cx="1549542" cy="585710"/>
+              </a:xfrm>
+              <a:prstGeom prst="rect">
+                <a:avLst/>
+              </a:prstGeom>
+            </p:spPr>
+            <p:style>
+              <a:lnRef idx="2">
+                <a:schemeClr val="accent1">
+                  <a:shade val="50000"/>
+                </a:schemeClr>
+              </a:lnRef>
+              <a:fillRef idx="1">
+                <a:schemeClr val="accent1"/>
+              </a:fillRef>
+              <a:effectRef idx="0">
+                <a:schemeClr val="accent1"/>
+              </a:effectRef>
+              <a:fontRef idx="minor">
+                <a:schemeClr val="lt1"/>
+              </a:fontRef>
+            </p:style>
+            <p:txBody>
+              <a:bodyPr rtlCol="0" anchor="ctr"/>
+              <a:lstStyle/>
+              <a:p>
+                <a:pPr algn="ctr"/>
+                <a:r>
+                  <a:rPr lang="en-US" sz="1351" dirty="0"/>
+                  <a:t>RT Structures</a:t>
+                </a:r>
+              </a:p>
+            </p:txBody>
+          </p:sp>
+          <p:sp>
+            <p:nvSpPr>
+              <p:cNvPr id="15" name="Rectangle 14">
+                <a:extLst>
+                  <a:ext uri="{FF2B5EF4-FFF2-40B4-BE49-F238E27FC236}">
+                    <a16:creationId xmlns:a16="http://schemas.microsoft.com/office/drawing/2014/main" id="{F973627E-0830-2232-932C-E6D534F6C1AF}"/>
+                  </a:ext>
+                </a:extLst>
+              </p:cNvPr>
+              <p:cNvSpPr/>
+              <p:nvPr/>
+            </p:nvSpPr>
+            <p:spPr>
+              <a:xfrm>
+                <a:off x="11009688" y="4864284"/>
+                <a:ext cx="1130079" cy="386080"/>
+              </a:xfrm>
+              <a:prstGeom prst="rect">
+                <a:avLst/>
+              </a:prstGeom>
+            </p:spPr>
+            <p:style>
+              <a:lnRef idx="2">
+                <a:schemeClr val="accent1">
+                  <a:shade val="50000"/>
+                </a:schemeClr>
+              </a:lnRef>
+              <a:fillRef idx="1">
+                <a:schemeClr val="accent1"/>
+              </a:fillRef>
+              <a:effectRef idx="0">
+                <a:schemeClr val="accent1"/>
+              </a:effectRef>
+              <a:fontRef idx="minor">
+                <a:schemeClr val="lt1"/>
+              </a:fontRef>
+            </p:style>
+            <p:txBody>
+              <a:bodyPr rtlCol="0" anchor="ctr"/>
+              <a:lstStyle/>
+              <a:p>
+                <a:pPr algn="ctr"/>
+                <a:r>
+                  <a:rPr lang="en-US" sz="1351" dirty="0"/>
+                  <a:t>Dose</a:t>
+                </a:r>
+              </a:p>
+            </p:txBody>
+          </p:sp>
+          <p:sp>
+            <p:nvSpPr>
+              <p:cNvPr id="16" name="Rectangle 15">
+                <a:extLst>
+                  <a:ext uri="{FF2B5EF4-FFF2-40B4-BE49-F238E27FC236}">
+                    <a16:creationId xmlns:a16="http://schemas.microsoft.com/office/drawing/2014/main" id="{55F7DDF3-D276-EE1C-D752-02AA9F938E5F}"/>
+                  </a:ext>
+                </a:extLst>
+              </p:cNvPr>
+              <p:cNvSpPr/>
+              <p:nvPr/>
+            </p:nvSpPr>
+            <p:spPr>
+              <a:xfrm>
+                <a:off x="9470686" y="4061716"/>
+                <a:ext cx="1130079" cy="309857"/>
+              </a:xfrm>
+              <a:prstGeom prst="rect">
+                <a:avLst/>
+              </a:prstGeom>
+            </p:spPr>
+            <p:style>
+              <a:lnRef idx="2">
+                <a:schemeClr val="accent1">
+                  <a:shade val="50000"/>
+                </a:schemeClr>
+              </a:lnRef>
+              <a:fillRef idx="1">
+                <a:schemeClr val="accent1"/>
+              </a:fillRef>
+              <a:effectRef idx="0">
+                <a:schemeClr val="accent1"/>
+              </a:effectRef>
+              <a:fontRef idx="minor">
+                <a:schemeClr val="lt1"/>
+              </a:fontRef>
+            </p:style>
+            <p:txBody>
+              <a:bodyPr rtlCol="0" anchor="ctr"/>
+              <a:lstStyle/>
+              <a:p>
+                <a:pPr algn="ctr"/>
+                <a:r>
+                  <a:rPr lang="en-US" sz="1351" dirty="0"/>
+                  <a:t>Plan</a:t>
+                </a:r>
+              </a:p>
+            </p:txBody>
+          </p:sp>
+          <p:sp>
+            <p:nvSpPr>
+              <p:cNvPr id="17" name="Rectangle 16">
+                <a:extLst>
+                  <a:ext uri="{FF2B5EF4-FFF2-40B4-BE49-F238E27FC236}">
+                    <a16:creationId xmlns:a16="http://schemas.microsoft.com/office/drawing/2014/main" id="{C1A49E99-4AF1-45BA-8B68-1E12758ABB6A}"/>
+                  </a:ext>
+                </a:extLst>
+              </p:cNvPr>
+              <p:cNvSpPr/>
+              <p:nvPr/>
+            </p:nvSpPr>
+            <p:spPr>
+              <a:xfrm>
+                <a:off x="9282619" y="5743075"/>
+                <a:ext cx="1549542" cy="309857"/>
+              </a:xfrm>
+              <a:prstGeom prst="rect">
+                <a:avLst/>
+              </a:prstGeom>
+            </p:spPr>
+            <p:style>
+              <a:lnRef idx="2">
+                <a:schemeClr val="accent1">
+                  <a:shade val="50000"/>
+                </a:schemeClr>
+              </a:lnRef>
+              <a:fillRef idx="1">
+                <a:schemeClr val="accent1"/>
+              </a:fillRef>
+              <a:effectRef idx="0">
+                <a:schemeClr val="accent1"/>
+              </a:effectRef>
+              <a:fontRef idx="minor">
+                <a:schemeClr val="lt1"/>
+              </a:fontRef>
+            </p:style>
+            <p:txBody>
+              <a:bodyPr rtlCol="0" anchor="ctr"/>
+              <a:lstStyle/>
+              <a:p>
+                <a:pPr algn="ctr"/>
+                <a:r>
+                  <a:rPr lang="en-US" sz="1351" dirty="0"/>
+                  <a:t>Registrations</a:t>
+                </a:r>
+              </a:p>
+            </p:txBody>
+          </p:sp>
+          <p:cxnSp>
+            <p:nvCxnSpPr>
+              <p:cNvPr id="19" name="Straight Arrow Connector 18">
+                <a:extLst>
+                  <a:ext uri="{FF2B5EF4-FFF2-40B4-BE49-F238E27FC236}">
+                    <a16:creationId xmlns:a16="http://schemas.microsoft.com/office/drawing/2014/main" id="{9E10FC8C-0A0D-8E96-422C-D5EA443D17D2}"/>
+                  </a:ext>
+                </a:extLst>
+              </p:cNvPr>
+              <p:cNvCxnSpPr>
+                <a:cxnSpLocks/>
+                <a:stCxn id="13" idx="3"/>
+                <a:endCxn id="14" idx="1"/>
+              </p:cNvCxnSpPr>
+              <p:nvPr/>
+            </p:nvCxnSpPr>
+            <p:spPr>
+              <a:xfrm flipV="1">
+                <a:off x="8978722" y="5057324"/>
+                <a:ext cx="303897" cy="99815"/>
+              </a:xfrm>
+              <a:prstGeom prst="straightConnector1">
+                <a:avLst/>
+              </a:prstGeom>
+              <a:ln>
+                <a:tailEnd type="triangle"/>
+              </a:ln>
+            </p:spPr>
+            <p:style>
+              <a:lnRef idx="1">
+                <a:schemeClr val="dk1"/>
+              </a:lnRef>
+              <a:fillRef idx="0">
+                <a:schemeClr val="dk1"/>
+              </a:fillRef>
+              <a:effectRef idx="0">
+                <a:schemeClr val="dk1"/>
+              </a:effectRef>
+              <a:fontRef idx="minor">
+                <a:schemeClr val="tx1"/>
+              </a:fontRef>
+            </p:style>
+          </p:cxnSp>
+          <p:cxnSp>
+            <p:nvCxnSpPr>
+              <p:cNvPr id="21" name="Straight Arrow Connector 20">
+                <a:extLst>
+                  <a:ext uri="{FF2B5EF4-FFF2-40B4-BE49-F238E27FC236}">
+                    <a16:creationId xmlns:a16="http://schemas.microsoft.com/office/drawing/2014/main" id="{28E1431D-D669-2726-FF89-BCD0A3F1AA9E}"/>
+                  </a:ext>
+                </a:extLst>
+              </p:cNvPr>
+              <p:cNvCxnSpPr>
+                <a:cxnSpLocks/>
+                <a:stCxn id="13" idx="0"/>
+                <a:endCxn id="16" idx="1"/>
+              </p:cNvCxnSpPr>
+              <p:nvPr/>
+            </p:nvCxnSpPr>
+            <p:spPr>
+              <a:xfrm flipV="1">
+                <a:off x="8413683" y="4216645"/>
+                <a:ext cx="1057003" cy="747454"/>
+              </a:xfrm>
+              <a:prstGeom prst="straightConnector1">
+                <a:avLst/>
+              </a:prstGeom>
+              <a:ln>
+                <a:tailEnd type="triangle"/>
+              </a:ln>
+            </p:spPr>
+            <p:style>
+              <a:lnRef idx="1">
+                <a:schemeClr val="dk1"/>
+              </a:lnRef>
+              <a:fillRef idx="0">
+                <a:schemeClr val="dk1"/>
+              </a:fillRef>
+              <a:effectRef idx="0">
+                <a:schemeClr val="dk1"/>
+              </a:effectRef>
+              <a:fontRef idx="minor">
+                <a:schemeClr val="tx1"/>
+              </a:fontRef>
+            </p:style>
+          </p:cxnSp>
+          <p:cxnSp>
+            <p:nvCxnSpPr>
+              <p:cNvPr id="27" name="Straight Arrow Connector 26">
+                <a:extLst>
+                  <a:ext uri="{FF2B5EF4-FFF2-40B4-BE49-F238E27FC236}">
+                    <a16:creationId xmlns:a16="http://schemas.microsoft.com/office/drawing/2014/main" id="{E7B90246-61E6-4C10-0529-43F961477D33}"/>
+                  </a:ext>
+                </a:extLst>
+              </p:cNvPr>
+              <p:cNvCxnSpPr>
+                <a:cxnSpLocks/>
+                <a:stCxn id="14" idx="3"/>
+                <a:endCxn id="15" idx="1"/>
+              </p:cNvCxnSpPr>
+              <p:nvPr/>
+            </p:nvCxnSpPr>
+            <p:spPr>
+              <a:xfrm>
+                <a:off x="10832161" y="5057324"/>
+                <a:ext cx="177527" cy="0"/>
+              </a:xfrm>
+              <a:prstGeom prst="straightConnector1">
+                <a:avLst/>
+              </a:prstGeom>
+              <a:ln>
+                <a:tailEnd type="triangle"/>
+              </a:ln>
+            </p:spPr>
+            <p:style>
+              <a:lnRef idx="1">
+                <a:schemeClr val="dk1"/>
+              </a:lnRef>
+              <a:fillRef idx="0">
+                <a:schemeClr val="dk1"/>
+              </a:fillRef>
+              <a:effectRef idx="0">
+                <a:schemeClr val="dk1"/>
+              </a:effectRef>
+              <a:fontRef idx="minor">
+                <a:schemeClr val="tx1"/>
+              </a:fontRef>
+            </p:style>
+          </p:cxnSp>
+          <p:cxnSp>
+            <p:nvCxnSpPr>
+              <p:cNvPr id="30" name="Straight Arrow Connector 29">
+                <a:extLst>
+                  <a:ext uri="{FF2B5EF4-FFF2-40B4-BE49-F238E27FC236}">
+                    <a16:creationId xmlns:a16="http://schemas.microsoft.com/office/drawing/2014/main" id="{AC22C81E-14A1-96F0-D4F7-12B715FB67FE}"/>
+                  </a:ext>
+                </a:extLst>
+              </p:cNvPr>
+              <p:cNvCxnSpPr>
+                <a:cxnSpLocks/>
+                <a:stCxn id="13" idx="2"/>
+                <a:endCxn id="17" idx="0"/>
+              </p:cNvCxnSpPr>
+              <p:nvPr/>
+            </p:nvCxnSpPr>
+            <p:spPr>
+              <a:xfrm>
+                <a:off x="8413683" y="5350179"/>
+                <a:ext cx="1643707" cy="392896"/>
+              </a:xfrm>
+              <a:prstGeom prst="straightConnector1">
+                <a:avLst/>
+              </a:prstGeom>
+              <a:ln>
+                <a:tailEnd type="triangle"/>
+              </a:ln>
+            </p:spPr>
+            <p:style>
+              <a:lnRef idx="1">
+                <a:schemeClr val="dk1"/>
+              </a:lnRef>
+              <a:fillRef idx="0">
+                <a:schemeClr val="dk1"/>
+              </a:fillRef>
+              <a:effectRef idx="0">
+                <a:schemeClr val="dk1"/>
+              </a:effectRef>
+              <a:fontRef idx="minor">
+                <a:schemeClr val="tx1"/>
+              </a:fontRef>
+            </p:style>
+          </p:cxnSp>
+        </p:grpSp>
+      </p:grpSp>
+      <p:grpSp>
+        <p:nvGrpSpPr>
+          <p:cNvPr id="4" name="Group 3">
+            <a:extLst>
+              <a:ext uri="{FF2B5EF4-FFF2-40B4-BE49-F238E27FC236}">
+                <a16:creationId xmlns:a16="http://schemas.microsoft.com/office/drawing/2014/main" id="{2563EA42-E2D1-DD10-3897-8522482EAFA5}"/>
+              </a:ext>
+            </a:extLst>
+          </p:cNvPr>
+          <p:cNvGrpSpPr/>
+          <p:nvPr/>
+        </p:nvGrpSpPr>
+        <p:grpSpPr>
+          <a:xfrm>
+            <a:off x="1702070" y="5696995"/>
+            <a:ext cx="6080676" cy="1306841"/>
+            <a:chOff x="1468379" y="4103549"/>
+            <a:chExt cx="4560507" cy="980131"/>
+          </a:xfrm>
+        </p:grpSpPr>
+        <p:grpSp>
+          <p:nvGrpSpPr>
+            <p:cNvPr id="12" name="Group 11">
+              <a:extLst>
+                <a:ext uri="{FF2B5EF4-FFF2-40B4-BE49-F238E27FC236}">
+                  <a16:creationId xmlns:a16="http://schemas.microsoft.com/office/drawing/2014/main" id="{7D2BD6F5-10E7-F609-1B07-2EB679CFF63B}"/>
+                </a:ext>
+              </a:extLst>
+            </p:cNvPr>
+            <p:cNvGrpSpPr/>
+            <p:nvPr/>
+          </p:nvGrpSpPr>
+          <p:grpSpPr>
+            <a:xfrm>
+              <a:off x="1468379" y="4455077"/>
+              <a:ext cx="4560507" cy="628603"/>
+              <a:chOff x="1468379" y="4455077"/>
+              <a:chExt cx="4560507" cy="628603"/>
+            </a:xfrm>
+          </p:grpSpPr>
+          <p:sp>
+            <p:nvSpPr>
+              <p:cNvPr id="23" name="TextBox 22">
+                <a:extLst>
+                  <a:ext uri="{FF2B5EF4-FFF2-40B4-BE49-F238E27FC236}">
+                    <a16:creationId xmlns:a16="http://schemas.microsoft.com/office/drawing/2014/main" id="{68280908-8DA4-9D19-C263-6859C0805CB8}"/>
+                  </a:ext>
+                </a:extLst>
+              </p:cNvPr>
+              <p:cNvSpPr txBox="1"/>
+              <p:nvPr/>
+            </p:nvSpPr>
+            <p:spPr>
+              <a:xfrm>
+                <a:off x="1468379" y="4460432"/>
+                <a:ext cx="1668613" cy="623248"/>
+              </a:xfrm>
+              <a:prstGeom prst="rect">
+                <a:avLst/>
+              </a:prstGeom>
+              <a:noFill/>
+            </p:spPr>
+            <p:txBody>
+              <a:bodyPr wrap="square" rtlCol="0">
+                <a:spAutoFit/>
+              </a:bodyPr>
+              <a:lstStyle/>
+              <a:p>
+                <a:pPr algn="ctr"/>
+                <a:r>
+                  <a:rPr lang="en-US" sz="2400" dirty="0"/>
+                  <a:t>Resident volumes</a:t>
+                </a:r>
+              </a:p>
+            </p:txBody>
+          </p:sp>
+          <p:sp>
+            <p:nvSpPr>
+              <p:cNvPr id="25" name="TextBox 24">
+                <a:extLst>
+                  <a:ext uri="{FF2B5EF4-FFF2-40B4-BE49-F238E27FC236}">
+                    <a16:creationId xmlns:a16="http://schemas.microsoft.com/office/drawing/2014/main" id="{EB843972-00E9-90D4-368A-E2E749229436}"/>
+                  </a:ext>
+                </a:extLst>
+              </p:cNvPr>
+              <p:cNvSpPr txBox="1"/>
+              <p:nvPr/>
+            </p:nvSpPr>
+            <p:spPr>
+              <a:xfrm>
+                <a:off x="2903387" y="4455077"/>
+                <a:ext cx="1668613" cy="346249"/>
+              </a:xfrm>
+              <a:prstGeom prst="rect">
+                <a:avLst/>
+              </a:prstGeom>
+              <a:noFill/>
+            </p:spPr>
+            <p:txBody>
+              <a:bodyPr wrap="square" rtlCol="0">
+                <a:spAutoFit/>
+              </a:bodyPr>
+              <a:lstStyle/>
+              <a:p>
+                <a:pPr algn="ctr"/>
+                <a:r>
+                  <a:rPr lang="en-US" sz="2400" dirty="0"/>
+                  <a:t>Auto-contour</a:t>
+                </a:r>
+              </a:p>
+            </p:txBody>
+          </p:sp>
+          <p:sp>
+            <p:nvSpPr>
+              <p:cNvPr id="26" name="TextBox 25">
+                <a:extLst>
+                  <a:ext uri="{FF2B5EF4-FFF2-40B4-BE49-F238E27FC236}">
+                    <a16:creationId xmlns:a16="http://schemas.microsoft.com/office/drawing/2014/main" id="{8450A610-6280-F0C0-589C-8E5A32814DE3}"/>
+                  </a:ext>
+                </a:extLst>
+              </p:cNvPr>
+              <p:cNvSpPr txBox="1"/>
+              <p:nvPr/>
+            </p:nvSpPr>
+            <p:spPr>
+              <a:xfrm>
+                <a:off x="4360273" y="4455077"/>
+                <a:ext cx="1668613" cy="346249"/>
+              </a:xfrm>
+              <a:prstGeom prst="rect">
+                <a:avLst/>
+              </a:prstGeom>
+              <a:noFill/>
+            </p:spPr>
+            <p:txBody>
+              <a:bodyPr wrap="square" rtlCol="0">
+                <a:spAutoFit/>
+              </a:bodyPr>
+              <a:lstStyle/>
+              <a:p>
+                <a:pPr algn="ctr"/>
+                <a:r>
+                  <a:rPr lang="en-US" sz="2400" dirty="0"/>
+                  <a:t>Clinical contours</a:t>
+                </a:r>
+              </a:p>
+            </p:txBody>
+          </p:sp>
+        </p:grpSp>
+        <p:cxnSp>
+          <p:nvCxnSpPr>
+            <p:cNvPr id="18" name="Straight Arrow Connector 17">
+              <a:extLst>
+                <a:ext uri="{FF2B5EF4-FFF2-40B4-BE49-F238E27FC236}">
+                  <a16:creationId xmlns:a16="http://schemas.microsoft.com/office/drawing/2014/main" id="{FAD9DA89-5BE2-D36A-7E3D-B05630EE11BA}"/>
+                </a:ext>
+              </a:extLst>
+            </p:cNvPr>
+            <p:cNvCxnSpPr>
+              <a:cxnSpLocks/>
+              <a:stCxn id="23" idx="0"/>
+            </p:cNvCxnSpPr>
+            <p:nvPr/>
+          </p:nvCxnSpPr>
+          <p:spPr>
+            <a:xfrm flipV="1">
+              <a:off x="2302686" y="4103549"/>
+              <a:ext cx="1277407" cy="356883"/>
+            </a:xfrm>
+            <a:prstGeom prst="straightConnector1">
+              <a:avLst/>
+            </a:prstGeom>
+            <a:ln>
+              <a:solidFill>
+                <a:srgbClr val="FF0000"/>
+              </a:solidFill>
+              <a:tailEnd type="triangle"/>
+            </a:ln>
+          </p:spPr>
+          <p:style>
+            <a:lnRef idx="1">
+              <a:schemeClr val="accent1"/>
+            </a:lnRef>
+            <a:fillRef idx="0">
+              <a:schemeClr val="accent1"/>
+            </a:fillRef>
+            <a:effectRef idx="0">
+              <a:schemeClr val="accent1"/>
+            </a:effectRef>
+            <a:fontRef idx="minor">
+              <a:schemeClr val="tx1"/>
+            </a:fontRef>
+          </p:style>
+        </p:cxnSp>
+        <p:cxnSp>
+          <p:nvCxnSpPr>
+            <p:cNvPr id="20" name="Straight Arrow Connector 19">
+              <a:extLst>
+                <a:ext uri="{FF2B5EF4-FFF2-40B4-BE49-F238E27FC236}">
+                  <a16:creationId xmlns:a16="http://schemas.microsoft.com/office/drawing/2014/main" id="{2A8EC533-1F71-9468-7AD9-B878C517DEF2}"/>
+                </a:ext>
+              </a:extLst>
+            </p:cNvPr>
+            <p:cNvCxnSpPr>
+              <a:cxnSpLocks/>
+              <a:stCxn id="25" idx="0"/>
+            </p:cNvCxnSpPr>
+            <p:nvPr/>
+          </p:nvCxnSpPr>
+          <p:spPr>
+            <a:xfrm flipH="1" flipV="1">
+              <a:off x="3580093" y="4103549"/>
+              <a:ext cx="157601" cy="351528"/>
+            </a:xfrm>
+            <a:prstGeom prst="straightConnector1">
+              <a:avLst/>
+            </a:prstGeom>
+            <a:ln>
+              <a:solidFill>
+                <a:srgbClr val="FF0000"/>
+              </a:solidFill>
+              <a:tailEnd type="triangle"/>
+            </a:ln>
+          </p:spPr>
+          <p:style>
+            <a:lnRef idx="1">
+              <a:schemeClr val="accent1"/>
+            </a:lnRef>
+            <a:fillRef idx="0">
+              <a:schemeClr val="accent1"/>
+            </a:fillRef>
+            <a:effectRef idx="0">
+              <a:schemeClr val="accent1"/>
+            </a:effectRef>
+            <a:fontRef idx="minor">
+              <a:schemeClr val="tx1"/>
+            </a:fontRef>
+          </p:style>
+        </p:cxnSp>
+        <p:cxnSp>
+          <p:nvCxnSpPr>
+            <p:cNvPr id="22" name="Straight Arrow Connector 21">
+              <a:extLst>
+                <a:ext uri="{FF2B5EF4-FFF2-40B4-BE49-F238E27FC236}">
+                  <a16:creationId xmlns:a16="http://schemas.microsoft.com/office/drawing/2014/main" id="{27D7227B-A5EE-119E-DCC3-F11D9769498B}"/>
+                </a:ext>
+              </a:extLst>
+            </p:cNvPr>
+            <p:cNvCxnSpPr>
+              <a:cxnSpLocks/>
+              <a:stCxn id="26" idx="0"/>
+            </p:cNvCxnSpPr>
+            <p:nvPr/>
+          </p:nvCxnSpPr>
+          <p:spPr>
+            <a:xfrm flipH="1" flipV="1">
+              <a:off x="3580093" y="4103549"/>
+              <a:ext cx="1614487" cy="351528"/>
+            </a:xfrm>
+            <a:prstGeom prst="straightConnector1">
+              <a:avLst/>
+            </a:prstGeom>
+            <a:ln>
+              <a:solidFill>
+                <a:srgbClr val="FF0000"/>
+              </a:solidFill>
+              <a:tailEnd type="triangle"/>
+            </a:ln>
+          </p:spPr>
+          <p:style>
+            <a:lnRef idx="1">
+              <a:schemeClr val="accent1"/>
+            </a:lnRef>
+            <a:fillRef idx="0">
+              <a:schemeClr val="accent1"/>
+            </a:fillRef>
+            <a:effectRef idx="0">
+              <a:schemeClr val="accent1"/>
+            </a:effectRef>
+            <a:fontRef idx="minor">
+              <a:schemeClr val="tx1"/>
+            </a:fontRef>
+          </p:style>
+        </p:cxnSp>
+      </p:grpSp>
+    </p:spTree>
+    <p:extLst>
+      <p:ext uri="{BB962C8B-B14F-4D97-AF65-F5344CB8AC3E}">
+        <p14:creationId xmlns:p14="http://schemas.microsoft.com/office/powerpoint/2010/main" val="1670901135"/>
+      </p:ext>
+    </p:extLst>
+  </p:cSld>
+  <p:clrMapOvr>
+    <a:masterClrMapping/>
+  </p:clrMapOvr>
+  <p:timing>
+    <p:tnLst>
+      <p:par>
+        <p:cTn id="1" dur="indefinite" restart="never" nodeType="tmRoot">
+          <p:childTnLst>
+            <p:seq concurrent="1" nextAc="seek">
+              <p:cTn id="2" dur="indefinite" nodeType="mainSeq">
+                <p:childTnLst>
+                  <p:par>
+                    <p:cTn id="3" fill="hold">
+                      <p:stCondLst>
+                        <p:cond delay="indefinite"/>
+                      </p:stCondLst>
+                      <p:childTnLst>
+                        <p:par>
+                          <p:cTn id="4" fill="hold">
+                            <p:stCondLst>
+                              <p:cond delay="0"/>
+                            </p:stCondLst>
+                            <p:childTnLst>
+                              <p:par>
+                                <p:cTn id="5" presetID="22" presetClass="entr" presetSubtype="4" fill="hold" nodeType="clickEffect">
+                                  <p:stCondLst>
+                                    <p:cond delay="0"/>
+                                  </p:stCondLst>
+                                  <p:childTnLst>
+                                    <p:set>
+                                      <p:cBhvr>
+                                        <p:cTn id="6" dur="1" fill="hold">
+                                          <p:stCondLst>
+                                            <p:cond delay="0"/>
+                                          </p:stCondLst>
+                                        </p:cTn>
+                                        <p:tgtEl>
+                                          <p:spTgt spid="28"/>
+                                        </p:tgtEl>
+                                        <p:attrNameLst>
+                                          <p:attrName>style.visibility</p:attrName>
+                                        </p:attrNameLst>
+                                      </p:cBhvr>
+                                      <p:to>
+                                        <p:strVal val="visible"/>
+                                      </p:to>
+                                    </p:set>
+                                    <p:animEffect transition="in" filter="wipe(down)">
+                                      <p:cBhvr>
+                                        <p:cTn id="7" dur="500"/>
+                                        <p:tgtEl>
+                                          <p:spTgt spid="28"/>
+                                        </p:tgtEl>
+                                      </p:cBhvr>
+                                    </p:animEffect>
+                                  </p:childTnLst>
+                                </p:cTn>
+                              </p:par>
+                            </p:childTnLst>
+                          </p:cTn>
+                        </p:par>
+                      </p:childTnLst>
+                    </p:cTn>
+                  </p:par>
+                  <p:par>
+                    <p:cTn id="8" fill="hold">
+                      <p:stCondLst>
+                        <p:cond delay="indefinite"/>
+                      </p:stCondLst>
+                      <p:childTnLst>
+                        <p:par>
+                          <p:cTn id="9" fill="hold">
+                            <p:stCondLst>
+                              <p:cond delay="0"/>
+                            </p:stCondLst>
+                            <p:childTnLst>
+                              <p:par>
+                                <p:cTn id="10" presetID="22" presetClass="entr" presetSubtype="4" fill="hold" nodeType="clickEffect">
+                                  <p:stCondLst>
+                                    <p:cond delay="0"/>
+                                  </p:stCondLst>
+                                  <p:childTnLst>
+                                    <p:set>
+                                      <p:cBhvr>
+                                        <p:cTn id="11" dur="1" fill="hold">
+                                          <p:stCondLst>
+                                            <p:cond delay="0"/>
+                                          </p:stCondLst>
+                                        </p:cTn>
+                                        <p:tgtEl>
+                                          <p:spTgt spid="4"/>
+                                        </p:tgtEl>
+                                        <p:attrNameLst>
+                                          <p:attrName>style.visibility</p:attrName>
+                                        </p:attrNameLst>
+                                      </p:cBhvr>
+                                      <p:to>
+                                        <p:strVal val="visible"/>
+                                      </p:to>
+                                    </p:set>
+                                    <p:animEffect transition="in" filter="wipe(down)">
+                                      <p:cBhvr>
+                                        <p:cTn id="12" dur="1000"/>
+                                        <p:tgtEl>
+                                          <p:spTgt spid="4"/>
+                                        </p:tgtEl>
+                                      </p:cBhvr>
+                                    </p:animEffect>
+                                  </p:childTnLst>
+                                </p:cTn>
+                              </p:par>
+                            </p:childTnLst>
+                          </p:cTn>
+                        </p:par>
+                      </p:childTnLst>
+                    </p:cTn>
+                  </p:par>
+                  <p:par>
+                    <p:cTn id="13" fill="hold">
+                      <p:stCondLst>
+                        <p:cond delay="indefinite"/>
+                      </p:stCondLst>
+                      <p:childTnLst>
+                        <p:par>
+                          <p:cTn id="14" fill="hold">
+                            <p:stCondLst>
+                              <p:cond delay="0"/>
+                            </p:stCondLst>
+                            <p:childTnLst>
+                              <p:par>
+                                <p:cTn id="15" presetID="22" presetClass="entr" presetSubtype="4" fill="hold" nodeType="clickEffect">
+                                  <p:stCondLst>
+                                    <p:cond delay="0"/>
+                                  </p:stCondLst>
+                                  <p:childTnLst>
+                                    <p:set>
+                                      <p:cBhvr>
+                                        <p:cTn id="16" dur="1" fill="hold">
+                                          <p:stCondLst>
+                                            <p:cond delay="0"/>
+                                          </p:stCondLst>
+                                        </p:cTn>
+                                        <p:tgtEl>
+                                          <p:spTgt spid="11"/>
+                                        </p:tgtEl>
+                                        <p:attrNameLst>
+                                          <p:attrName>style.visibility</p:attrName>
+                                        </p:attrNameLst>
+                                      </p:cBhvr>
+                                      <p:to>
+                                        <p:strVal val="visible"/>
+                                      </p:to>
+                                    </p:set>
+                                    <p:animEffect transition="in" filter="wipe(down)">
+                                      <p:cBhvr>
+                                        <p:cTn id="17" dur="500"/>
+                                        <p:tgtEl>
+                                          <p:spTgt spid="11"/>
+                                        </p:tgtEl>
+                                      </p:cBhvr>
+                                    </p:animEffect>
+                                  </p:childTnLst>
+                                </p:cTn>
+                              </p:par>
+                            </p:childTnLst>
+                          </p:cTn>
+                        </p:par>
+                        <p:par>
+                          <p:cTn id="18" fill="hold">
+                            <p:stCondLst>
+                              <p:cond delay="500"/>
+                            </p:stCondLst>
+                            <p:childTnLst>
+                              <p:par>
+                                <p:cTn id="19" presetID="22" presetClass="entr" presetSubtype="8" fill="hold" nodeType="afterEffect">
+                                  <p:stCondLst>
+                                    <p:cond delay="0"/>
+                                  </p:stCondLst>
+                                  <p:childTnLst>
+                                    <p:set>
+                                      <p:cBhvr>
+                                        <p:cTn id="20" dur="1" fill="hold">
+                                          <p:stCondLst>
+                                            <p:cond delay="0"/>
+                                          </p:stCondLst>
+                                        </p:cTn>
+                                        <p:tgtEl>
+                                          <p:spTgt spid="34"/>
+                                        </p:tgtEl>
+                                        <p:attrNameLst>
+                                          <p:attrName>style.visibility</p:attrName>
+                                        </p:attrNameLst>
+                                      </p:cBhvr>
+                                      <p:to>
+                                        <p:strVal val="visible"/>
+                                      </p:to>
+                                    </p:set>
+                                    <p:animEffect transition="in" filter="wipe(left)">
+                                      <p:cBhvr>
+                                        <p:cTn id="21" dur="2000"/>
+                                        <p:tgtEl>
+                                          <p:spTgt spid="34"/>
+                                        </p:tgtEl>
+                                      </p:cBhvr>
+                                    </p:animEffect>
+                                  </p:childTnLst>
+                                </p:cTn>
+                              </p:par>
+                            </p:childTnLst>
+                          </p:cTn>
+                        </p:par>
+                      </p:childTnLst>
+                    </p:cTn>
+                  </p:par>
+                </p:childTnLst>
+              </p:cTn>
+              <p:prevCondLst>
+                <p:cond evt="onPrev" delay="0">
+                  <p:tgtEl>
+                    <p:sldTgt/>
+                  </p:tgtEl>
+                </p:cond>
+              </p:prevCondLst>
+              <p:nextCondLst>
+                <p:cond evt="onNext" delay="0">
+                  <p:tgtEl>
+                    <p:sldTgt/>
+                  </p:tgtEl>
+                </p:cond>
+              </p:nextCondLst>
+            </p:seq>
+          </p:childTnLst>
+        </p:cTn>
+      </p:par>
+    </p:tnLst>
+  </p:timing>
+</p:sld>
+</file>
+
+<file path=ppt/slides/slide9.xml><?xml version="1.0" encoding="utf-8"?>
+<p:sld xmlns:a="http://schemas.openxmlformats.org/drawingml/2006/main" xmlns:r="http://schemas.openxmlformats.org/officeDocument/2006/relationships" xmlns:p="http://schemas.openxmlformats.org/presentationml/2006/main">
+  <p:cSld>
+    <p:spTree>
+      <p:nvGrpSpPr>
+        <p:cNvPr id="1" name=""/>
+        <p:cNvGrpSpPr/>
+        <p:nvPr/>
+      </p:nvGrpSpPr>
+      <p:grpSpPr>
+        <a:xfrm>
+          <a:off x="0" y="0"/>
+          <a:ext cx="0" cy="0"/>
+          <a:chOff x="0" y="0"/>
+          <a:chExt cx="0" cy="0"/>
+        </a:xfrm>
+      </p:grpSpPr>
+      <p:sp>
+        <p:nvSpPr>
+          <p:cNvPr id="2" name="Title 1"/>
+          <p:cNvSpPr>
+            <a:spLocks noGrp="1"/>
+          </p:cNvSpPr>
+          <p:nvPr>
+            <p:ph type="title"/>
+          </p:nvPr>
+        </p:nvSpPr>
+        <p:spPr/>
+        <p:txBody>
+          <a:bodyPr/>
+          <a:lstStyle/>
+          <a:p>
+            <a:r>
+              <a:rPr lang="en-US" dirty="0"/>
+              <a:t>DICOM is wonderful…</a:t>
+            </a:r>
+          </a:p>
+        </p:txBody>
+      </p:sp>
+      <p:sp>
+        <p:nvSpPr>
+          <p:cNvPr id="7" name="Slide Number Placeholder 6"/>
+          <p:cNvSpPr>
+            <a:spLocks noGrp="1"/>
+          </p:cNvSpPr>
+          <p:nvPr>
+            <p:ph type="sldNum" sz="quarter" idx="12"/>
+          </p:nvPr>
+        </p:nvSpPr>
+        <p:spPr>
+          <a:xfrm>
+            <a:off x="11480800" y="8475133"/>
+            <a:ext cx="3657600" cy="486833"/>
+          </a:xfrm>
+          <a:prstGeom prst="rect">
+            <a:avLst/>
+          </a:prstGeom>
+        </p:spPr>
+        <p:txBody>
+          <a:bodyPr vert="horz" lIns="121920" tIns="60960" rIns="121920" bIns="60960" rtlCol="0" anchor="ctr"/>
+          <a:lstStyle>
+            <a:defPPr>
+              <a:defRPr lang="en-US"/>
+            </a:defPPr>
+            <a:lvl1pPr marL="0" algn="r" defTabSz="1219170" rtl="0" eaLnBrk="1" latinLnBrk="0" hangingPunct="1">
+              <a:defRPr sz="1600" kern="1200">
+                <a:solidFill>
+                  <a:schemeClr val="tx1">
+                    <a:tint val="75000"/>
+                  </a:schemeClr>
+                </a:solidFill>
+                <a:latin typeface="+mn-lt"/>
+                <a:ea typeface="+mn-ea"/>
+                <a:cs typeface="+mn-cs"/>
+              </a:defRPr>
+            </a:lvl1pPr>
+            <a:lvl2pPr marL="609585" algn="l" defTabSz="1219170" rtl="0" eaLnBrk="1" latinLnBrk="0" hangingPunct="1">
+              <a:defRPr sz="2400" kern="1200">
+                <a:solidFill>
+                  <a:schemeClr val="tx1"/>
+                </a:solidFill>
+                <a:latin typeface="+mn-lt"/>
+                <a:ea typeface="+mn-ea"/>
+                <a:cs typeface="+mn-cs"/>
+              </a:defRPr>
+            </a:lvl2pPr>
+            <a:lvl3pPr marL="1219170" algn="l" defTabSz="1219170" rtl="0" eaLnBrk="1" latinLnBrk="0" hangingPunct="1">
+              <a:defRPr sz="2400" kern="1200">
+                <a:solidFill>
+                  <a:schemeClr val="tx1"/>
+                </a:solidFill>
+                <a:latin typeface="+mn-lt"/>
+                <a:ea typeface="+mn-ea"/>
+                <a:cs typeface="+mn-cs"/>
+              </a:defRPr>
+            </a:lvl3pPr>
+            <a:lvl4pPr marL="1828754" algn="l" defTabSz="1219170" rtl="0" eaLnBrk="1" latinLnBrk="0" hangingPunct="1">
+              <a:defRPr sz="2400" kern="1200">
+                <a:solidFill>
+                  <a:schemeClr val="tx1"/>
+                </a:solidFill>
+                <a:latin typeface="+mn-lt"/>
+                <a:ea typeface="+mn-ea"/>
+                <a:cs typeface="+mn-cs"/>
+              </a:defRPr>
+            </a:lvl4pPr>
+            <a:lvl5pPr marL="2438339" algn="l" defTabSz="1219170" rtl="0" eaLnBrk="1" latinLnBrk="0" hangingPunct="1">
+              <a:defRPr sz="2400" kern="1200">
+                <a:solidFill>
+                  <a:schemeClr val="tx1"/>
+                </a:solidFill>
+                <a:latin typeface="+mn-lt"/>
+                <a:ea typeface="+mn-ea"/>
+                <a:cs typeface="+mn-cs"/>
+              </a:defRPr>
+            </a:lvl5pPr>
+            <a:lvl6pPr marL="3047924" algn="l" defTabSz="1219170" rtl="0" eaLnBrk="1" latinLnBrk="0" hangingPunct="1">
+              <a:defRPr sz="2400" kern="1200">
+                <a:solidFill>
+                  <a:schemeClr val="tx1"/>
+                </a:solidFill>
+                <a:latin typeface="+mn-lt"/>
+                <a:ea typeface="+mn-ea"/>
+                <a:cs typeface="+mn-cs"/>
+              </a:defRPr>
+            </a:lvl6pPr>
+            <a:lvl7pPr marL="3657509" algn="l" defTabSz="1219170" rtl="0" eaLnBrk="1" latinLnBrk="0" hangingPunct="1">
+              <a:defRPr sz="2400" kern="1200">
+                <a:solidFill>
+                  <a:schemeClr val="tx1"/>
+                </a:solidFill>
+                <a:latin typeface="+mn-lt"/>
+                <a:ea typeface="+mn-ea"/>
+                <a:cs typeface="+mn-cs"/>
+              </a:defRPr>
+            </a:lvl7pPr>
+            <a:lvl8pPr marL="4267093" algn="l" defTabSz="1219170" rtl="0" eaLnBrk="1" latinLnBrk="0" hangingPunct="1">
+              <a:defRPr sz="2400" kern="1200">
+                <a:solidFill>
+                  <a:schemeClr val="tx1"/>
+                </a:solidFill>
+                <a:latin typeface="+mn-lt"/>
+                <a:ea typeface="+mn-ea"/>
+                <a:cs typeface="+mn-cs"/>
+              </a:defRPr>
+            </a:lvl8pPr>
+            <a:lvl9pPr marL="4876678" algn="l" defTabSz="1219170" rtl="0" eaLnBrk="1" latinLnBrk="0" hangingPunct="1">
+              <a:defRPr sz="2400" kern="1200">
+                <a:solidFill>
+                  <a:schemeClr val="tx1"/>
+                </a:solidFill>
+                <a:latin typeface="+mn-lt"/>
+                <a:ea typeface="+mn-ea"/>
+                <a:cs typeface="+mn-cs"/>
+              </a:defRPr>
+            </a:lvl9pPr>
+          </a:lstStyle>
+          <a:p>
+            <a:fld id="{A91E99CD-9B3D-4B43-9B95-8840855C3626}" type="slidenum">
+              <a:rPr lang="en-US" smtClean="0"/>
+              <a:pPr/>
+              <a:t>9</a:t>
+            </a:fld>
+            <a:endParaRPr lang="en-US" dirty="0"/>
+          </a:p>
+        </p:txBody>
+      </p:sp>
+      <p:pic>
+        <p:nvPicPr>
+          <p:cNvPr id="3074" name="Picture 2" descr="https://pubs.rsna.org/cms/10.1148/rg.293075172/asset/images/medium/g09ma01g04x.jpeg"/>
+          <p:cNvPicPr>
+            <a:picLocks noChangeAspect="1" noChangeArrowheads="1"/>
+          </p:cNvPicPr>
+          <p:nvPr/>
+        </p:nvPicPr>
+        <p:blipFill>
+          <a:blip r:embed="rId2">
+            <a:extLst>
+              <a:ext uri="{28A0092B-C50C-407E-A947-70E740481C1C}">
+                <a14:useLocalDpi xmlns:a14="http://schemas.microsoft.com/office/drawing/2010/main" val="0"/>
+              </a:ext>
+            </a:extLst>
+          </a:blip>
+          <a:srcRect/>
+          <a:stretch>
+            <a:fillRect/>
+          </a:stretch>
+        </p:blipFill>
+        <p:spPr bwMode="auto">
+          <a:xfrm>
+            <a:off x="376222" y="1946037"/>
+            <a:ext cx="6823743" cy="4449080"/>
+          </a:xfrm>
+          <a:prstGeom prst="rect">
+            <a:avLst/>
+          </a:prstGeom>
+          <a:noFill/>
+          <a:extLst>
+            <a:ext uri="{909E8E84-426E-40DD-AFC4-6F175D3DCCD1}">
+              <a14:hiddenFill xmlns:a14="http://schemas.microsoft.com/office/drawing/2010/main">
+                <a:solidFill>
+                  <a:srgbClr val="FFFFFF"/>
+                </a:solidFill>
+              </a14:hiddenFill>
+            </a:ext>
+          </a:extLst>
+        </p:spPr>
+      </p:pic>
+      <p:sp>
+        <p:nvSpPr>
+          <p:cNvPr id="3" name="TextBox 2"/>
+          <p:cNvSpPr txBox="1"/>
+          <p:nvPr/>
+        </p:nvSpPr>
+        <p:spPr>
+          <a:xfrm>
+            <a:off x="6947077" y="592082"/>
+            <a:ext cx="3254417" cy="769441"/>
+          </a:xfrm>
+          <a:prstGeom prst="rect">
+            <a:avLst/>
+          </a:prstGeom>
+          <a:noFill/>
+        </p:spPr>
+        <p:txBody>
+          <a:bodyPr wrap="none" rtlCol="0">
+            <a:spAutoFit/>
+          </a:bodyPr>
+          <a:lstStyle/>
+          <a:p>
+            <a:r>
+              <a:rPr lang="en-US" sz="1100" b="1" dirty="0"/>
+              <a:t>*DICOM-RT and Its Utilization in Radiation Therapy</a:t>
+            </a:r>
+          </a:p>
+          <a:p>
+            <a:r>
+              <a:rPr lang="en-US" sz="1100" dirty="0"/>
+              <a:t>Maria Y. Law, Brent Liu</a:t>
+            </a:r>
+          </a:p>
+          <a:p>
+            <a:r>
+              <a:rPr lang="en-US" sz="1100" dirty="0"/>
+              <a:t>RSNA: </a:t>
+            </a:r>
+            <a:r>
+              <a:rPr lang="en-US" sz="1100" dirty="0" err="1"/>
+              <a:t>RadioGraphics</a:t>
+            </a:r>
+            <a:endParaRPr lang="en-US" sz="1100" dirty="0"/>
+          </a:p>
+          <a:p>
+            <a:r>
+              <a:rPr lang="en-US" sz="1100" dirty="0"/>
+              <a:t>https://pubs.rsna.org/doi/full/10.1148/rg.293075172</a:t>
+            </a:r>
+          </a:p>
+        </p:txBody>
+      </p:sp>
+      <p:pic>
+        <p:nvPicPr>
+          <p:cNvPr id="10" name="Picture 9">
+            <a:extLst>
+              <a:ext uri="{FF2B5EF4-FFF2-40B4-BE49-F238E27FC236}">
+                <a16:creationId xmlns:a16="http://schemas.microsoft.com/office/drawing/2014/main" id="{FCC046D1-2884-6CD1-03DE-AA020E3FC7D0}"/>
+              </a:ext>
+            </a:extLst>
+          </p:cNvPr>
+          <p:cNvPicPr>
+            <a:picLocks noChangeAspect="1"/>
+          </p:cNvPicPr>
+          <p:nvPr/>
+        </p:nvPicPr>
+        <p:blipFill>
+          <a:blip r:embed="rId3"/>
+          <a:stretch>
+            <a:fillRect/>
+          </a:stretch>
+        </p:blipFill>
+        <p:spPr>
+          <a:xfrm>
+            <a:off x="1" y="1839377"/>
+            <a:ext cx="12179927" cy="4330923"/>
+          </a:xfrm>
+          <a:prstGeom prst="rect">
+            <a:avLst/>
+          </a:prstGeom>
+        </p:spPr>
+      </p:pic>
+      <p:pic>
+        <p:nvPicPr>
+          <p:cNvPr id="6" name="Picture 2" descr="I Don't Want To Understand It! | Know Your Meme">
+            <a:extLst>
+              <a:ext uri="{FF2B5EF4-FFF2-40B4-BE49-F238E27FC236}">
+                <a16:creationId xmlns:a16="http://schemas.microsoft.com/office/drawing/2014/main" id="{72DD222D-7874-ECEE-0576-5D831630A8D6}"/>
+              </a:ext>
+            </a:extLst>
+          </p:cNvPr>
+          <p:cNvPicPr>
+            <a:picLocks noChangeAspect="1" noChangeArrowheads="1"/>
+          </p:cNvPicPr>
+          <p:nvPr/>
+        </p:nvPicPr>
+        <p:blipFill>
+          <a:blip r:embed="rId4">
+            <a:extLst>
+              <a:ext uri="{28A0092B-C50C-407E-A947-70E740481C1C}">
+                <a14:useLocalDpi xmlns:a14="http://schemas.microsoft.com/office/drawing/2010/main" val="0"/>
+              </a:ext>
+            </a:extLst>
+          </a:blip>
+          <a:srcRect/>
+          <a:stretch>
+            <a:fillRect/>
+          </a:stretch>
+        </p:blipFill>
+        <p:spPr bwMode="auto">
+          <a:xfrm>
+            <a:off x="5621318" y="2398095"/>
+            <a:ext cx="6338855" cy="2695091"/>
+          </a:xfrm>
+          <a:prstGeom prst="rect">
+            <a:avLst/>
+          </a:prstGeom>
+          <a:noFill/>
+          <a:extLst>
+            <a:ext uri="{909E8E84-426E-40DD-AFC4-6F175D3DCCD1}">
+              <a14:hiddenFill xmlns:a14="http://schemas.microsoft.com/office/drawing/2010/main">
+                <a:solidFill>
+                  <a:srgbClr val="FFFFFF"/>
+                </a:solidFill>
+              </a14:hiddenFill>
+            </a:ext>
+          </a:extLst>
+        </p:spPr>
+      </p:pic>
+      <p:sp>
+        <p:nvSpPr>
+          <p:cNvPr id="8" name="TextBox 7">
+            <a:extLst>
+              <a:ext uri="{FF2B5EF4-FFF2-40B4-BE49-F238E27FC236}">
+                <a16:creationId xmlns:a16="http://schemas.microsoft.com/office/drawing/2014/main" id="{FACE21D7-8795-6A22-E698-322C1ABF5E5B}"/>
+              </a:ext>
+            </a:extLst>
+          </p:cNvPr>
+          <p:cNvSpPr txBox="1"/>
+          <p:nvPr/>
+        </p:nvSpPr>
+        <p:spPr>
+          <a:xfrm>
+            <a:off x="7572317" y="5213610"/>
+            <a:ext cx="3749424" cy="646331"/>
+          </a:xfrm>
+          <a:prstGeom prst="rect">
+            <a:avLst/>
+          </a:prstGeom>
+          <a:noFill/>
+        </p:spPr>
+        <p:txBody>
+          <a:bodyPr wrap="none" rtlCol="0">
+            <a:spAutoFit/>
+          </a:bodyPr>
+          <a:lstStyle/>
+          <a:p>
+            <a:r>
+              <a:rPr lang="en-US" sz="3600" dirty="0"/>
+              <a:t>Just make it work…</a:t>
+            </a:r>
+          </a:p>
+        </p:txBody>
+      </p:sp>
+    </p:spTree>
+    <p:extLst>
+      <p:ext uri="{BB962C8B-B14F-4D97-AF65-F5344CB8AC3E}">
+        <p14:creationId xmlns:p14="http://schemas.microsoft.com/office/powerpoint/2010/main" val="700692399"/>
+      </p:ext>
+    </p:extLst>
+  </p:cSld>
+  <p:clrMapOvr>
+    <a:masterClrMapping/>
+  </p:clrMapOvr>
+  <p:timing>
+    <p:tnLst>
+      <p:par>
+        <p:cTn id="1" dur="indefinite" restart="never" nodeType="tmRoot">
+          <p:childTnLst>
+            <p:seq concurrent="1" nextAc="seek">
+              <p:cTn id="2" dur="indefinite" nodeType="mainSeq">
+                <p:childTnLst>
+                  <p:par>
+                    <p:cTn id="3" fill="hold">
+                      <p:stCondLst>
+                        <p:cond delay="indefinite"/>
+                      </p:stCondLst>
+                      <p:childTnLst>
+                        <p:par>
+                          <p:cTn id="4" fill="hold">
+                            <p:stCondLst>
+                              <p:cond delay="0"/>
+                            </p:stCondLst>
+                            <p:childTnLst>
+                              <p:par>
+                                <p:cTn id="5" presetID="22" presetClass="entr" presetSubtype="4" fill="hold" nodeType="clickEffect">
+                                  <p:stCondLst>
+                                    <p:cond delay="0"/>
+                                  </p:stCondLst>
+                                  <p:childTnLst>
+                                    <p:set>
+                                      <p:cBhvr>
+                                        <p:cTn id="6" dur="1" fill="hold">
+                                          <p:stCondLst>
+                                            <p:cond delay="0"/>
+                                          </p:stCondLst>
+                                        </p:cTn>
+                                        <p:tgtEl>
+                                          <p:spTgt spid="10"/>
+                                        </p:tgtEl>
+                                        <p:attrNameLst>
+                                          <p:attrName>style.visibility</p:attrName>
+                                        </p:attrNameLst>
+                                      </p:cBhvr>
+                                      <p:to>
+                                        <p:strVal val="visible"/>
+                                      </p:to>
+                                    </p:set>
+                                    <p:animEffect transition="in" filter="wipe(down)">
+                                      <p:cBhvr>
+                                        <p:cTn id="7" dur="500"/>
+                                        <p:tgtEl>
+                                          <p:spTgt spid="10"/>
+                                        </p:tgtEl>
+                                      </p:cBhvr>
+                                    </p:animEffect>
+                                  </p:childTnLst>
+                                </p:cTn>
+                              </p:par>
+                            </p:childTnLst>
+                          </p:cTn>
+                        </p:par>
+                      </p:childTnLst>
+                    </p:cTn>
+                  </p:par>
+                  <p:par>
+                    <p:cTn id="8" fill="hold">
+                      <p:stCondLst>
+                        <p:cond delay="indefinite"/>
+                      </p:stCondLst>
+                      <p:childTnLst>
+                        <p:par>
+                          <p:cTn id="9" fill="hold">
+                            <p:stCondLst>
+                              <p:cond delay="0"/>
+                            </p:stCondLst>
+                            <p:childTnLst>
+                              <p:par>
+                                <p:cTn id="10" presetID="22" presetClass="entr" presetSubtype="4" fill="hold" nodeType="clickEffect">
+                                  <p:stCondLst>
+                                    <p:cond delay="0"/>
+                                  </p:stCondLst>
+                                  <p:childTnLst>
+                                    <p:set>
+                                      <p:cBhvr>
+                                        <p:cTn id="11" dur="1" fill="hold">
+                                          <p:stCondLst>
+                                            <p:cond delay="0"/>
+                                          </p:stCondLst>
+                                        </p:cTn>
+                                        <p:tgtEl>
+                                          <p:spTgt spid="6"/>
+                                        </p:tgtEl>
+                                        <p:attrNameLst>
+                                          <p:attrName>style.visibility</p:attrName>
+                                        </p:attrNameLst>
+                                      </p:cBhvr>
+                                      <p:to>
+                                        <p:strVal val="visible"/>
+                                      </p:to>
+                                    </p:set>
+                                    <p:animEffect transition="in" filter="wipe(down)">
+                                      <p:cBhvr>
+                                        <p:cTn id="12" dur="500"/>
+                                        <p:tgtEl>
+                                          <p:spTgt spid="6"/>
+                                        </p:tgtEl>
+                                      </p:cBhvr>
+                                    </p:animEffect>
+                                  </p:childTnLst>
+                                </p:cTn>
+                              </p:par>
+                            </p:childTnLst>
+                          </p:cTn>
+                        </p:par>
+                        <p:par>
+                          <p:cTn id="13" fill="hold">
+                            <p:stCondLst>
+                              <p:cond delay="500"/>
+                            </p:stCondLst>
+                            <p:childTnLst>
+                              <p:par>
+                                <p:cTn id="14" presetID="22" presetClass="entr" presetSubtype="4" fill="hold" grpId="0" nodeType="afterEffect">
+                                  <p:stCondLst>
+                                    <p:cond delay="0"/>
+                                  </p:stCondLst>
+                                  <p:childTnLst>
+                                    <p:set>
+                                      <p:cBhvr>
+                                        <p:cTn id="15" dur="1" fill="hold">
+                                          <p:stCondLst>
+                                            <p:cond delay="0"/>
+                                          </p:stCondLst>
+                                        </p:cTn>
+                                        <p:tgtEl>
+                                          <p:spTgt spid="8"/>
+                                        </p:tgtEl>
+                                        <p:attrNameLst>
+                                          <p:attrName>style.visibility</p:attrName>
+                                        </p:attrNameLst>
+                                      </p:cBhvr>
+                                      <p:to>
+                                        <p:strVal val="visible"/>
+                                      </p:to>
+                                    </p:set>
+                                    <p:animEffect transition="in" filter="wipe(down)">
+                                      <p:cBhvr>
+                                        <p:cTn id="16" dur="500"/>
+                                        <p:tgtEl>
+                                          <p:spTgt spid="8"/>
+                                        </p:tgtEl>
+                                      </p:cBhvr>
+                                    </p:animEffect>
+                                  </p:childTnLst>
+                                </p:cTn>
+                              </p:par>
+                            </p:childTnLst>
+                          </p:cTn>
+                        </p:par>
+                      </p:childTnLst>
+                    </p:cTn>
+                  </p:par>
+                </p:childTnLst>
+              </p:cTn>
+              <p:prevCondLst>
+                <p:cond evt="onPrev" delay="0">
+                  <p:tgtEl>
+                    <p:sldTgt/>
+                  </p:tgtEl>
+                </p:cond>
+              </p:prevCondLst>
+              <p:nextCondLst>
+                <p:cond evt="onNext" delay="0">
+                  <p:tgtEl>
+                    <p:sldTgt/>
+                  </p:tgtEl>
+                </p:cond>
+              </p:nextCondLst>
+            </p:seq>
+          </p:childTnLst>
+        </p:cTn>
+      </p:par>
+    </p:tnLst>
+    <p:bldLst>
+      <p:bldP spid="8" grpId="0"/>
+    </p:bldLst>
+  </p:timing>
+</p:sld>
+</file>
+
 <file path=ppt/theme/theme1.xml><?xml version="1.0" encoding="utf-8"?>
 <a:theme xmlns:a="http://schemas.openxmlformats.org/drawingml/2006/main" name="Office Theme">
   <a:themeElements>
@@ -4708,4 +11867,299 @@
     </a:ext>
   </a:extLst>
 </a:theme>
+</file>
+
+<file path=ppt/theme/theme2.xml><?xml version="1.0" encoding="utf-8"?>
+<a:theme xmlns:a="http://schemas.openxmlformats.org/drawingml/2006/main" name="Office Theme">
+  <a:themeElements>
+    <a:clrScheme name="Office">
+      <a:dk1>
+        <a:sysClr val="windowText" lastClr="000000"/>
+      </a:dk1>
+      <a:lt1>
+        <a:sysClr val="window" lastClr="FFFFFF"/>
+      </a:lt1>
+      <a:dk2>
+        <a:srgbClr val="44546A"/>
+      </a:dk2>
+      <a:lt2>
+        <a:srgbClr val="E7E6E6"/>
+      </a:lt2>
+      <a:accent1>
+        <a:srgbClr val="4472C4"/>
+      </a:accent1>
+      <a:accent2>
+        <a:srgbClr val="ED7D31"/>
+      </a:accent2>
+      <a:accent3>
+        <a:srgbClr val="A5A5A5"/>
+      </a:accent3>
+      <a:accent4>
+        <a:srgbClr val="FFC000"/>
+      </a:accent4>
+      <a:accent5>
+        <a:srgbClr val="5B9BD5"/>
+      </a:accent5>
+      <a:accent6>
+        <a:srgbClr val="70AD47"/>
+      </a:accent6>
+      <a:hlink>
+        <a:srgbClr val="0563C1"/>
+      </a:hlink>
+      <a:folHlink>
+        <a:srgbClr val="954F72"/>
+      </a:folHlink>
+    </a:clrScheme>
+    <a:fontScheme name="Office">
+      <a:majorFont>
+        <a:latin typeface="Calibri Light" panose="020F0302020204030204"/>
+        <a:ea typeface=""/>
+        <a:cs typeface=""/>
+        <a:font script="Jpan" typeface="游ゴシック Light"/>
+        <a:font script="Hang" typeface="맑은 고딕"/>
+        <a:font script="Hans" typeface="等线 Light"/>
+        <a:font script="Hant" typeface="新細明體"/>
+        <a:font script="Arab" typeface="Times New Roman"/>
+        <a:font script="Hebr" typeface="Times New Roman"/>
+        <a:font script="Thai" typeface="Angsana New"/>
+        <a:font script="Ethi" typeface="Nyala"/>
+        <a:font script="Beng" typeface="Vrinda"/>
+        <a:font script="Gujr" typeface="Shruti"/>
+        <a:font script="Khmr" typeface="MoolBoran"/>
+        <a:font script="Knda" typeface="Tunga"/>
+        <a:font script="Guru" typeface="Raavi"/>
+        <a:font script="Cans" typeface="Euphemia"/>
+        <a:font script="Cher" typeface="Plantagenet Cherokee"/>
+        <a:font script="Yiii" typeface="Microsoft Yi Baiti"/>
+        <a:font script="Tibt" typeface="Microsoft Himalaya"/>
+        <a:font script="Thaa" typeface="MV Boli"/>
+        <a:font script="Deva" typeface="Mangal"/>
+        <a:font script="Telu" typeface="Gautami"/>
+        <a:font script="Taml" typeface="Latha"/>
+        <a:font script="Syrc" typeface="Estrangelo Edessa"/>
+        <a:font script="Orya" typeface="Kalinga"/>
+        <a:font script="Mlym" typeface="Kartika"/>
+        <a:font script="Laoo" typeface="DokChampa"/>
+        <a:font script="Sinh" typeface="Iskoola Pota"/>
+        <a:font script="Mong" typeface="Mongolian Baiti"/>
+        <a:font script="Viet" typeface="Times New Roman"/>
+        <a:font script="Uigh" typeface="Microsoft Uighur"/>
+        <a:font script="Geor" typeface="Sylfaen"/>
+        <a:font script="Armn" typeface="Arial"/>
+        <a:font script="Bugi" typeface="Leelawadee UI"/>
+        <a:font script="Bopo" typeface="Microsoft JhengHei"/>
+        <a:font script="Java" typeface="Javanese Text"/>
+        <a:font script="Lisu" typeface="Segoe UI"/>
+        <a:font script="Mymr" typeface="Myanmar Text"/>
+        <a:font script="Nkoo" typeface="Ebrima"/>
+        <a:font script="Olck" typeface="Nirmala UI"/>
+        <a:font script="Osma" typeface="Ebrima"/>
+        <a:font script="Phag" typeface="Phagspa"/>
+        <a:font script="Syrn" typeface="Estrangelo Edessa"/>
+        <a:font script="Syrj" typeface="Estrangelo Edessa"/>
+        <a:font script="Syre" typeface="Estrangelo Edessa"/>
+        <a:font script="Sora" typeface="Nirmala UI"/>
+        <a:font script="Tale" typeface="Microsoft Tai Le"/>
+        <a:font script="Talu" typeface="Microsoft New Tai Lue"/>
+        <a:font script="Tfng" typeface="Ebrima"/>
+      </a:majorFont>
+      <a:minorFont>
+        <a:latin typeface="Calibri" panose="020F0502020204030204"/>
+        <a:ea typeface=""/>
+        <a:cs typeface=""/>
+        <a:font script="Jpan" typeface="游ゴシック"/>
+        <a:font script="Hang" typeface="맑은 고딕"/>
+        <a:font script="Hans" typeface="等线"/>
+        <a:font script="Hant" typeface="新細明體"/>
+        <a:font script="Arab" typeface="Arial"/>
+        <a:font script="Hebr" typeface="Arial"/>
+        <a:font script="Thai" typeface="Cordia New"/>
+        <a:font script="Ethi" typeface="Nyala"/>
+        <a:font script="Beng" typeface="Vrinda"/>
+        <a:font script="Gujr" typeface="Shruti"/>
+        <a:font script="Khmr" typeface="DaunPenh"/>
+        <a:font script="Knda" typeface="Tunga"/>
+        <a:font script="Guru" typeface="Raavi"/>
+        <a:font script="Cans" typeface="Euphemia"/>
+        <a:font script="Cher" typeface="Plantagenet Cherokee"/>
+        <a:font script="Yiii" typeface="Microsoft Yi Baiti"/>
+        <a:font script="Tibt" typeface="Microsoft Himalaya"/>
+        <a:font script="Thaa" typeface="MV Boli"/>
+        <a:font script="Deva" typeface="Mangal"/>
+        <a:font script="Telu" typeface="Gautami"/>
+        <a:font script="Taml" typeface="Latha"/>
+        <a:font script="Syrc" typeface="Estrangelo Edessa"/>
+        <a:font script="Orya" typeface="Kalinga"/>
+        <a:font script="Mlym" typeface="Kartika"/>
+        <a:font script="Laoo" typeface="DokChampa"/>
+        <a:font script="Sinh" typeface="Iskoola Pota"/>
+        <a:font script="Mong" typeface="Mongolian Baiti"/>
+        <a:font script="Viet" typeface="Arial"/>
+        <a:font script="Uigh" typeface="Microsoft Uighur"/>
+        <a:font script="Geor" typeface="Sylfaen"/>
+        <a:font script="Armn" typeface="Arial"/>
+        <a:font script="Bugi" typeface="Leelawadee UI"/>
+        <a:font script="Bopo" typeface="Microsoft JhengHei"/>
+        <a:font script="Java" typeface="Javanese Text"/>
+        <a:font script="Lisu" typeface="Segoe UI"/>
+        <a:font script="Mymr" typeface="Myanmar Text"/>
+        <a:font script="Nkoo" typeface="Ebrima"/>
+        <a:font script="Olck" typeface="Nirmala UI"/>
+        <a:font script="Osma" typeface="Ebrima"/>
+        <a:font script="Phag" typeface="Phagspa"/>
+        <a:font script="Syrn" typeface="Estrangelo Edessa"/>
+        <a:font script="Syrj" typeface="Estrangelo Edessa"/>
+        <a:font script="Syre" typeface="Estrangelo Edessa"/>
+        <a:font script="Sora" typeface="Nirmala UI"/>
+        <a:font script="Tale" typeface="Microsoft Tai Le"/>
+        <a:font script="Talu" typeface="Microsoft New Tai Lue"/>
+        <a:font script="Tfng" typeface="Ebrima"/>
+      </a:minorFont>
+    </a:fontScheme>
+    <a:fmtScheme name="Office">
+      <a:fillStyleLst>
+        <a:solidFill>
+          <a:schemeClr val="phClr"/>
+        </a:solidFill>
+        <a:gradFill rotWithShape="1">
+          <a:gsLst>
+            <a:gs pos="0">
+              <a:schemeClr val="phClr">
+                <a:lumMod val="110000"/>
+                <a:satMod val="105000"/>
+                <a:tint val="67000"/>
+              </a:schemeClr>
+            </a:gs>
+            <a:gs pos="50000">
+              <a:schemeClr val="phClr">
+                <a:lumMod val="105000"/>
+                <a:satMod val="103000"/>
+                <a:tint val="73000"/>
+              </a:schemeClr>
+            </a:gs>
+            <a:gs pos="100000">
+              <a:schemeClr val="phClr">
+                <a:lumMod val="105000"/>
+                <a:satMod val="109000"/>
+                <a:tint val="81000"/>
+              </a:schemeClr>
+            </a:gs>
+          </a:gsLst>
+          <a:lin ang="5400000" scaled="0"/>
+        </a:gradFill>
+        <a:gradFill rotWithShape="1">
+          <a:gsLst>
+            <a:gs pos="0">
+              <a:schemeClr val="phClr">
+                <a:satMod val="103000"/>
+                <a:lumMod val="102000"/>
+                <a:tint val="94000"/>
+              </a:schemeClr>
+            </a:gs>
+            <a:gs pos="50000">
+              <a:schemeClr val="phClr">
+                <a:satMod val="110000"/>
+                <a:lumMod val="100000"/>
+                <a:shade val="100000"/>
+              </a:schemeClr>
+            </a:gs>
+            <a:gs pos="100000">
+              <a:schemeClr val="phClr">
+                <a:lumMod val="99000"/>
+                <a:satMod val="120000"/>
+                <a:shade val="78000"/>
+              </a:schemeClr>
+            </a:gs>
+          </a:gsLst>
+          <a:lin ang="5400000" scaled="0"/>
+        </a:gradFill>
+      </a:fillStyleLst>
+      <a:lnStyleLst>
+        <a:ln w="6350" cap="flat" cmpd="sng" algn="ctr">
+          <a:solidFill>
+            <a:schemeClr val="phClr"/>
+          </a:solidFill>
+          <a:prstDash val="solid"/>
+          <a:miter lim="800000"/>
+        </a:ln>
+        <a:ln w="12700" cap="flat" cmpd="sng" algn="ctr">
+          <a:solidFill>
+            <a:schemeClr val="phClr"/>
+          </a:solidFill>
+          <a:prstDash val="solid"/>
+          <a:miter lim="800000"/>
+        </a:ln>
+        <a:ln w="19050" cap="flat" cmpd="sng" algn="ctr">
+          <a:solidFill>
+            <a:schemeClr val="phClr"/>
+          </a:solidFill>
+          <a:prstDash val="solid"/>
+          <a:miter lim="800000"/>
+        </a:ln>
+      </a:lnStyleLst>
+      <a:effectStyleLst>
+        <a:effectStyle>
+          <a:effectLst/>
+        </a:effectStyle>
+        <a:effectStyle>
+          <a:effectLst/>
+        </a:effectStyle>
+        <a:effectStyle>
+          <a:effectLst>
+            <a:outerShdw blurRad="57150" dist="19050" dir="5400000" algn="ctr" rotWithShape="0">
+              <a:srgbClr val="000000">
+                <a:alpha val="63000"/>
+              </a:srgbClr>
+            </a:outerShdw>
+          </a:effectLst>
+        </a:effectStyle>
+      </a:effectStyleLst>
+      <a:bgFillStyleLst>
+        <a:solidFill>
+          <a:schemeClr val="phClr"/>
+        </a:solidFill>
+        <a:solidFill>
+          <a:schemeClr val="phClr">
+            <a:tint val="95000"/>
+            <a:satMod val="170000"/>
+          </a:schemeClr>
+        </a:solidFill>
+        <a:gradFill rotWithShape="1">
+          <a:gsLst>
+            <a:gs pos="0">
+              <a:schemeClr val="phClr">
+                <a:tint val="93000"/>
+                <a:satMod val="150000"/>
+                <a:shade val="98000"/>
+                <a:lumMod val="102000"/>
+              </a:schemeClr>
+            </a:gs>
+            <a:gs pos="50000">
+              <a:schemeClr val="phClr">
+                <a:tint val="98000"/>
+                <a:satMod val="130000"/>
+                <a:shade val="90000"/>
+                <a:lumMod val="103000"/>
+              </a:schemeClr>
+            </a:gs>
+            <a:gs pos="100000">
+              <a:schemeClr val="phClr">
+                <a:shade val="63000"/>
+                <a:satMod val="120000"/>
+              </a:schemeClr>
+            </a:gs>
+          </a:gsLst>
+          <a:lin ang="5400000" scaled="0"/>
+        </a:gradFill>
+      </a:bgFillStyleLst>
+    </a:fmtScheme>
+  </a:themeElements>
+  <a:objectDefaults/>
+  <a:extraClrSchemeLst/>
+  <a:extLst>
+    <a:ext uri="{05A4C25C-085E-4340-85A3-A5531E510DB2}">
+      <thm15:themeFamily xmlns:thm15="http://schemas.microsoft.com/office/thememl/2012/main" name="Office Theme" id="{62F939B6-93AF-4DB8-9C6B-D6C7DFDC589F}" vid="{4A3C46E8-61CC-4603-A589-7422A47A8E4A}"/>
+    </a:ext>
+  </a:extLst>
+</a:theme>
 </file>